--- a/开题报告.pptx
+++ b/开题报告.pptx
@@ -11353,14 +11353,14 @@
           </a:ln>
           <a:extLst>
             <a:ext uri="{909E8E84-426E-40dd-AFC4-6F175D3DCCD1}">
-              <a14:hiddenFill xmlns:a14="http://schemas.microsoft.com/office/drawing/2010/main" xmlns="">
+              <a14:hiddenFill xmlns="" xmlns:a14="http://schemas.microsoft.com/office/drawing/2010/main">
                 <a:solidFill>
                   <a:srgbClr val="FFFFFF"/>
                 </a:solidFill>
               </a14:hiddenFill>
             </a:ext>
             <a:ext uri="{91240B29-F687-4f45-9708-019B960494DF}">
-              <a14:hiddenLine xmlns:a14="http://schemas.microsoft.com/office/drawing/2010/main" xmlns="" w="9525">
+              <a14:hiddenLine xmlns="" xmlns:a14="http://schemas.microsoft.com/office/drawing/2010/main" w="9525">
                 <a:solidFill>
                   <a:srgbClr val="000000"/>
                 </a:solidFill>
@@ -18793,8 +18793,8 @@
           </a:fontRef>
         </p:style>
       </p:cxnSp>
-      <mc:AlternateContent xmlns:mc="http://schemas.openxmlformats.org/markup-compatibility/2006" xmlns:a14="http://schemas.microsoft.com/office/drawing/2010/main">
-        <mc:Choice Requires="a14">
+      <mc:AlternateContent xmlns:mc="http://schemas.openxmlformats.org/markup-compatibility/2006">
+        <mc:Choice xmlns:a14="http://schemas.microsoft.com/office/drawing/2010/main" Requires="a14">
           <p:sp>
             <p:nvSpPr>
               <p:cNvPr id="9" name="矩形 8">
@@ -18823,25 +18823,44 @@
               <a:lstStyle/>
               <a:p>
                 <a:r>
-                  <a:rPr lang="zh-CN" altLang="en-US" dirty="0"/>
+                  <a:rPr lang="zh-CN" altLang="en-US" dirty="0">
+                    <a:solidFill>
+                      <a:srgbClr val="FF0000"/>
+                    </a:solidFill>
+                  </a:rPr>
                   <a:t>𝐻</a:t>
                 </a:r>
                 <a:r>
-                  <a:rPr lang="en-US" altLang="zh-CN" dirty="0"/>
+                  <a:rPr lang="en-US" altLang="zh-CN" dirty="0">
+                    <a:solidFill>
+                      <a:srgbClr val="FF0000"/>
+                    </a:solidFill>
+                  </a:rPr>
                   <a:t>(</a:t>
                 </a:r>
                 <a:r>
-                  <a:rPr lang="zh-CN" altLang="en-US" dirty="0"/>
+                  <a:rPr lang="zh-CN" altLang="en-US" dirty="0">
+                    <a:solidFill>
+                      <a:srgbClr val="FF0000"/>
+                    </a:solidFill>
+                  </a:rPr>
                   <a:t>𝑟</a:t>
                 </a:r>
                 <a:r>
-                  <a:rPr lang="en-US" altLang="zh-CN" dirty="0"/>
+                  <a:rPr lang="en-US" altLang="zh-CN" dirty="0">
+                    <a:solidFill>
+                      <a:srgbClr val="FF0000"/>
+                    </a:solidFill>
+                  </a:rPr>
                   <a:t>)=</a:t>
                 </a:r>
                 <a14:m>
                   <m:oMath xmlns:m="http://schemas.openxmlformats.org/officeDocument/2006/math">
                     <m:r>
                       <a:rPr lang="zh-CN" altLang="en-US" i="1" dirty="0">
+                        <a:solidFill>
+                          <a:srgbClr val="FF0000"/>
+                        </a:solidFill>
                         <a:latin typeface="Cambria Math" panose="02040503050406030204" pitchFamily="18" charset="0"/>
                         <a:sym typeface="+mn-lt"/>
                       </a:rPr>
@@ -18849,12 +18868,16 @@
                     </m:r>
                   </m:oMath>
                 </a14:m>
-                <a:endParaRPr lang="zh-CN" altLang="en-US" dirty="0"/>
+                <a:endParaRPr lang="zh-CN" altLang="en-US" dirty="0">
+                  <a:solidFill>
+                    <a:srgbClr val="FF0000"/>
+                  </a:solidFill>
+                </a:endParaRPr>
               </a:p>
             </p:txBody>
           </p:sp>
         </mc:Choice>
-        <mc:Fallback xmlns="">
+        <mc:Fallback>
           <p:sp>
             <p:nvSpPr>
               <p:cNvPr id="9" name="矩形 8">
@@ -18947,8 +18970,8 @@
           </a:p>
         </p:txBody>
       </p:sp>
-      <mc:AlternateContent xmlns:mc="http://schemas.openxmlformats.org/markup-compatibility/2006" xmlns:a14="http://schemas.microsoft.com/office/drawing/2010/main">
-        <mc:Choice Requires="a14">
+      <mc:AlternateContent xmlns:mc="http://schemas.openxmlformats.org/markup-compatibility/2006">
+        <mc:Choice xmlns:a14="http://schemas.microsoft.com/office/drawing/2010/main" Requires="a14">
           <p:sp>
             <p:nvSpPr>
               <p:cNvPr id="14" name="矩形 13">
@@ -18979,9 +19002,9 @@
                 <a14:m>
                   <m:oMath xmlns:m="http://schemas.openxmlformats.org/officeDocument/2006/math">
                     <m:r>
-                      <a:rPr lang="zh-CN" altLang="en-US" dirty="0">
+                      <a:rPr lang="zh-CN" altLang="en-US" dirty="0" smtClean="0">
                         <a:solidFill>
-                          <a:srgbClr val="374151"/>
+                          <a:srgbClr val="FF0000"/>
                         </a:solidFill>
                         <a:latin typeface="Cambria Math" panose="02040503050406030204" pitchFamily="18" charset="0"/>
                         <a:sym typeface="+mn-lt"/>
@@ -18993,7 +19016,7 @@
                         <m:ctrlPr>
                           <a:rPr lang="zh-CN" altLang="en-US" i="1" dirty="0">
                             <a:solidFill>
-                              <a:srgbClr val="374151"/>
+                              <a:srgbClr val="FF0000"/>
                             </a:solidFill>
                             <a:latin typeface="Cambria Math" panose="02040503050406030204" pitchFamily="18" charset="0"/>
                             <a:sym typeface="+mn-lt"/>
@@ -19004,7 +19027,7 @@
                         <m:r>
                           <a:rPr lang="zh-CN" altLang="en-US" dirty="0">
                             <a:solidFill>
-                              <a:srgbClr val="374151"/>
+                              <a:srgbClr val="FF0000"/>
                             </a:solidFill>
                             <a:latin typeface="Cambria Math" panose="02040503050406030204" pitchFamily="18" charset="0"/>
                             <a:sym typeface="+mn-lt"/>
@@ -19016,7 +19039,7 @@
                         <m:r>
                           <a:rPr lang="zh-CN" altLang="en-US" dirty="0">
                             <a:solidFill>
-                              <a:srgbClr val="374151"/>
+                              <a:srgbClr val="FF0000"/>
                             </a:solidFill>
                             <a:latin typeface="Cambria Math" panose="02040503050406030204" pitchFamily="18" charset="0"/>
                             <a:sym typeface="+mn-lt"/>
@@ -19028,7 +19051,11 @@
                   </m:oMath>
                 </a14:m>
                 <a:r>
-                  <a:rPr lang="en-US" altLang="zh-CN" dirty="0"/>
+                  <a:rPr lang="en-US" altLang="zh-CN" dirty="0">
+                    <a:solidFill>
+                      <a:srgbClr val="FF0000"/>
+                    </a:solidFill>
+                  </a:rPr>
                   <a:t>=</a:t>
                 </a:r>
                 <a14:m>
@@ -19036,7 +19063,7 @@
                     <m:r>
                       <a:rPr lang="zh-CN" altLang="en-US" dirty="0">
                         <a:solidFill>
-                          <a:srgbClr val="374151"/>
+                          <a:srgbClr val="FF0000"/>
                         </a:solidFill>
                         <a:latin typeface="Cambria Math" panose="02040503050406030204" pitchFamily="18" charset="0"/>
                         <a:sym typeface="+mn-lt"/>
@@ -19048,7 +19075,7 @@
                         <m:ctrlPr>
                           <a:rPr lang="zh-CN" altLang="en-US" i="1" dirty="0">
                             <a:solidFill>
-                              <a:srgbClr val="374151"/>
+                              <a:srgbClr val="FF0000"/>
                             </a:solidFill>
                             <a:latin typeface="Cambria Math" panose="02040503050406030204" pitchFamily="18" charset="0"/>
                             <a:sym typeface="+mn-lt"/>
@@ -19059,7 +19086,7 @@
                         <m:r>
                           <a:rPr lang="zh-CN" altLang="en-US" dirty="0">
                             <a:solidFill>
-                              <a:srgbClr val="374151"/>
+                              <a:srgbClr val="FF0000"/>
                             </a:solidFill>
                             <a:latin typeface="Cambria Math" panose="02040503050406030204" pitchFamily="18" charset="0"/>
                             <a:sym typeface="+mn-lt"/>
@@ -19071,7 +19098,7 @@
                         <m:r>
                           <a:rPr lang="zh-CN" altLang="en-US" dirty="0">
                             <a:solidFill>
-                              <a:srgbClr val="374151"/>
+                              <a:srgbClr val="FF0000"/>
                             </a:solidFill>
                             <a:latin typeface="Cambria Math" panose="02040503050406030204" pitchFamily="18" charset="0"/>
                             <a:sym typeface="+mn-lt"/>
@@ -19083,23 +19110,43 @@
                   </m:oMath>
                 </a14:m>
                 <a:r>
-                  <a:rPr lang="en-US" altLang="zh-CN" dirty="0"/>
+                  <a:rPr lang="en-US" altLang="zh-CN" dirty="0">
+                    <a:solidFill>
+                      <a:srgbClr val="FF0000"/>
+                    </a:solidFill>
+                  </a:rPr>
                   <a:t>-</a:t>
                 </a:r>
                 <a:r>
-                  <a:rPr lang="zh-CN" altLang="en-US" dirty="0"/>
+                  <a:rPr lang="zh-CN" altLang="en-US" dirty="0">
+                    <a:solidFill>
+                      <a:srgbClr val="FF0000"/>
+                    </a:solidFill>
+                  </a:rPr>
                   <a:t>𝐻</a:t>
                 </a:r>
                 <a:r>
-                  <a:rPr lang="en-US" altLang="zh-CN" dirty="0"/>
+                  <a:rPr lang="en-US" altLang="zh-CN" dirty="0">
+                    <a:solidFill>
+                      <a:srgbClr val="FF0000"/>
+                    </a:solidFill>
+                  </a:rPr>
                   <a:t>(</a:t>
                 </a:r>
                 <a:r>
-                  <a:rPr lang="zh-CN" altLang="en-US" dirty="0"/>
+                  <a:rPr lang="zh-CN" altLang="en-US" dirty="0">
+                    <a:solidFill>
+                      <a:srgbClr val="FF0000"/>
+                    </a:solidFill>
+                  </a:rPr>
                   <a:t>𝑟</a:t>
                 </a:r>
                 <a:r>
-                  <a:rPr lang="en-US" altLang="zh-CN" dirty="0"/>
+                  <a:rPr lang="en-US" altLang="zh-CN" dirty="0">
+                    <a:solidFill>
+                      <a:srgbClr val="FF0000"/>
+                    </a:solidFill>
+                  </a:rPr>
                   <a:t>)=</a:t>
                 </a:r>
                 <a14:m>
@@ -19107,7 +19154,7 @@
                     <m:r>
                       <a:rPr lang="zh-CN" altLang="en-US" dirty="0">
                         <a:solidFill>
-                          <a:srgbClr val="374151"/>
+                          <a:srgbClr val="FF0000"/>
                         </a:solidFill>
                         <a:latin typeface="Cambria Math" panose="02040503050406030204" pitchFamily="18" charset="0"/>
                         <a:sym typeface="+mn-lt"/>
@@ -19119,7 +19166,7 @@
                         <m:ctrlPr>
                           <a:rPr lang="zh-CN" altLang="en-US" i="1" dirty="0">
                             <a:solidFill>
-                              <a:srgbClr val="374151"/>
+                              <a:srgbClr val="FF0000"/>
                             </a:solidFill>
                             <a:latin typeface="Cambria Math" panose="02040503050406030204" pitchFamily="18" charset="0"/>
                             <a:sym typeface="+mn-lt"/>
@@ -19130,7 +19177,7 @@
                         <m:r>
                           <a:rPr lang="zh-CN" altLang="en-US" dirty="0">
                             <a:solidFill>
-                              <a:srgbClr val="374151"/>
+                              <a:srgbClr val="FF0000"/>
                             </a:solidFill>
                             <a:latin typeface="Cambria Math" panose="02040503050406030204" pitchFamily="18" charset="0"/>
                             <a:sym typeface="+mn-lt"/>
@@ -19142,7 +19189,7 @@
                         <m:r>
                           <a:rPr lang="zh-CN" altLang="en-US" dirty="0">
                             <a:solidFill>
-                              <a:srgbClr val="374151"/>
+                              <a:srgbClr val="FF0000"/>
                             </a:solidFill>
                             <a:latin typeface="Cambria Math" panose="02040503050406030204" pitchFamily="18" charset="0"/>
                             <a:sym typeface="+mn-lt"/>
@@ -19154,13 +19201,20 @@
                   </m:oMath>
                 </a14:m>
                 <a:r>
-                  <a:rPr lang="en-US" altLang="zh-CN" dirty="0"/>
+                  <a:rPr lang="en-US" altLang="zh-CN" dirty="0">
+                    <a:solidFill>
+                      <a:srgbClr val="FF0000"/>
+                    </a:solidFill>
+                  </a:rPr>
                   <a:t>-</a:t>
                 </a:r>
                 <a14:m>
                   <m:oMath xmlns:m="http://schemas.openxmlformats.org/officeDocument/2006/math">
                     <m:r>
                       <a:rPr lang="zh-CN" altLang="en-US" i="1" dirty="0">
+                        <a:solidFill>
+                          <a:srgbClr val="FF0000"/>
+                        </a:solidFill>
                         <a:latin typeface="Cambria Math" panose="02040503050406030204" pitchFamily="18" charset="0"/>
                         <a:sym typeface="+mn-lt"/>
                       </a:rPr>
@@ -19168,12 +19222,16 @@
                     </m:r>
                   </m:oMath>
                 </a14:m>
-                <a:endParaRPr lang="zh-CN" altLang="en-US" dirty="0"/>
+                <a:endParaRPr lang="zh-CN" altLang="en-US" dirty="0">
+                  <a:solidFill>
+                    <a:srgbClr val="FF0000"/>
+                  </a:solidFill>
+                </a:endParaRPr>
               </a:p>
             </p:txBody>
           </p:sp>
         </mc:Choice>
-        <mc:Fallback xmlns="">
+        <mc:Fallback>
           <p:sp>
             <p:nvSpPr>
               <p:cNvPr id="14" name="矩形 13">
@@ -19305,7 +19363,7 @@
         </p:nvSpPr>
         <p:spPr>
           <a:xfrm>
-            <a:off x="631596" y="1008668"/>
+            <a:off x="565564" y="1019384"/>
             <a:ext cx="4685122" cy="417358"/>
           </a:xfrm>
           <a:prstGeom prst="rect">
@@ -19356,7 +19414,7 @@
             <p:spPr>
               <a:xfrm>
                 <a:off x="631596" y="2086956"/>
-                <a:ext cx="11425286" cy="2403158"/>
+                <a:ext cx="5464404" cy="1415580"/>
               </a:xfrm>
               <a:prstGeom prst="rect">
                 <a:avLst/>
@@ -19382,7 +19440,10 @@
                     <m:sSub>
                       <m:sSubPr>
                         <m:ctrlPr>
-                          <a:rPr lang="en-US" altLang="zh-CN" i="1" kern="0" smtClean="0">
+                          <a:rPr lang="en-US" altLang="zh-CN" sz="1400" i="1" kern="0" smtClean="0">
+                            <a:solidFill>
+                              <a:srgbClr val="FF0000"/>
+                            </a:solidFill>
                             <a:latin typeface="Cambria Math" panose="02040503050406030204" pitchFamily="18" charset="0"/>
                             <a:ea typeface="微软雅黑" panose="020B0503020204020204" pitchFamily="34" charset="-122"/>
                             <a:cs typeface="+mn-ea"/>
@@ -19392,7 +19453,10 @@
                       </m:sSubPr>
                       <m:e>
                         <m:r>
-                          <a:rPr lang="en-US" altLang="zh-CN" i="1" kern="0">
+                          <a:rPr lang="en-US" altLang="zh-CN" sz="1400" i="1" kern="0">
+                            <a:solidFill>
+                              <a:srgbClr val="FF0000"/>
+                            </a:solidFill>
                             <a:latin typeface="Cambria Math" panose="02040503050406030204" pitchFamily="18" charset="0"/>
                             <a:ea typeface="微软雅黑" panose="020B0503020204020204" pitchFamily="34" charset="-122"/>
                             <a:cs typeface="+mn-ea"/>
@@ -19404,116 +19468,10 @@
                           <m:rPr>
                             <m:sty m:val="p"/>
                           </m:rPr>
-                          <a:rPr lang="en-US" altLang="zh-CN" i="1" kern="0">
-                            <a:latin typeface="Cambria Math" panose="02040503050406030204" pitchFamily="18" charset="0"/>
-                            <a:ea typeface="微软雅黑" panose="020B0503020204020204" pitchFamily="34" charset="-122"/>
-                            <a:cs typeface="+mn-ea"/>
-                            <a:sym typeface="+mn-lt"/>
-                          </a:rPr>
-                          <m:t>vot</m:t>
-                        </m:r>
-                        <m:r>
-                          <m:rPr>
-                            <m:sty m:val="p"/>
-                          </m:rPr>
-                          <a:rPr lang="en-US" altLang="zh-CN" i="1" kern="0">
-                            <a:latin typeface="Cambria Math" panose="02040503050406030204" pitchFamily="18" charset="0"/>
-                            <a:ea typeface="微软雅黑" panose="020B0503020204020204" pitchFamily="34" charset="-122"/>
-                            <a:cs typeface="+mn-ea"/>
-                            <a:sym typeface="+mn-lt"/>
-                          </a:rPr>
-                          <m:t>e</m:t>
-                        </m:r>
-                      </m:e>
-                      <m:sub>
-                        <m:r>
-                          <m:rPr>
-                            <m:sty m:val="p"/>
-                          </m:rPr>
-                          <a:rPr lang="en-US" altLang="zh-CN" i="1" kern="0">
-                            <a:latin typeface="Cambria Math" panose="02040503050406030204" pitchFamily="18" charset="0"/>
-                            <a:ea typeface="微软雅黑" panose="020B0503020204020204" pitchFamily="34" charset="-122"/>
-                            <a:cs typeface="+mn-ea"/>
-                            <a:sym typeface="+mn-lt"/>
-                          </a:rPr>
-                          <m:t>n</m:t>
-                        </m:r>
-                        <m:r>
-                          <a:rPr lang="en-US" altLang="zh-CN" i="1" kern="0">
-                            <a:latin typeface="Cambria Math" panose="02040503050406030204" pitchFamily="18" charset="0"/>
-                            <a:ea typeface="微软雅黑" panose="020B0503020204020204" pitchFamily="34" charset="-122"/>
-                            <a:cs typeface="+mn-ea"/>
-                            <a:sym typeface="+mn-lt"/>
-                          </a:rPr>
-                          <m:t>,</m:t>
-                        </m:r>
-                        <m:r>
-                          <a:rPr lang="en-US" altLang="zh-CN" i="1" kern="0">
-                            <a:latin typeface="Cambria Math" panose="02040503050406030204" pitchFamily="18" charset="0"/>
-                            <a:ea typeface="微软雅黑" panose="020B0503020204020204" pitchFamily="34" charset="-122"/>
-                            <a:cs typeface="+mn-ea"/>
-                            <a:sym typeface="+mn-lt"/>
-                          </a:rPr>
-                          <m:t>𝑖</m:t>
-                        </m:r>
-                      </m:sub>
-                    </m:sSub>
-                  </m:oMath>
-                </a14:m>
-                <a:r>
-                  <a:rPr lang="en-US" altLang="zh-CN" kern="0" dirty="0">
-                    <a:solidFill>
-                      <a:schemeClr val="tx1"/>
-                    </a:solidFill>
-                    <a:latin typeface="微软雅黑" panose="020B0503020204020204" pitchFamily="34" charset="-122"/>
-                    <a:ea typeface="微软雅黑" panose="020B0503020204020204" pitchFamily="34" charset="-122"/>
-                    <a:cs typeface="+mn-ea"/>
-                    <a:sym typeface="+mn-lt"/>
-                  </a:rPr>
-                  <a:t>=</a:t>
-                </a:r>
-                <a:r>
-                  <a:rPr lang="en-US" altLang="zh-CN" kern="0" dirty="0">
-                    <a:solidFill>
-                      <a:schemeClr val="tx1"/>
-                    </a:solidFill>
-                    <a:ea typeface="微软雅黑" panose="020B0503020204020204" pitchFamily="34" charset="-122"/>
-                    <a:cs typeface="+mn-ea"/>
-                    <a:sym typeface="+mn-lt"/>
-                  </a:rPr>
-                  <a:t> </a:t>
-                </a:r>
-                <a14:m>
-                  <m:oMath xmlns:m="http://schemas.openxmlformats.org/officeDocument/2006/math">
-                    <m:sSub>
-                      <m:sSubPr>
-                        <m:ctrlPr>
-                          <a:rPr lang="en-US" altLang="zh-CN" i="1" kern="0">
+                          <a:rPr lang="en-US" altLang="zh-CN" sz="1400" i="1" kern="0">
                             <a:solidFill>
-                              <a:schemeClr val="tx1"/>
+                              <a:srgbClr val="FF0000"/>
                             </a:solidFill>
-                            <a:latin typeface="Cambria Math" panose="02040503050406030204" pitchFamily="18" charset="0"/>
-                            <a:ea typeface="微软雅黑" panose="020B0503020204020204" pitchFamily="34" charset="-122"/>
-                            <a:cs typeface="+mn-ea"/>
-                            <a:sym typeface="+mn-lt"/>
-                          </a:rPr>
-                        </m:ctrlPr>
-                      </m:sSubPr>
-                      <m:e>
-                        <m:r>
-                          <a:rPr lang="en-US" altLang="zh-CN" i="1" kern="0">
-                            <a:latin typeface="Cambria Math" panose="02040503050406030204" pitchFamily="18" charset="0"/>
-                            <a:ea typeface="微软雅黑" panose="020B0503020204020204" pitchFamily="34" charset="-122"/>
-                            <a:cs typeface="+mn-ea"/>
-                            <a:sym typeface="+mn-lt"/>
-                          </a:rPr>
-                          <m:t>𝑅</m:t>
-                        </m:r>
-                        <m:r>
-                          <m:rPr>
-                            <m:sty m:val="p"/>
-                          </m:rPr>
-                          <a:rPr lang="en-US" altLang="zh-CN" i="1" kern="0">
                             <a:latin typeface="Cambria Math" panose="02040503050406030204" pitchFamily="18" charset="0"/>
                             <a:ea typeface="微软雅黑" panose="020B0503020204020204" pitchFamily="34" charset="-122"/>
                             <a:cs typeface="+mn-ea"/>
@@ -19527,9 +19485,9 @@
                           <m:rPr>
                             <m:sty m:val="p"/>
                           </m:rPr>
-                          <a:rPr lang="en-US" altLang="zh-CN" i="1" kern="0">
+                          <a:rPr lang="en-US" altLang="zh-CN" sz="1400" i="1" kern="0">
                             <a:solidFill>
-                              <a:schemeClr val="tx1"/>
+                              <a:srgbClr val="FF0000"/>
                             </a:solidFill>
                             <a:latin typeface="Cambria Math" panose="02040503050406030204" pitchFamily="18" charset="0"/>
                             <a:ea typeface="微软雅黑" panose="020B0503020204020204" pitchFamily="34" charset="-122"/>
@@ -19539,21 +19497,9 @@
                           <m:t>n</m:t>
                         </m:r>
                         <m:r>
-                          <a:rPr lang="en-US" altLang="zh-CN" b="0" i="1" kern="0" smtClean="0">
+                          <a:rPr lang="en-US" altLang="zh-CN" sz="1400" i="1" kern="0">
                             <a:solidFill>
-                              <a:schemeClr val="tx1"/>
-                            </a:solidFill>
-                            <a:latin typeface="Cambria Math" panose="02040503050406030204" pitchFamily="18" charset="0"/>
-                            <a:ea typeface="微软雅黑" panose="020B0503020204020204" pitchFamily="34" charset="-122"/>
-                            <a:cs typeface="+mn-ea"/>
-                            <a:sym typeface="+mn-lt"/>
-                          </a:rPr>
-                          <m:t>−1</m:t>
-                        </m:r>
-                        <m:r>
-                          <a:rPr lang="en-US" altLang="zh-CN" i="1" kern="0">
-                            <a:solidFill>
-                              <a:schemeClr val="tx1"/>
+                              <a:srgbClr val="FF0000"/>
                             </a:solidFill>
                             <a:latin typeface="Cambria Math" panose="02040503050406030204" pitchFamily="18" charset="0"/>
                             <a:ea typeface="微软雅黑" panose="020B0503020204020204" pitchFamily="34" charset="-122"/>
@@ -19563,9 +19509,9 @@
                           <m:t>,</m:t>
                         </m:r>
                         <m:r>
-                          <a:rPr lang="en-US" altLang="zh-CN" i="1" kern="0">
+                          <a:rPr lang="en-US" altLang="zh-CN" sz="1400" i="1" kern="0">
                             <a:solidFill>
-                              <a:schemeClr val="tx1"/>
+                              <a:srgbClr val="FF0000"/>
                             </a:solidFill>
                             <a:latin typeface="Cambria Math" panose="02040503050406030204" pitchFamily="18" charset="0"/>
                             <a:ea typeface="微软雅黑" panose="020B0503020204020204" pitchFamily="34" charset="-122"/>
@@ -19579,9 +19525,133 @@
                   </m:oMath>
                 </a14:m>
                 <a:r>
-                  <a:rPr lang="en-US" altLang="zh-CN" kern="0" dirty="0">
+                  <a:rPr lang="en-US" altLang="zh-CN" sz="1400" kern="0" dirty="0">
                     <a:solidFill>
-                      <a:schemeClr val="tx1"/>
+                      <a:srgbClr val="FF0000"/>
+                    </a:solidFill>
+                    <a:latin typeface="微软雅黑" panose="020B0503020204020204" pitchFamily="34" charset="-122"/>
+                    <a:ea typeface="微软雅黑" panose="020B0503020204020204" pitchFamily="34" charset="-122"/>
+                    <a:cs typeface="+mn-ea"/>
+                    <a:sym typeface="+mn-lt"/>
+                  </a:rPr>
+                  <a:t>=</a:t>
+                </a:r>
+                <a:r>
+                  <a:rPr lang="en-US" altLang="zh-CN" sz="1400" kern="0" dirty="0">
+                    <a:solidFill>
+                      <a:srgbClr val="FF0000"/>
+                    </a:solidFill>
+                    <a:ea typeface="微软雅黑" panose="020B0503020204020204" pitchFamily="34" charset="-122"/>
+                    <a:cs typeface="+mn-ea"/>
+                    <a:sym typeface="+mn-lt"/>
+                  </a:rPr>
+                  <a:t> </a:t>
+                </a:r>
+                <a14:m>
+                  <m:oMath xmlns:m="http://schemas.openxmlformats.org/officeDocument/2006/math">
+                    <m:sSub>
+                      <m:sSubPr>
+                        <m:ctrlPr>
+                          <a:rPr lang="en-US" altLang="zh-CN" sz="1400" i="1" kern="0">
+                            <a:solidFill>
+                              <a:srgbClr val="FF0000"/>
+                            </a:solidFill>
+                            <a:latin typeface="Cambria Math" panose="02040503050406030204" pitchFamily="18" charset="0"/>
+                            <a:ea typeface="微软雅黑" panose="020B0503020204020204" pitchFamily="34" charset="-122"/>
+                            <a:cs typeface="+mn-ea"/>
+                            <a:sym typeface="+mn-lt"/>
+                          </a:rPr>
+                        </m:ctrlPr>
+                      </m:sSubPr>
+                      <m:e>
+                        <m:r>
+                          <a:rPr lang="en-US" altLang="zh-CN" sz="1400" i="1" kern="0">
+                            <a:solidFill>
+                              <a:srgbClr val="FF0000"/>
+                            </a:solidFill>
+                            <a:latin typeface="Cambria Math" panose="02040503050406030204" pitchFamily="18" charset="0"/>
+                            <a:ea typeface="微软雅黑" panose="020B0503020204020204" pitchFamily="34" charset="-122"/>
+                            <a:cs typeface="+mn-ea"/>
+                            <a:sym typeface="+mn-lt"/>
+                          </a:rPr>
+                          <m:t>𝑅</m:t>
+                        </m:r>
+                        <m:r>
+                          <m:rPr>
+                            <m:sty m:val="p"/>
+                          </m:rPr>
+                          <a:rPr lang="en-US" altLang="zh-CN" sz="1400" i="1" kern="0">
+                            <a:solidFill>
+                              <a:srgbClr val="FF0000"/>
+                            </a:solidFill>
+                            <a:latin typeface="Cambria Math" panose="02040503050406030204" pitchFamily="18" charset="0"/>
+                            <a:ea typeface="微软雅黑" panose="020B0503020204020204" pitchFamily="34" charset="-122"/>
+                            <a:cs typeface="+mn-ea"/>
+                            <a:sym typeface="+mn-lt"/>
+                          </a:rPr>
+                          <m:t>vote</m:t>
+                        </m:r>
+                      </m:e>
+                      <m:sub>
+                        <m:r>
+                          <m:rPr>
+                            <m:sty m:val="p"/>
+                          </m:rPr>
+                          <a:rPr lang="en-US" altLang="zh-CN" sz="1400" i="1" kern="0">
+                            <a:solidFill>
+                              <a:srgbClr val="FF0000"/>
+                            </a:solidFill>
+                            <a:latin typeface="Cambria Math" panose="02040503050406030204" pitchFamily="18" charset="0"/>
+                            <a:ea typeface="微软雅黑" panose="020B0503020204020204" pitchFamily="34" charset="-122"/>
+                            <a:cs typeface="+mn-ea"/>
+                            <a:sym typeface="+mn-lt"/>
+                          </a:rPr>
+                          <m:t>n</m:t>
+                        </m:r>
+                        <m:r>
+                          <a:rPr lang="en-US" altLang="zh-CN" sz="1400" b="0" i="1" kern="0" smtClean="0">
+                            <a:solidFill>
+                              <a:srgbClr val="FF0000"/>
+                            </a:solidFill>
+                            <a:latin typeface="Cambria Math" panose="02040503050406030204" pitchFamily="18" charset="0"/>
+                            <a:ea typeface="微软雅黑" panose="020B0503020204020204" pitchFamily="34" charset="-122"/>
+                            <a:cs typeface="+mn-ea"/>
+                            <a:sym typeface="+mn-lt"/>
+                          </a:rPr>
+                          <m:t>−1</m:t>
+                        </m:r>
+                        <m:r>
+                          <a:rPr lang="en-US" altLang="zh-CN" sz="1400" i="1" kern="0">
+                            <a:solidFill>
+                              <a:srgbClr val="FF0000"/>
+                            </a:solidFill>
+                            <a:latin typeface="Cambria Math" panose="02040503050406030204" pitchFamily="18" charset="0"/>
+                            <a:ea typeface="微软雅黑" panose="020B0503020204020204" pitchFamily="34" charset="-122"/>
+                            <a:cs typeface="+mn-ea"/>
+                            <a:sym typeface="+mn-lt"/>
+                          </a:rPr>
+                          <m:t>,</m:t>
+                        </m:r>
+                        <m:r>
+                          <a:rPr lang="en-US" altLang="zh-CN" sz="1400" i="1" kern="0">
+                            <a:solidFill>
+                              <a:srgbClr val="FF0000"/>
+                            </a:solidFill>
+                            <a:latin typeface="Cambria Math" panose="02040503050406030204" pitchFamily="18" charset="0"/>
+                            <a:ea typeface="微软雅黑" panose="020B0503020204020204" pitchFamily="34" charset="-122"/>
+                            <a:cs typeface="+mn-ea"/>
+                            <a:sym typeface="+mn-lt"/>
+                          </a:rPr>
+                          <m:t>𝑖</m:t>
+                        </m:r>
+                      </m:sub>
+                    </m:sSub>
+                  </m:oMath>
+                </a14:m>
+                <a:r>
+                  <a:rPr lang="en-US" altLang="zh-CN" sz="1400" kern="0" dirty="0">
+                    <a:solidFill>
+                      <a:srgbClr val="FF0000"/>
                     </a:solidFill>
                     <a:cs typeface="+mn-ea"/>
                     <a:sym typeface="+mn-lt"/>
@@ -19591,9 +19661,9 @@
                 <a14:m>
                   <m:oMath xmlns:m="http://schemas.openxmlformats.org/officeDocument/2006/math">
                     <m:r>
-                      <a:rPr lang="en-US" altLang="zh-CN" i="1" kern="0" dirty="0">
+                      <a:rPr lang="en-US" altLang="zh-CN" sz="1400" i="1" kern="0" dirty="0">
                         <a:solidFill>
-                          <a:schemeClr val="tx1"/>
+                          <a:srgbClr val="FF0000"/>
                         </a:solidFill>
                         <a:latin typeface="Cambria Math" panose="02040503050406030204" pitchFamily="18" charset="0"/>
                         <a:cs typeface="+mn-ea"/>
@@ -19604,9 +19674,9 @@
                     <m:f>
                       <m:fPr>
                         <m:ctrlPr>
-                          <a:rPr lang="zh-CN" altLang="en-US" i="1" kern="0" dirty="0" smtClean="0">
+                          <a:rPr lang="zh-CN" altLang="en-US" sz="1400" i="1" kern="0" dirty="0" smtClean="0">
                             <a:solidFill>
-                              <a:schemeClr val="tx1"/>
+                              <a:srgbClr val="FF0000"/>
                             </a:solidFill>
                             <a:latin typeface="Cambria Math" panose="02040503050406030204" pitchFamily="18" charset="0"/>
                             <a:cs typeface="+mn-ea"/>
@@ -19622,9 +19692,9 @@
                             <m:subHide m:val="on"/>
                             <m:supHide m:val="on"/>
                             <m:ctrlPr>
-                              <a:rPr lang="zh-CN" altLang="en-US" i="1" kern="0" dirty="0">
+                              <a:rPr lang="zh-CN" altLang="en-US" sz="1400" i="1" kern="0" dirty="0">
                                 <a:solidFill>
-                                  <a:schemeClr val="tx1"/>
+                                  <a:srgbClr val="FF0000"/>
                                 </a:solidFill>
                                 <a:latin typeface="Cambria Math" panose="02040503050406030204" pitchFamily="18" charset="0"/>
                                 <a:cs typeface="+mn-ea"/>
@@ -19638,9 +19708,9 @@
                             <m:sSubSup>
                               <m:sSubSupPr>
                                 <m:ctrlPr>
-                                  <a:rPr lang="zh-CN" altLang="en-US" i="1" kern="0" dirty="0">
+                                  <a:rPr lang="zh-CN" altLang="en-US" sz="1400" i="1" kern="0" dirty="0">
                                     <a:solidFill>
-                                      <a:schemeClr val="tx1"/>
+                                      <a:srgbClr val="FF0000"/>
                                     </a:solidFill>
                                     <a:latin typeface="Cambria Math" panose="02040503050406030204" pitchFamily="18" charset="0"/>
                                     <a:cs typeface="+mn-ea"/>
@@ -19650,9 +19720,9 @@
                               </m:sSubSupPr>
                               <m:e>
                                 <m:r>
-                                  <a:rPr lang="en-US" altLang="zh-CN" b="0" i="1" kern="0" dirty="0" smtClean="0">
+                                  <a:rPr lang="en-US" altLang="zh-CN" sz="1400" b="0" i="1" kern="0" dirty="0" smtClean="0">
                                     <a:solidFill>
-                                      <a:schemeClr val="tx1"/>
+                                      <a:srgbClr val="FF0000"/>
                                     </a:solidFill>
                                     <a:latin typeface="Cambria Math" panose="02040503050406030204" pitchFamily="18" charset="0"/>
                                     <a:cs typeface="+mn-ea"/>
@@ -19666,9 +19736,9 @@
                                   <m:rPr>
                                     <m:sty m:val="p"/>
                                   </m:rPr>
-                                  <a:rPr lang="en-US" altLang="zh-CN" i="1" kern="0" dirty="0">
+                                  <a:rPr lang="en-US" altLang="zh-CN" sz="1400" i="1" kern="0" dirty="0">
                                     <a:solidFill>
-                                      <a:schemeClr val="tx1"/>
+                                      <a:srgbClr val="FF0000"/>
                                     </a:solidFill>
                                     <a:latin typeface="Cambria Math" panose="02040503050406030204" pitchFamily="18" charset="0"/>
                                     <a:cs typeface="+mn-ea"/>
@@ -19677,9 +19747,9 @@
                                   <m:t>n</m:t>
                                 </m:r>
                                 <m:r>
-                                  <a:rPr lang="en-US" altLang="zh-CN" b="0" i="1" kern="0" dirty="0" smtClean="0">
+                                  <a:rPr lang="en-US" altLang="zh-CN" sz="1400" b="0" i="1" kern="0" dirty="0" smtClean="0">
                                     <a:solidFill>
-                                      <a:schemeClr val="tx1"/>
+                                      <a:srgbClr val="FF0000"/>
                                     </a:solidFill>
                                     <a:latin typeface="Cambria Math" panose="02040503050406030204" pitchFamily="18" charset="0"/>
                                     <a:cs typeface="+mn-ea"/>
@@ -19688,9 +19758,9 @@
                                   <m:t>_</m:t>
                                 </m:r>
                                 <m:r>
-                                  <a:rPr lang="en-US" altLang="zh-CN" b="0" i="1" kern="0" dirty="0" smtClean="0">
+                                  <a:rPr lang="en-US" altLang="zh-CN" sz="1400" b="0" i="1" kern="0" dirty="0" smtClean="0">
                                     <a:solidFill>
-                                      <a:schemeClr val="tx1"/>
+                                      <a:srgbClr val="FF0000"/>
                                     </a:solidFill>
                                     <a:latin typeface="Cambria Math" panose="02040503050406030204" pitchFamily="18" charset="0"/>
                                     <a:cs typeface="+mn-ea"/>
@@ -19701,9 +19771,9 @@
                               </m:sub>
                               <m:sup>
                                 <m:r>
-                                  <a:rPr lang="zh-CN" altLang="en-US" i="1" kern="0" dirty="0">
+                                  <a:rPr lang="zh-CN" altLang="en-US" sz="1400" i="1" kern="0" dirty="0">
                                     <a:solidFill>
-                                      <a:schemeClr val="tx1"/>
+                                      <a:srgbClr val="FF0000"/>
                                     </a:solidFill>
                                     <a:latin typeface="Cambria Math" panose="02040503050406030204" pitchFamily="18" charset="0"/>
                                     <a:cs typeface="+mn-ea"/>
@@ -19716,9 +19786,9 @@
                           </m:e>
                         </m:nary>
                         <m:r>
-                          <a:rPr lang="en-US" altLang="zh-CN" i="1" kern="0" dirty="0">
+                          <a:rPr lang="en-US" altLang="zh-CN" sz="1400" i="1" kern="0" dirty="0">
                             <a:solidFill>
-                              <a:schemeClr val="tx1"/>
+                              <a:srgbClr val="FF0000"/>
                             </a:solidFill>
                             <a:latin typeface="Cambria Math" panose="02040503050406030204" pitchFamily="18" charset="0"/>
                             <a:cs typeface="+mn-ea"/>
@@ -19733,9 +19803,9 @@
                             <m:subHide m:val="on"/>
                             <m:supHide m:val="on"/>
                             <m:ctrlPr>
-                              <a:rPr lang="zh-CN" altLang="en-US" i="1" kern="0" dirty="0">
+                              <a:rPr lang="zh-CN" altLang="en-US" sz="1400" i="1" kern="0" dirty="0">
                                 <a:solidFill>
-                                  <a:schemeClr val="tx1"/>
+                                  <a:srgbClr val="FF0000"/>
                                 </a:solidFill>
                                 <a:latin typeface="Cambria Math" panose="02040503050406030204" pitchFamily="18" charset="0"/>
                                 <a:cs typeface="+mn-ea"/>
@@ -19749,9 +19819,9 @@
                             <m:sSubSup>
                               <m:sSubSupPr>
                                 <m:ctrlPr>
-                                  <a:rPr lang="zh-CN" altLang="en-US" i="1" kern="0" dirty="0">
+                                  <a:rPr lang="zh-CN" altLang="en-US" sz="1400" i="1" kern="0" dirty="0">
                                     <a:solidFill>
-                                      <a:schemeClr val="tx1"/>
+                                      <a:srgbClr val="FF0000"/>
                                     </a:solidFill>
                                     <a:latin typeface="Cambria Math" panose="02040503050406030204" pitchFamily="18" charset="0"/>
                                     <a:cs typeface="+mn-ea"/>
@@ -19761,9 +19831,9 @@
                               </m:sSubSupPr>
                               <m:e>
                                 <m:r>
-                                  <a:rPr lang="en-US" altLang="zh-CN" i="1" kern="0" dirty="0">
+                                  <a:rPr lang="en-US" altLang="zh-CN" sz="1400" i="1" kern="0" dirty="0">
                                     <a:solidFill>
-                                      <a:schemeClr val="tx1"/>
+                                      <a:srgbClr val="FF0000"/>
                                     </a:solidFill>
                                     <a:latin typeface="Cambria Math" panose="02040503050406030204" pitchFamily="18" charset="0"/>
                                     <a:cs typeface="+mn-ea"/>
@@ -19777,9 +19847,9 @@
                                   <m:rPr>
                                     <m:sty m:val="p"/>
                                   </m:rPr>
-                                  <a:rPr lang="en-US" altLang="zh-CN" i="1" kern="0" dirty="0">
+                                  <a:rPr lang="en-US" altLang="zh-CN" sz="1400" i="1" kern="0" dirty="0">
                                     <a:solidFill>
-                                      <a:schemeClr val="tx1"/>
+                                      <a:srgbClr val="FF0000"/>
                                     </a:solidFill>
                                     <a:latin typeface="Cambria Math" panose="02040503050406030204" pitchFamily="18" charset="0"/>
                                     <a:cs typeface="+mn-ea"/>
@@ -19788,9 +19858,9 @@
                                   <m:t>r</m:t>
                                 </m:r>
                                 <m:r>
-                                  <a:rPr lang="en-US" altLang="zh-CN" i="1" kern="0" dirty="0">
+                                  <a:rPr lang="en-US" altLang="zh-CN" sz="1400" i="1" kern="0" dirty="0">
                                     <a:solidFill>
-                                      <a:schemeClr val="tx1"/>
+                                      <a:srgbClr val="FF0000"/>
                                     </a:solidFill>
                                     <a:latin typeface="Cambria Math" panose="02040503050406030204" pitchFamily="18" charset="0"/>
                                     <a:cs typeface="+mn-ea"/>
@@ -19799,9 +19869,9 @@
                                   <m:t>_</m:t>
                                 </m:r>
                                 <m:r>
-                                  <a:rPr lang="en-US" altLang="zh-CN" i="1" kern="0" dirty="0">
+                                  <a:rPr lang="en-US" altLang="zh-CN" sz="1400" i="1" kern="0" dirty="0">
                                     <a:solidFill>
-                                      <a:schemeClr val="tx1"/>
+                                      <a:srgbClr val="FF0000"/>
                                     </a:solidFill>
                                     <a:latin typeface="Cambria Math" panose="02040503050406030204" pitchFamily="18" charset="0"/>
                                     <a:cs typeface="+mn-ea"/>
@@ -19812,9 +19882,9 @@
                               </m:sub>
                               <m:sup>
                                 <m:r>
-                                  <a:rPr lang="zh-CN" altLang="en-US" i="1" kern="0" dirty="0">
+                                  <a:rPr lang="zh-CN" altLang="en-US" sz="1400" i="1" kern="0" dirty="0">
                                     <a:solidFill>
-                                      <a:schemeClr val="tx1"/>
+                                      <a:srgbClr val="FF0000"/>
                                     </a:solidFill>
                                     <a:latin typeface="Cambria Math" panose="02040503050406030204" pitchFamily="18" charset="0"/>
                                     <a:cs typeface="+mn-ea"/>
@@ -19831,9 +19901,9 @@
                         <m:sSup>
                           <m:sSupPr>
                             <m:ctrlPr>
-                              <a:rPr lang="zh-CN" altLang="en-US" i="1" kern="0" dirty="0">
+                              <a:rPr lang="zh-CN" altLang="en-US" sz="1400" i="1" kern="0" dirty="0">
                                 <a:solidFill>
-                                  <a:schemeClr val="tx1"/>
+                                  <a:srgbClr val="FF0000"/>
                                 </a:solidFill>
                                 <a:latin typeface="Cambria Math" panose="02040503050406030204" pitchFamily="18" charset="0"/>
                                 <a:cs typeface="+mn-ea"/>
@@ -19843,9 +19913,9 @@
                           </m:sSupPr>
                           <m:e>
                             <m:r>
-                              <a:rPr lang="zh-CN" altLang="en-US" i="0" kern="0" dirty="0">
+                              <a:rPr lang="zh-CN" altLang="en-US" sz="1400" i="0" kern="0" dirty="0">
                                 <a:solidFill>
-                                  <a:schemeClr val="tx1"/>
+                                  <a:srgbClr val="FF0000"/>
                                 </a:solidFill>
                                 <a:latin typeface="Cambria Math" panose="02040503050406030204" pitchFamily="18" charset="0"/>
                                 <a:cs typeface="+mn-ea"/>
@@ -19858,7 +19928,10 @@
                             <m:sSub>
                               <m:sSubPr>
                                 <m:ctrlPr>
-                                  <a:rPr lang="en-US" altLang="zh-CN" i="1" kern="0">
+                                  <a:rPr lang="en-US" altLang="zh-CN" sz="1400" i="1" kern="0">
+                                    <a:solidFill>
+                                      <a:srgbClr val="FF0000"/>
+                                    </a:solidFill>
                                     <a:latin typeface="Cambria Math" panose="02040503050406030204" pitchFamily="18" charset="0"/>
                                     <a:ea typeface="微软雅黑" panose="020B0503020204020204" pitchFamily="34" charset="-122"/>
                                     <a:cs typeface="+mn-ea"/>
@@ -19868,7 +19941,10 @@
                               </m:sSubPr>
                               <m:e>
                                 <m:r>
-                                  <a:rPr lang="en-US" altLang="zh-CN" i="1" kern="0">
+                                  <a:rPr lang="en-US" altLang="zh-CN" sz="1400" i="1" kern="0">
+                                    <a:solidFill>
+                                      <a:srgbClr val="FF0000"/>
+                                    </a:solidFill>
                                     <a:latin typeface="Cambria Math" panose="02040503050406030204" pitchFamily="18" charset="0"/>
                                     <a:ea typeface="微软雅黑" panose="020B0503020204020204" pitchFamily="34" charset="-122"/>
                                     <a:cs typeface="+mn-ea"/>
@@ -19880,7 +19956,10 @@
                                   <m:rPr>
                                     <m:sty m:val="p"/>
                                   </m:rPr>
-                                  <a:rPr lang="en-US" altLang="zh-CN" i="1" kern="0">
+                                  <a:rPr lang="en-US" altLang="zh-CN" sz="1400" i="1" kern="0">
+                                    <a:solidFill>
+                                      <a:srgbClr val="FF0000"/>
+                                    </a:solidFill>
                                     <a:latin typeface="Cambria Math" panose="02040503050406030204" pitchFamily="18" charset="0"/>
                                     <a:ea typeface="微软雅黑" panose="020B0503020204020204" pitchFamily="34" charset="-122"/>
                                     <a:cs typeface="+mn-ea"/>
@@ -19894,7 +19973,10 @@
                                   <m:rPr>
                                     <m:sty m:val="p"/>
                                   </m:rPr>
-                                  <a:rPr lang="en-US" altLang="zh-CN" i="1" kern="0">
+                                  <a:rPr lang="en-US" altLang="zh-CN" sz="1400" i="1" kern="0">
+                                    <a:solidFill>
+                                      <a:srgbClr val="FF0000"/>
+                                    </a:solidFill>
                                     <a:latin typeface="Cambria Math" panose="02040503050406030204" pitchFamily="18" charset="0"/>
                                     <a:ea typeface="微软雅黑" panose="020B0503020204020204" pitchFamily="34" charset="-122"/>
                                     <a:cs typeface="+mn-ea"/>
@@ -19903,25 +19985,22 @@
                                   <m:t>n</m:t>
                                 </m:r>
                                 <m:r>
-                                  <a:rPr lang="en-US" altLang="zh-CN" i="1" kern="0">
+                                  <a:rPr lang="en-US" altLang="zh-CN" sz="1400" i="1" kern="0">
+                                    <a:solidFill>
+                                      <a:srgbClr val="FF0000"/>
+                                    </a:solidFill>
                                     <a:latin typeface="Cambria Math" panose="02040503050406030204" pitchFamily="18" charset="0"/>
                                     <a:ea typeface="微软雅黑" panose="020B0503020204020204" pitchFamily="34" charset="-122"/>
                                     <a:cs typeface="+mn-ea"/>
                                     <a:sym typeface="+mn-lt"/>
                                   </a:rPr>
-                                  <m:t>−1</m:t>
+                                  <m:t>−1,</m:t>
                                 </m:r>
                                 <m:r>
-                                  <a:rPr lang="en-US" altLang="zh-CN" i="1" kern="0">
-                                    <a:latin typeface="Cambria Math" panose="02040503050406030204" pitchFamily="18" charset="0"/>
-                                    <a:ea typeface="微软雅黑" panose="020B0503020204020204" pitchFamily="34" charset="-122"/>
-                                    <a:cs typeface="+mn-ea"/>
-                                    <a:sym typeface="+mn-lt"/>
-                                  </a:rPr>
-                                  <m:t>,</m:t>
-                                </m:r>
-                                <m:r>
-                                  <a:rPr lang="en-US" altLang="zh-CN" i="1" kern="0">
+                                  <a:rPr lang="en-US" altLang="zh-CN" sz="1400" i="1" kern="0">
+                                    <a:solidFill>
+                                      <a:srgbClr val="FF0000"/>
+                                    </a:solidFill>
                                     <a:latin typeface="Cambria Math" panose="02040503050406030204" pitchFamily="18" charset="0"/>
                                     <a:ea typeface="微软雅黑" panose="020B0503020204020204" pitchFamily="34" charset="-122"/>
                                     <a:cs typeface="+mn-ea"/>
@@ -19936,9 +20015,9 @@
                       </m:den>
                     </m:f>
                     <m:r>
-                      <a:rPr lang="en-US" altLang="zh-CN" b="0" i="1" kern="0" dirty="0" smtClean="0">
+                      <a:rPr lang="en-US" altLang="zh-CN" sz="1400" b="0" i="1" kern="0" dirty="0" smtClean="0">
                         <a:solidFill>
-                          <a:schemeClr val="tx1"/>
+                          <a:srgbClr val="FF0000"/>
                         </a:solidFill>
                         <a:latin typeface="Cambria Math" panose="02040503050406030204" pitchFamily="18" charset="0"/>
                         <a:cs typeface="+mn-ea"/>
@@ -19949,9 +20028,9 @@
                     <m:sSub>
                       <m:sSubPr>
                         <m:ctrlPr>
-                          <a:rPr lang="en-US" altLang="zh-CN" b="0" i="1" kern="0" dirty="0" smtClean="0">
+                          <a:rPr lang="en-US" altLang="zh-CN" sz="1400" b="0" i="1" kern="0" dirty="0" smtClean="0">
                             <a:solidFill>
-                              <a:schemeClr val="tx1"/>
+                              <a:srgbClr val="FF0000"/>
                             </a:solidFill>
                             <a:latin typeface="Cambria Math" panose="02040503050406030204" pitchFamily="18" charset="0"/>
                             <a:cs typeface="+mn-ea"/>
@@ -19961,9 +20040,9 @@
                       </m:sSubPr>
                       <m:e>
                         <m:r>
-                          <a:rPr lang="en-US" altLang="zh-CN" b="0" i="1" kern="0" dirty="0" smtClean="0">
+                          <a:rPr lang="en-US" altLang="zh-CN" sz="1400" b="0" i="1" kern="0" dirty="0" smtClean="0">
                             <a:solidFill>
-                              <a:schemeClr val="tx1"/>
+                              <a:srgbClr val="FF0000"/>
                             </a:solidFill>
                             <a:latin typeface="Cambria Math" panose="02040503050406030204" pitchFamily="18" charset="0"/>
                             <a:cs typeface="+mn-ea"/>
@@ -19974,9 +20053,9 @@
                       </m:e>
                       <m:sub>
                         <m:r>
-                          <a:rPr lang="en-US" altLang="zh-CN" b="0" i="1" kern="0" dirty="0" smtClean="0">
+                          <a:rPr lang="en-US" altLang="zh-CN" sz="1400" b="0" i="1" kern="0" dirty="0" smtClean="0">
                             <a:solidFill>
-                              <a:schemeClr val="tx1"/>
+                              <a:srgbClr val="FF0000"/>
                             </a:solidFill>
                             <a:latin typeface="Cambria Math" panose="02040503050406030204" pitchFamily="18" charset="0"/>
                             <a:cs typeface="+mn-ea"/>
@@ -19985,9 +20064,9 @@
                           <m:t>𝑛</m:t>
                         </m:r>
                         <m:r>
-                          <a:rPr lang="en-US" altLang="zh-CN" b="0" i="1" kern="0" dirty="0" smtClean="0">
+                          <a:rPr lang="en-US" altLang="zh-CN" sz="1400" b="0" i="1" kern="0" dirty="0" smtClean="0">
                             <a:solidFill>
-                              <a:schemeClr val="tx1"/>
+                              <a:srgbClr val="FF0000"/>
                             </a:solidFill>
                             <a:latin typeface="Cambria Math" panose="02040503050406030204" pitchFamily="18" charset="0"/>
                             <a:cs typeface="+mn-ea"/>
@@ -19996,9 +20075,9 @@
                           <m:t>_</m:t>
                         </m:r>
                         <m:r>
-                          <a:rPr lang="en-US" altLang="zh-CN" b="0" i="1" kern="0" dirty="0" smtClean="0">
+                          <a:rPr lang="en-US" altLang="zh-CN" sz="1400" b="0" i="1" kern="0" dirty="0" smtClean="0">
                             <a:solidFill>
-                              <a:schemeClr val="tx1"/>
+                              <a:srgbClr val="FF0000"/>
                             </a:solidFill>
                             <a:latin typeface="Cambria Math" panose="02040503050406030204" pitchFamily="18" charset="0"/>
                             <a:cs typeface="+mn-ea"/>
@@ -20009,9 +20088,9 @@
                       </m:sub>
                     </m:sSub>
                     <m:r>
-                      <a:rPr lang="en-US" altLang="zh-CN" i="1" kern="0" dirty="0" smtClean="0">
+                      <a:rPr lang="en-US" altLang="zh-CN" sz="1400" i="1" kern="0" dirty="0" smtClean="0">
                         <a:solidFill>
-                          <a:schemeClr val="tx1"/>
+                          <a:srgbClr val="FF0000"/>
                         </a:solidFill>
                         <a:latin typeface="Cambria Math" panose="02040503050406030204" pitchFamily="18" charset="0"/>
                         <a:cs typeface="+mn-ea"/>
@@ -20020,9 +20099,9 @@
                       <m:t>×</m:t>
                     </m:r>
                     <m:r>
-                      <a:rPr lang="en-US" altLang="zh-CN" b="0" i="1" kern="0" dirty="0" smtClean="0">
+                      <a:rPr lang="en-US" altLang="zh-CN" sz="1400" b="0" i="1" kern="0" dirty="0" smtClean="0">
                         <a:solidFill>
-                          <a:schemeClr val="tx1"/>
+                          <a:srgbClr val="FF0000"/>
                         </a:solidFill>
                         <a:latin typeface="Cambria Math" panose="02040503050406030204" pitchFamily="18" charset="0"/>
                         <a:cs typeface="+mn-ea"/>
@@ -20031,9 +20110,9 @@
                       <m:t>𝑎</m:t>
                     </m:r>
                     <m:r>
-                      <a:rPr lang="en-US" altLang="zh-CN" i="1" kern="0" dirty="0">
+                      <a:rPr lang="en-US" altLang="zh-CN" sz="1400" i="1" kern="0" dirty="0">
                         <a:solidFill>
-                          <a:schemeClr val="tx1"/>
+                          <a:srgbClr val="FF0000"/>
                         </a:solidFill>
                         <a:latin typeface="Cambria Math" panose="02040503050406030204" pitchFamily="18" charset="0"/>
                         <a:cs typeface="+mn-ea"/>
@@ -20044,9 +20123,9 @@
                     <m:f>
                       <m:fPr>
                         <m:ctrlPr>
-                          <a:rPr lang="zh-CN" altLang="en-US" i="1" kern="0" dirty="0">
+                          <a:rPr lang="zh-CN" altLang="en-US" sz="1400" i="1" kern="0" dirty="0">
                             <a:solidFill>
-                              <a:schemeClr val="tx1"/>
+                              <a:srgbClr val="FF0000"/>
                             </a:solidFill>
                             <a:latin typeface="Cambria Math" panose="02040503050406030204" pitchFamily="18" charset="0"/>
                             <a:cs typeface="+mn-ea"/>
@@ -20060,9 +20139,9 @@
                             <m:chr m:val="∑"/>
                             <m:limLoc m:val="subSup"/>
                             <m:ctrlPr>
-                              <a:rPr lang="zh-CN" altLang="en-US" i="1" kern="0" dirty="0">
+                              <a:rPr lang="zh-CN" altLang="en-US" sz="1400" i="1" kern="0" dirty="0">
                                 <a:solidFill>
-                                  <a:schemeClr val="tx1"/>
+                                  <a:srgbClr val="FF0000"/>
                                 </a:solidFill>
                                 <a:latin typeface="Cambria Math" panose="02040503050406030204" pitchFamily="18" charset="0"/>
                                 <a:cs typeface="+mn-ea"/>
@@ -20075,9 +20154,9 @@
                               <m:rPr>
                                 <m:brk m:alnAt="25"/>
                               </m:rPr>
-                              <a:rPr lang="en-US" altLang="zh-CN" i="1" kern="0" dirty="0">
+                              <a:rPr lang="en-US" altLang="zh-CN" sz="1400" i="1" kern="0" dirty="0">
                                 <a:solidFill>
-                                  <a:schemeClr val="tx1"/>
+                                  <a:srgbClr val="FF0000"/>
                                 </a:solidFill>
                                 <a:latin typeface="Cambria Math" panose="02040503050406030204" pitchFamily="18" charset="0"/>
                                 <a:cs typeface="+mn-ea"/>
@@ -20086,9 +20165,9 @@
                               <m:t>𝑦</m:t>
                             </m:r>
                             <m:r>
-                              <a:rPr lang="en-US" altLang="zh-CN" i="1" kern="0" dirty="0">
+                              <a:rPr lang="en-US" altLang="zh-CN" sz="1400" i="1" kern="0" dirty="0">
                                 <a:solidFill>
-                                  <a:schemeClr val="tx1"/>
+                                  <a:srgbClr val="FF0000"/>
                                 </a:solidFill>
                                 <a:latin typeface="Cambria Math" panose="02040503050406030204" pitchFamily="18" charset="0"/>
                                 <a:cs typeface="+mn-ea"/>
@@ -20099,9 +20178,9 @@
                           </m:sub>
                           <m:sup>
                             <m:r>
-                              <a:rPr lang="en-US" altLang="zh-CN" i="1" kern="0" dirty="0">
+                              <a:rPr lang="en-US" altLang="zh-CN" sz="1400" i="1" kern="0" dirty="0">
                                 <a:solidFill>
-                                  <a:schemeClr val="tx1"/>
+                                  <a:srgbClr val="FF0000"/>
                                 </a:solidFill>
                                 <a:latin typeface="Cambria Math" panose="02040503050406030204" pitchFamily="18" charset="0"/>
                                 <a:cs typeface="+mn-ea"/>
@@ -20112,9 +20191,9 @@
                           </m:sup>
                           <m:e>
                             <m:r>
-                              <a:rPr lang="en-US" altLang="zh-CN" i="1" kern="0" dirty="0">
+                              <a:rPr lang="en-US" altLang="zh-CN" sz="1400" i="1" kern="0" dirty="0">
                                 <a:solidFill>
-                                  <a:schemeClr val="tx1"/>
+                                  <a:srgbClr val="FF0000"/>
                                 </a:solidFill>
                                 <a:latin typeface="Cambria Math" panose="02040503050406030204" pitchFamily="18" charset="0"/>
                                 <a:cs typeface="+mn-ea"/>
@@ -20127,9 +20206,9 @@
                       </m:num>
                       <m:den>
                         <m:r>
-                          <a:rPr lang="en-US" altLang="zh-CN" i="1" kern="0" dirty="0">
+                          <a:rPr lang="en-US" altLang="zh-CN" sz="1400" i="1" kern="0" dirty="0">
                             <a:solidFill>
-                              <a:schemeClr val="tx1"/>
+                              <a:srgbClr val="FF0000"/>
                             </a:solidFill>
                             <a:latin typeface="Cambria Math" panose="02040503050406030204" pitchFamily="18" charset="0"/>
                             <a:cs typeface="+mn-ea"/>
@@ -20140,9 +20219,9 @@
                       </m:den>
                     </m:f>
                     <m:r>
-                      <a:rPr lang="en-US" altLang="zh-CN" i="1" kern="0" dirty="0">
+                      <a:rPr lang="en-US" altLang="zh-CN" sz="1400" i="1" kern="0" dirty="0">
                         <a:solidFill>
-                          <a:schemeClr val="tx1"/>
+                          <a:srgbClr val="FF0000"/>
                         </a:solidFill>
                         <a:latin typeface="Cambria Math" panose="02040503050406030204" pitchFamily="18" charset="0"/>
                         <a:cs typeface="+mn-ea"/>
@@ -20153,9 +20232,9 @@
                     <m:sSub>
                       <m:sSubPr>
                         <m:ctrlPr>
-                          <a:rPr lang="en-US" altLang="zh-CN" i="1" kern="0" dirty="0">
+                          <a:rPr lang="en-US" altLang="zh-CN" sz="1400" i="1" kern="0" dirty="0">
                             <a:solidFill>
-                              <a:schemeClr val="tx1"/>
+                              <a:srgbClr val="FF0000"/>
                             </a:solidFill>
                             <a:latin typeface="Cambria Math" panose="02040503050406030204" pitchFamily="18" charset="0"/>
                             <a:cs typeface="+mn-ea"/>
@@ -20165,9 +20244,9 @@
                       </m:sSubPr>
                       <m:e>
                         <m:r>
-                          <a:rPr lang="en-US" altLang="zh-CN" i="1" kern="0" dirty="0">
+                          <a:rPr lang="en-US" altLang="zh-CN" sz="1400" i="1" kern="0" dirty="0">
                             <a:solidFill>
-                              <a:schemeClr val="tx1"/>
+                              <a:srgbClr val="FF0000"/>
                             </a:solidFill>
                             <a:latin typeface="Cambria Math" panose="02040503050406030204" pitchFamily="18" charset="0"/>
                             <a:cs typeface="+mn-ea"/>
@@ -20178,9 +20257,9 @@
                       </m:e>
                       <m:sub>
                         <m:r>
-                          <a:rPr lang="en-US" altLang="zh-CN" b="0" i="1" kern="0" dirty="0" smtClean="0">
+                          <a:rPr lang="en-US" altLang="zh-CN" sz="1400" b="0" i="1" kern="0" dirty="0" smtClean="0">
                             <a:solidFill>
-                              <a:schemeClr val="tx1"/>
+                              <a:srgbClr val="FF0000"/>
                             </a:solidFill>
                             <a:latin typeface="Cambria Math" panose="02040503050406030204" pitchFamily="18" charset="0"/>
                             <a:cs typeface="+mn-ea"/>
@@ -20189,9 +20268,9 @@
                           <m:t>𝑟</m:t>
                         </m:r>
                         <m:r>
-                          <a:rPr lang="en-US" altLang="zh-CN" i="1" kern="0" dirty="0">
+                          <a:rPr lang="en-US" altLang="zh-CN" sz="1400" i="1" kern="0" dirty="0">
                             <a:solidFill>
-                              <a:schemeClr val="tx1"/>
+                              <a:srgbClr val="FF0000"/>
                             </a:solidFill>
                             <a:latin typeface="Cambria Math" panose="02040503050406030204" pitchFamily="18" charset="0"/>
                             <a:cs typeface="+mn-ea"/>
@@ -20200,9 +20279,9 @@
                           <m:t>_</m:t>
                         </m:r>
                         <m:r>
-                          <a:rPr lang="en-US" altLang="zh-CN" i="1" kern="0" dirty="0">
+                          <a:rPr lang="en-US" altLang="zh-CN" sz="1400" i="1" kern="0" dirty="0">
                             <a:solidFill>
-                              <a:schemeClr val="tx1"/>
+                              <a:srgbClr val="FF0000"/>
                             </a:solidFill>
                             <a:latin typeface="Cambria Math" panose="02040503050406030204" pitchFamily="18" charset="0"/>
                             <a:cs typeface="+mn-ea"/>
@@ -20213,9 +20292,9 @@
                       </m:sub>
                     </m:sSub>
                     <m:r>
-                      <a:rPr lang="en-US" altLang="zh-CN" i="1" kern="0" dirty="0">
+                      <a:rPr lang="en-US" altLang="zh-CN" sz="1400" i="1" kern="0" dirty="0">
                         <a:solidFill>
-                          <a:schemeClr val="tx1"/>
+                          <a:srgbClr val="FF0000"/>
                         </a:solidFill>
                         <a:latin typeface="Cambria Math" panose="02040503050406030204" pitchFamily="18" charset="0"/>
                         <a:cs typeface="+mn-ea"/>
@@ -20224,9 +20303,9 @@
                       <m:t>×</m:t>
                     </m:r>
                     <m:r>
-                      <a:rPr lang="en-US" altLang="zh-CN" b="0" i="1" kern="0" dirty="0" smtClean="0">
+                      <a:rPr lang="en-US" altLang="zh-CN" sz="1400" b="0" i="1" kern="0" dirty="0" smtClean="0">
                         <a:solidFill>
-                          <a:schemeClr val="tx1"/>
+                          <a:srgbClr val="FF0000"/>
                         </a:solidFill>
                         <a:latin typeface="Cambria Math" panose="02040503050406030204" pitchFamily="18" charset="0"/>
                         <a:cs typeface="+mn-ea"/>
@@ -20235,9 +20314,9 @@
                       <m:t>𝑏</m:t>
                     </m:r>
                     <m:r>
-                      <a:rPr lang="en-US" altLang="zh-CN" i="1" kern="0" dirty="0" smtClean="0">
+                      <a:rPr lang="en-US" altLang="zh-CN" sz="1400" i="1" kern="0" dirty="0" smtClean="0">
                         <a:solidFill>
-                          <a:schemeClr val="tx1"/>
+                          <a:srgbClr val="FF0000"/>
                         </a:solidFill>
                         <a:latin typeface="Cambria Math" panose="02040503050406030204" pitchFamily="18" charset="0"/>
                         <a:cs typeface="+mn-ea"/>
@@ -20249,9 +20328,9 @@
                       <m:rPr>
                         <m:nor/>
                       </m:rPr>
-                      <a:rPr lang="zh-CN" altLang="en-US" kern="0" dirty="0">
+                      <a:rPr lang="zh-CN" altLang="en-US" sz="1400" kern="0" dirty="0">
                         <a:solidFill>
-                          <a:schemeClr val="tx1"/>
+                          <a:srgbClr val="FF0000"/>
                         </a:solidFill>
                         <a:cs typeface="+mn-ea"/>
                         <a:sym typeface="+mn-lt"/>
@@ -20261,9 +20340,9 @@
                     <m:f>
                       <m:fPr>
                         <m:ctrlPr>
-                          <a:rPr lang="zh-CN" altLang="en-US" i="1" kern="0" dirty="0">
+                          <a:rPr lang="zh-CN" altLang="en-US" sz="1400" i="1" kern="0" dirty="0">
                             <a:solidFill>
-                              <a:schemeClr val="tx1"/>
+                              <a:srgbClr val="FF0000"/>
                             </a:solidFill>
                             <a:latin typeface="Cambria Math" panose="02040503050406030204" pitchFamily="18" charset="0"/>
                             <a:cs typeface="+mn-ea"/>
@@ -20277,9 +20356,9 @@
                             <m:chr m:val="∑"/>
                             <m:limLoc m:val="subSup"/>
                             <m:ctrlPr>
-                              <a:rPr lang="zh-CN" altLang="en-US" i="1" kern="0" dirty="0">
+                              <a:rPr lang="zh-CN" altLang="en-US" sz="1400" i="1" kern="0" dirty="0">
                                 <a:solidFill>
-                                  <a:schemeClr val="tx1"/>
+                                  <a:srgbClr val="FF0000"/>
                                 </a:solidFill>
                                 <a:latin typeface="Cambria Math" panose="02040503050406030204" pitchFamily="18" charset="0"/>
                                 <a:cs typeface="+mn-ea"/>
@@ -20292,9 +20371,9 @@
                               <m:rPr>
                                 <m:brk m:alnAt="25"/>
                               </m:rPr>
-                              <a:rPr lang="en-US" altLang="zh-CN" i="1" kern="0" dirty="0">
+                              <a:rPr lang="en-US" altLang="zh-CN" sz="1400" i="1" kern="0" dirty="0">
                                 <a:solidFill>
-                                  <a:schemeClr val="tx1"/>
+                                  <a:srgbClr val="FF0000"/>
                                 </a:solidFill>
                                 <a:latin typeface="Cambria Math" panose="02040503050406030204" pitchFamily="18" charset="0"/>
                                 <a:cs typeface="+mn-ea"/>
@@ -20303,9 +20382,9 @@
                               <m:t>𝑦</m:t>
                             </m:r>
                             <m:r>
-                              <a:rPr lang="en-US" altLang="zh-CN" i="1" kern="0" dirty="0">
+                              <a:rPr lang="en-US" altLang="zh-CN" sz="1400" i="1" kern="0" dirty="0">
                                 <a:solidFill>
-                                  <a:schemeClr val="tx1"/>
+                                  <a:srgbClr val="FF0000"/>
                                 </a:solidFill>
                                 <a:latin typeface="Cambria Math" panose="02040503050406030204" pitchFamily="18" charset="0"/>
                                 <a:cs typeface="+mn-ea"/>
@@ -20316,9 +20395,9 @@
                           </m:sub>
                           <m:sup>
                             <m:r>
-                              <a:rPr lang="en-US" altLang="zh-CN" i="1" kern="0" dirty="0">
+                              <a:rPr lang="en-US" altLang="zh-CN" sz="1400" i="1" kern="0" dirty="0">
                                 <a:solidFill>
-                                  <a:schemeClr val="tx1"/>
+                                  <a:srgbClr val="FF0000"/>
                                 </a:solidFill>
                                 <a:latin typeface="Cambria Math" panose="02040503050406030204" pitchFamily="18" charset="0"/>
                                 <a:cs typeface="+mn-ea"/>
@@ -20329,9 +20408,9 @@
                           </m:sup>
                           <m:e>
                             <m:r>
-                              <a:rPr lang="en-US" altLang="zh-CN" i="1" kern="0" dirty="0">
+                              <a:rPr lang="en-US" altLang="zh-CN" sz="1400" i="1" kern="0" dirty="0">
                                 <a:solidFill>
-                                  <a:schemeClr val="tx1"/>
+                                  <a:srgbClr val="FF0000"/>
                                 </a:solidFill>
                                 <a:latin typeface="Cambria Math" panose="02040503050406030204" pitchFamily="18" charset="0"/>
                                 <a:cs typeface="+mn-ea"/>
@@ -20340,9 +20419,9 @@
                               <m:t>𝑅</m:t>
                             </m:r>
                             <m:r>
-                              <a:rPr lang="en-US" altLang="zh-CN" b="0" i="1" kern="0" dirty="0" smtClean="0">
+                              <a:rPr lang="en-US" altLang="zh-CN" sz="1400" b="0" i="1" kern="0" dirty="0" smtClean="0">
                                 <a:solidFill>
-                                  <a:schemeClr val="tx1"/>
+                                  <a:srgbClr val="FF0000"/>
                                 </a:solidFill>
                                 <a:latin typeface="Cambria Math" panose="02040503050406030204" pitchFamily="18" charset="0"/>
                                 <a:cs typeface="+mn-ea"/>
@@ -20355,9 +20434,9 @@
                       </m:num>
                       <m:den>
                         <m:r>
-                          <a:rPr lang="en-US" altLang="zh-CN" b="0" i="1" kern="0" dirty="0" smtClean="0">
+                          <a:rPr lang="en-US" altLang="zh-CN" sz="1400" b="0" i="1" kern="0" dirty="0" smtClean="0">
                             <a:solidFill>
-                              <a:schemeClr val="tx1"/>
+                              <a:srgbClr val="FF0000"/>
                             </a:solidFill>
                             <a:latin typeface="Cambria Math" panose="02040503050406030204" pitchFamily="18" charset="0"/>
                             <a:cs typeface="+mn-ea"/>
@@ -20384,20 +20463,945 @@
                     <a:spcPts val="600"/>
                   </a:spcBef>
                 </a:pPr>
+                <a:endParaRPr lang="zh-CN" altLang="en-US" sz="1400" kern="0" dirty="0">
+                  <a:latin typeface="微软雅黑" panose="020B0503020204020204" pitchFamily="34" charset="-122"/>
+                  <a:ea typeface="微软雅黑" panose="020B0503020204020204" pitchFamily="34" charset="-122"/>
+                  <a:cs typeface="+mn-ea"/>
+                  <a:sym typeface="+mn-lt"/>
+                </a:endParaRPr>
+              </a:p>
+            </p:txBody>
+          </p:sp>
+        </mc:Choice>
+        <mc:Fallback>
+          <p:sp>
+            <p:nvSpPr>
+              <p:cNvPr id="6" name="文本框 5">
+                <a:extLst>
+                  <a:ext uri="{FF2B5EF4-FFF2-40B4-BE49-F238E27FC236}">
+                    <a16:creationId xmlns:a16="http://schemas.microsoft.com/office/drawing/2014/main" id="{21E1F993-6298-4FDC-B6F1-C558D57CFE6B}"/>
+                  </a:ext>
+                </a:extLst>
+              </p:cNvPr>
+              <p:cNvSpPr txBox="1">
+                <a:spLocks noRot="1" noChangeAspect="1" noMove="1" noResize="1" noEditPoints="1" noAdjustHandles="1" noChangeArrowheads="1" noChangeShapeType="1" noTextEdit="1"/>
+              </p:cNvSpPr>
+              <p:nvPr/>
+            </p:nvSpPr>
+            <p:spPr>
+              <a:xfrm>
+                <a:off x="631596" y="2086956"/>
+                <a:ext cx="5464404" cy="1415580"/>
+              </a:xfrm>
+              <a:prstGeom prst="rect">
+                <a:avLst/>
+              </a:prstGeom>
+              <a:blipFill>
+                <a:blip r:embed="rId4"/>
+                <a:stretch>
+                  <a:fillRect l="-4353"/>
+                </a:stretch>
+              </a:blipFill>
+            </p:spPr>
+            <p:txBody>
+              <a:bodyPr/>
+              <a:lstStyle/>
+              <a:p>
                 <a:r>
-                  <a:rPr lang="zh-CN" altLang="en-US" sz="1400" kern="0" dirty="0">
-                    <a:ea typeface="微软雅黑" panose="020B0503020204020204" pitchFamily="34" charset="-122"/>
-                    <a:cs typeface="+mn-ea"/>
-                    <a:sym typeface="+mn-lt"/>
+                  <a:rPr lang="zh-CN" altLang="en-US">
+                    <a:noFill/>
                   </a:rPr>
-                  <a:t>其中，</a:t>
+                  <a:t> </a:t>
                 </a:r>
+              </a:p>
+            </p:txBody>
+          </p:sp>
+        </mc:Fallback>
+      </mc:AlternateContent>
+      <p:sp>
+        <p:nvSpPr>
+          <p:cNvPr id="7" name="文本框 6">
+            <a:extLst>
+              <a:ext uri="{FF2B5EF4-FFF2-40B4-BE49-F238E27FC236}">
+                <a16:creationId xmlns:a16="http://schemas.microsoft.com/office/drawing/2014/main" id="{2D7AD7C0-2042-40BD-A39B-F4F8191FE998}"/>
+              </a:ext>
+            </a:extLst>
+          </p:cNvPr>
+          <p:cNvSpPr txBox="1"/>
+          <p:nvPr/>
+        </p:nvSpPr>
+        <p:spPr>
+          <a:xfrm>
+            <a:off x="527900" y="1625122"/>
+            <a:ext cx="2818615" cy="381258"/>
+          </a:xfrm>
+          <a:prstGeom prst="rect">
+            <a:avLst/>
+          </a:prstGeom>
+          <a:noFill/>
+        </p:spPr>
+        <p:txBody>
+          <a:bodyPr wrap="square" rtlCol="0">
+            <a:spAutoFit/>
+          </a:bodyPr>
+          <a:lstStyle/>
+          <a:p>
+            <a:pPr>
+              <a:lnSpc>
+                <a:spcPct val="130000"/>
+              </a:lnSpc>
+              <a:spcBef>
+                <a:spcPts val="600"/>
+              </a:spcBef>
+            </a:pPr>
+            <a:r>
+              <a:rPr lang="zh-CN" altLang="en-US" sz="1600" kern="0" dirty="0">
+                <a:latin typeface="微软雅黑" panose="020B0503020204020204" pitchFamily="34" charset="-122"/>
+                <a:ea typeface="微软雅黑" panose="020B0503020204020204" pitchFamily="34" charset="-122"/>
+                <a:cs typeface="+mn-ea"/>
+                <a:sym typeface="+mn-lt"/>
+              </a:rPr>
+              <a:t>公证节点投票信誉增长</a:t>
+            </a:r>
+          </a:p>
+        </p:txBody>
+      </p:sp>
+      <p:sp>
+        <p:nvSpPr>
+          <p:cNvPr id="8" name="文本框 7">
+            <a:extLst>
+              <a:ext uri="{FF2B5EF4-FFF2-40B4-BE49-F238E27FC236}">
+                <a16:creationId xmlns:a16="http://schemas.microsoft.com/office/drawing/2014/main" id="{2277831F-5DFF-40A9-9B5A-543EE1A3861D}"/>
+              </a:ext>
+            </a:extLst>
+          </p:cNvPr>
+          <p:cNvSpPr txBox="1"/>
+          <p:nvPr/>
+        </p:nvSpPr>
+        <p:spPr>
+          <a:xfrm>
+            <a:off x="631595" y="4564388"/>
+            <a:ext cx="4392892" cy="381258"/>
+          </a:xfrm>
+          <a:prstGeom prst="rect">
+            <a:avLst/>
+          </a:prstGeom>
+          <a:noFill/>
+        </p:spPr>
+        <p:txBody>
+          <a:bodyPr wrap="square" rtlCol="0">
+            <a:spAutoFit/>
+          </a:bodyPr>
+          <a:lstStyle/>
+          <a:p>
+            <a:pPr>
+              <a:lnSpc>
+                <a:spcPct val="130000"/>
+              </a:lnSpc>
+              <a:spcBef>
+                <a:spcPts val="600"/>
+              </a:spcBef>
+            </a:pPr>
+            <a:r>
+              <a:rPr lang="zh-CN" altLang="en-US" sz="1600" kern="0" dirty="0">
+                <a:latin typeface="微软雅黑" panose="020B0503020204020204" pitchFamily="34" charset="-122"/>
+                <a:ea typeface="微软雅黑" panose="020B0503020204020204" pitchFamily="34" charset="-122"/>
+                <a:cs typeface="+mn-ea"/>
+                <a:sym typeface="+mn-lt"/>
+              </a:rPr>
+              <a:t>投票信誉惩罚（惩罚不活跃的公证人节点）</a:t>
+            </a:r>
+          </a:p>
+        </p:txBody>
+      </p:sp>
+      <mc:AlternateContent xmlns:mc="http://schemas.openxmlformats.org/markup-compatibility/2006">
+        <mc:Choice xmlns:a14="http://schemas.microsoft.com/office/drawing/2010/main" Requires="a14">
+          <p:sp>
+            <p:nvSpPr>
+              <p:cNvPr id="9" name="矩形 8">
+                <a:extLst>
+                  <a:ext uri="{FF2B5EF4-FFF2-40B4-BE49-F238E27FC236}">
+                    <a16:creationId xmlns:a16="http://schemas.microsoft.com/office/drawing/2014/main" id="{50396044-6263-4846-B3FE-0DEEC59E84F9}"/>
+                  </a:ext>
+                </a:extLst>
+              </p:cNvPr>
+              <p:cNvSpPr/>
+              <p:nvPr/>
+            </p:nvSpPr>
+            <p:spPr>
+              <a:xfrm>
+                <a:off x="631596" y="5234901"/>
+                <a:ext cx="3641703" cy="651653"/>
+              </a:xfrm>
+              <a:prstGeom prst="rect">
+                <a:avLst/>
+              </a:prstGeom>
+            </p:spPr>
+            <p:txBody>
+              <a:bodyPr wrap="none">
+                <a:spAutoFit/>
+              </a:bodyPr>
+              <a:lstStyle/>
+              <a:p>
+                <a14:m>
+                  <m:oMath xmlns:m="http://schemas.openxmlformats.org/officeDocument/2006/math">
+                    <m:sSubSup>
+                      <m:sSubSupPr>
+                        <m:ctrlPr>
+                          <a:rPr lang="en-US" altLang="zh-CN" sz="1400" i="1" kern="0" smtClean="0">
+                            <a:solidFill>
+                              <a:srgbClr val="FF0000"/>
+                            </a:solidFill>
+                            <a:latin typeface="Cambria Math" panose="02040503050406030204" pitchFamily="18" charset="0"/>
+                            <a:ea typeface="微软雅黑" panose="020B0503020204020204" pitchFamily="34" charset="-122"/>
+                            <a:cs typeface="+mn-ea"/>
+                            <a:sym typeface="+mn-lt"/>
+                          </a:rPr>
+                        </m:ctrlPr>
+                      </m:sSubSupPr>
+                      <m:e>
+                        <m:r>
+                          <a:rPr lang="en-US" altLang="zh-CN" sz="1400" i="1" kern="0">
+                            <a:solidFill>
+                              <a:srgbClr val="FF0000"/>
+                            </a:solidFill>
+                            <a:latin typeface="Cambria Math" panose="02040503050406030204" pitchFamily="18" charset="0"/>
+                            <a:ea typeface="微软雅黑" panose="020B0503020204020204" pitchFamily="34" charset="-122"/>
+                            <a:cs typeface="+mn-ea"/>
+                            <a:sym typeface="+mn-lt"/>
+                          </a:rPr>
+                          <m:t>𝑅</m:t>
+                        </m:r>
+                        <m:r>
+                          <m:rPr>
+                            <m:sty m:val="p"/>
+                          </m:rPr>
+                          <a:rPr lang="en-US" altLang="zh-CN" sz="1400" i="1" kern="0">
+                            <a:solidFill>
+                              <a:srgbClr val="FF0000"/>
+                            </a:solidFill>
+                            <a:latin typeface="Cambria Math" panose="02040503050406030204" pitchFamily="18" charset="0"/>
+                            <a:ea typeface="微软雅黑" panose="020B0503020204020204" pitchFamily="34" charset="-122"/>
+                            <a:cs typeface="+mn-ea"/>
+                            <a:sym typeface="+mn-lt"/>
+                          </a:rPr>
+                          <m:t>vote</m:t>
+                        </m:r>
+                      </m:e>
+                      <m:sub>
+                        <m:r>
+                          <a:rPr lang="en-US" altLang="zh-CN" sz="1400" b="0" i="1" kern="0" smtClean="0">
+                            <a:solidFill>
+                              <a:srgbClr val="FF0000"/>
+                            </a:solidFill>
+                            <a:latin typeface="Cambria Math" panose="02040503050406030204" pitchFamily="18" charset="0"/>
+                            <a:ea typeface="微软雅黑" panose="020B0503020204020204" pitchFamily="34" charset="-122"/>
+                            <a:cs typeface="+mn-ea"/>
+                            <a:sym typeface="+mn-lt"/>
+                          </a:rPr>
+                          <m:t>𝑛</m:t>
+                        </m:r>
+                      </m:sub>
+                      <m:sup>
+                        <m:r>
+                          <a:rPr lang="en-US" altLang="zh-CN" sz="1400" b="0" i="1" kern="0" smtClean="0">
+                            <a:solidFill>
+                              <a:srgbClr val="FF0000"/>
+                            </a:solidFill>
+                            <a:latin typeface="Cambria Math" panose="02040503050406030204" pitchFamily="18" charset="0"/>
+                            <a:ea typeface="微软雅黑" panose="020B0503020204020204" pitchFamily="34" charset="-122"/>
+                            <a:cs typeface="+mn-ea"/>
+                            <a:sym typeface="+mn-lt"/>
+                          </a:rPr>
+                          <m:t>𝑘</m:t>
+                        </m:r>
+                      </m:sup>
+                    </m:sSubSup>
+                  </m:oMath>
+                </a14:m>
+                <a:r>
+                  <a:rPr lang="en-US" altLang="zh-CN" sz="1400" dirty="0">
+                    <a:solidFill>
+                      <a:srgbClr val="FF0000"/>
+                    </a:solidFill>
+                  </a:rPr>
+                  <a:t>=</a:t>
+                </a:r>
+                <a14:m>
+                  <m:oMath xmlns:m="http://schemas.openxmlformats.org/officeDocument/2006/math">
+                    <m:sSubSup>
+                      <m:sSubSupPr>
+                        <m:ctrlPr>
+                          <a:rPr lang="en-US" altLang="zh-CN" sz="1400" i="1" kern="0">
+                            <a:solidFill>
+                              <a:srgbClr val="FF0000"/>
+                            </a:solidFill>
+                            <a:latin typeface="Cambria Math" panose="02040503050406030204" pitchFamily="18" charset="0"/>
+                            <a:ea typeface="微软雅黑" panose="020B0503020204020204" pitchFamily="34" charset="-122"/>
+                            <a:cs typeface="+mn-ea"/>
+                            <a:sym typeface="+mn-lt"/>
+                          </a:rPr>
+                        </m:ctrlPr>
+                      </m:sSubSupPr>
+                      <m:e>
+                        <m:r>
+                          <a:rPr lang="en-US" altLang="zh-CN" sz="1400" i="1" kern="0">
+                            <a:solidFill>
+                              <a:srgbClr val="FF0000"/>
+                            </a:solidFill>
+                            <a:latin typeface="Cambria Math" panose="02040503050406030204" pitchFamily="18" charset="0"/>
+                            <a:ea typeface="微软雅黑" panose="020B0503020204020204" pitchFamily="34" charset="-122"/>
+                            <a:cs typeface="+mn-ea"/>
+                            <a:sym typeface="+mn-lt"/>
+                          </a:rPr>
+                          <m:t>𝑅</m:t>
+                        </m:r>
+                        <m:r>
+                          <m:rPr>
+                            <m:sty m:val="p"/>
+                          </m:rPr>
+                          <a:rPr lang="en-US" altLang="zh-CN" sz="1400" i="1" kern="0">
+                            <a:solidFill>
+                              <a:srgbClr val="FF0000"/>
+                            </a:solidFill>
+                            <a:latin typeface="Cambria Math" panose="02040503050406030204" pitchFamily="18" charset="0"/>
+                            <a:ea typeface="微软雅黑" panose="020B0503020204020204" pitchFamily="34" charset="-122"/>
+                            <a:cs typeface="+mn-ea"/>
+                            <a:sym typeface="+mn-lt"/>
+                          </a:rPr>
+                          <m:t>vote</m:t>
+                        </m:r>
+                      </m:e>
+                      <m:sub>
+                        <m:r>
+                          <a:rPr lang="en-US" altLang="zh-CN" sz="1400" b="0" i="1" kern="0" smtClean="0">
+                            <a:solidFill>
+                              <a:srgbClr val="FF0000"/>
+                            </a:solidFill>
+                            <a:latin typeface="Cambria Math" panose="02040503050406030204" pitchFamily="18" charset="0"/>
+                            <a:ea typeface="微软雅黑" panose="020B0503020204020204" pitchFamily="34" charset="-122"/>
+                            <a:cs typeface="+mn-ea"/>
+                            <a:sym typeface="+mn-lt"/>
+                          </a:rPr>
+                          <m:t>𝑛</m:t>
+                        </m:r>
+                        <m:r>
+                          <a:rPr lang="en-US" altLang="zh-CN" sz="1400" b="0" i="1" kern="0" smtClean="0">
+                            <a:solidFill>
+                              <a:srgbClr val="FF0000"/>
+                            </a:solidFill>
+                            <a:latin typeface="Cambria Math" panose="02040503050406030204" pitchFamily="18" charset="0"/>
+                            <a:ea typeface="微软雅黑" panose="020B0503020204020204" pitchFamily="34" charset="-122"/>
+                            <a:cs typeface="+mn-ea"/>
+                            <a:sym typeface="+mn-lt"/>
+                          </a:rPr>
+                          <m:t>−1</m:t>
+                        </m:r>
+                      </m:sub>
+                      <m:sup>
+                        <m:r>
+                          <a:rPr lang="en-US" altLang="zh-CN" sz="1400" b="0" i="1" kern="0" smtClean="0">
+                            <a:solidFill>
+                              <a:srgbClr val="FF0000"/>
+                            </a:solidFill>
+                            <a:latin typeface="Cambria Math" panose="02040503050406030204" pitchFamily="18" charset="0"/>
+                            <a:ea typeface="微软雅黑" panose="020B0503020204020204" pitchFamily="34" charset="-122"/>
+                            <a:cs typeface="+mn-ea"/>
+                            <a:sym typeface="+mn-lt"/>
+                          </a:rPr>
+                          <m:t>𝑘</m:t>
+                        </m:r>
+                      </m:sup>
+                    </m:sSubSup>
+                    <m:r>
+                      <a:rPr lang="en-US" altLang="zh-CN" sz="1400" i="1" kern="0" smtClean="0">
+                        <a:solidFill>
+                          <a:srgbClr val="FF0000"/>
+                        </a:solidFill>
+                        <a:latin typeface="Cambria Math" panose="02040503050406030204" pitchFamily="18" charset="0"/>
+                        <a:ea typeface="微软雅黑" panose="020B0503020204020204" pitchFamily="34" charset="-122"/>
+                        <a:cs typeface="+mn-ea"/>
+                        <a:sym typeface="+mn-lt"/>
+                      </a:rPr>
+                      <m:t>×</m:t>
+                    </m:r>
+                    <m:sSup>
+                      <m:sSupPr>
+                        <m:ctrlPr>
+                          <a:rPr lang="zh-CN" altLang="en-US" sz="1400" i="1" kern="0" dirty="0">
+                            <a:solidFill>
+                              <a:srgbClr val="FF0000"/>
+                            </a:solidFill>
+                            <a:latin typeface="Cambria Math" panose="02040503050406030204" pitchFamily="18" charset="0"/>
+                            <a:cs typeface="+mn-ea"/>
+                            <a:sym typeface="+mn-lt"/>
+                          </a:rPr>
+                        </m:ctrlPr>
+                      </m:sSupPr>
+                      <m:e>
+                        <m:r>
+                          <a:rPr lang="zh-CN" altLang="en-US" sz="1400" kern="0" dirty="0">
+                            <a:solidFill>
+                              <a:srgbClr val="FF0000"/>
+                            </a:solidFill>
+                            <a:latin typeface="Cambria Math" panose="02040503050406030204" pitchFamily="18" charset="0"/>
+                            <a:cs typeface="+mn-ea"/>
+                            <a:sym typeface="+mn-lt"/>
+                          </a:rPr>
+                          <m:t>ⅇ</m:t>
+                        </m:r>
+                      </m:e>
+                      <m:sup>
+                        <m:f>
+                          <m:fPr>
+                            <m:ctrlPr>
+                              <a:rPr lang="en-US" altLang="zh-CN" sz="1400" i="1" kern="0" dirty="0" smtClean="0">
+                                <a:solidFill>
+                                  <a:srgbClr val="FF0000"/>
+                                </a:solidFill>
+                                <a:latin typeface="Cambria Math" panose="02040503050406030204" pitchFamily="18" charset="0"/>
+                                <a:cs typeface="+mn-ea"/>
+                                <a:sym typeface="+mn-lt"/>
+                              </a:rPr>
+                            </m:ctrlPr>
+                          </m:fPr>
+                          <m:num>
+                            <m:nary>
+                              <m:naryPr>
+                                <m:chr m:val="∑"/>
+                                <m:grow m:val="on"/>
+                                <m:subHide m:val="on"/>
+                                <m:supHide m:val="on"/>
+                                <m:ctrlPr>
+                                  <a:rPr lang="zh-CN" altLang="en-US" sz="1400" i="1" kern="0" dirty="0">
+                                    <a:solidFill>
+                                      <a:srgbClr val="FF0000"/>
+                                    </a:solidFill>
+                                    <a:latin typeface="Cambria Math" panose="02040503050406030204" pitchFamily="18" charset="0"/>
+                                    <a:cs typeface="+mn-ea"/>
+                                    <a:sym typeface="+mn-lt"/>
+                                  </a:rPr>
+                                </m:ctrlPr>
+                              </m:naryPr>
+                              <m:sub/>
+                              <m:sup/>
+                              <m:e>
+                                <m:sSubSup>
+                                  <m:sSubSupPr>
+                                    <m:ctrlPr>
+                                      <a:rPr lang="zh-CN" altLang="en-US" sz="1400" i="1" kern="0" dirty="0">
+                                        <a:solidFill>
+                                          <a:srgbClr val="FF0000"/>
+                                        </a:solidFill>
+                                        <a:latin typeface="Cambria Math" panose="02040503050406030204" pitchFamily="18" charset="0"/>
+                                        <a:cs typeface="+mn-ea"/>
+                                        <a:sym typeface="+mn-lt"/>
+                                      </a:rPr>
+                                    </m:ctrlPr>
+                                  </m:sSubSupPr>
+                                  <m:e>
+                                    <m:r>
+                                      <a:rPr lang="en-US" altLang="zh-CN" sz="1400" i="1" kern="0" dirty="0">
+                                        <a:solidFill>
+                                          <a:srgbClr val="FF0000"/>
+                                        </a:solidFill>
+                                        <a:latin typeface="Cambria Math" panose="02040503050406030204" pitchFamily="18" charset="0"/>
+                                        <a:cs typeface="+mn-ea"/>
+                                        <a:sym typeface="+mn-lt"/>
+                                      </a:rPr>
+                                      <m:t>𝑉</m:t>
+                                    </m:r>
+                                  </m:e>
+                                  <m:sub>
+                                    <m:r>
+                                      <m:rPr>
+                                        <m:sty m:val="p"/>
+                                      </m:rPr>
+                                      <a:rPr lang="en-US" altLang="zh-CN" sz="1400" i="1" kern="0" dirty="0">
+                                        <a:solidFill>
+                                          <a:srgbClr val="FF0000"/>
+                                        </a:solidFill>
+                                        <a:latin typeface="Cambria Math" panose="02040503050406030204" pitchFamily="18" charset="0"/>
+                                        <a:cs typeface="+mn-ea"/>
+                                        <a:sym typeface="+mn-lt"/>
+                                      </a:rPr>
+                                      <m:t>n</m:t>
+                                    </m:r>
+                                    <m:r>
+                                      <a:rPr lang="en-US" altLang="zh-CN" sz="1400" i="1" kern="0" dirty="0">
+                                        <a:solidFill>
+                                          <a:srgbClr val="FF0000"/>
+                                        </a:solidFill>
+                                        <a:latin typeface="Cambria Math" panose="02040503050406030204" pitchFamily="18" charset="0"/>
+                                        <a:cs typeface="+mn-ea"/>
+                                        <a:sym typeface="+mn-lt"/>
+                                      </a:rPr>
+                                      <m:t>_</m:t>
+                                    </m:r>
+                                    <m:r>
+                                      <a:rPr lang="en-US" altLang="zh-CN" sz="1400" i="1" kern="0" dirty="0">
+                                        <a:solidFill>
+                                          <a:srgbClr val="FF0000"/>
+                                        </a:solidFill>
+                                        <a:latin typeface="Cambria Math" panose="02040503050406030204" pitchFamily="18" charset="0"/>
+                                        <a:cs typeface="+mn-ea"/>
+                                        <a:sym typeface="+mn-lt"/>
+                                      </a:rPr>
+                                      <m:t>𝑠𝑢𝑐𝑐𝑒𝑠𝑠</m:t>
+                                    </m:r>
+                                  </m:sub>
+                                  <m:sup>
+                                    <m:r>
+                                      <a:rPr lang="en-US" altLang="zh-CN" sz="1400" b="0" i="1" kern="0" dirty="0" smtClean="0">
+                                        <a:solidFill>
+                                          <a:srgbClr val="FF0000"/>
+                                        </a:solidFill>
+                                        <a:latin typeface="Cambria Math" panose="02040503050406030204" pitchFamily="18" charset="0"/>
+                                        <a:cs typeface="+mn-ea"/>
+                                        <a:sym typeface="+mn-lt"/>
+                                      </a:rPr>
+                                      <m:t>𝑘</m:t>
+                                    </m:r>
+                                  </m:sup>
+                                </m:sSubSup>
+                              </m:e>
+                            </m:nary>
+                            <m:r>
+                              <a:rPr lang="en-US" altLang="zh-CN" sz="1400" i="1" kern="0" dirty="0">
+                                <a:solidFill>
+                                  <a:srgbClr val="FF0000"/>
+                                </a:solidFill>
+                                <a:latin typeface="Cambria Math" panose="02040503050406030204" pitchFamily="18" charset="0"/>
+                                <a:cs typeface="+mn-ea"/>
+                                <a:sym typeface="+mn-lt"/>
+                              </a:rPr>
+                              <m:t>+</m:t>
+                            </m:r>
+                            <m:nary>
+                              <m:naryPr>
+                                <m:chr m:val="∑"/>
+                                <m:grow m:val="on"/>
+                                <m:subHide m:val="on"/>
+                                <m:supHide m:val="on"/>
+                                <m:ctrlPr>
+                                  <a:rPr lang="zh-CN" altLang="en-US" sz="1400" i="1" kern="0" dirty="0">
+                                    <a:solidFill>
+                                      <a:srgbClr val="FF0000"/>
+                                    </a:solidFill>
+                                    <a:latin typeface="Cambria Math" panose="02040503050406030204" pitchFamily="18" charset="0"/>
+                                    <a:cs typeface="+mn-ea"/>
+                                    <a:sym typeface="+mn-lt"/>
+                                  </a:rPr>
+                                </m:ctrlPr>
+                              </m:naryPr>
+                              <m:sub/>
+                              <m:sup/>
+                              <m:e>
+                                <m:sSubSup>
+                                  <m:sSubSupPr>
+                                    <m:ctrlPr>
+                                      <a:rPr lang="zh-CN" altLang="en-US" sz="1400" i="1" kern="0" dirty="0">
+                                        <a:solidFill>
+                                          <a:srgbClr val="FF0000"/>
+                                        </a:solidFill>
+                                        <a:latin typeface="Cambria Math" panose="02040503050406030204" pitchFamily="18" charset="0"/>
+                                        <a:cs typeface="+mn-ea"/>
+                                        <a:sym typeface="+mn-lt"/>
+                                      </a:rPr>
+                                    </m:ctrlPr>
+                                  </m:sSubSupPr>
+                                  <m:e>
+                                    <m:r>
+                                      <a:rPr lang="en-US" altLang="zh-CN" sz="1400" i="1" kern="0" dirty="0">
+                                        <a:solidFill>
+                                          <a:srgbClr val="FF0000"/>
+                                        </a:solidFill>
+                                        <a:latin typeface="Cambria Math" panose="02040503050406030204" pitchFamily="18" charset="0"/>
+                                        <a:cs typeface="+mn-ea"/>
+                                        <a:sym typeface="+mn-lt"/>
+                                      </a:rPr>
+                                      <m:t>𝑉</m:t>
+                                    </m:r>
+                                  </m:e>
+                                  <m:sub>
+                                    <m:r>
+                                      <m:rPr>
+                                        <m:sty m:val="p"/>
+                                      </m:rPr>
+                                      <a:rPr lang="en-US" altLang="zh-CN" sz="1400" i="1" kern="0" dirty="0">
+                                        <a:solidFill>
+                                          <a:srgbClr val="FF0000"/>
+                                        </a:solidFill>
+                                        <a:latin typeface="Cambria Math" panose="02040503050406030204" pitchFamily="18" charset="0"/>
+                                        <a:cs typeface="+mn-ea"/>
+                                        <a:sym typeface="+mn-lt"/>
+                                      </a:rPr>
+                                      <m:t>r</m:t>
+                                    </m:r>
+                                    <m:r>
+                                      <a:rPr lang="en-US" altLang="zh-CN" sz="1400" i="1" kern="0" dirty="0">
+                                        <a:solidFill>
+                                          <a:srgbClr val="FF0000"/>
+                                        </a:solidFill>
+                                        <a:latin typeface="Cambria Math" panose="02040503050406030204" pitchFamily="18" charset="0"/>
+                                        <a:cs typeface="+mn-ea"/>
+                                        <a:sym typeface="+mn-lt"/>
+                                      </a:rPr>
+                                      <m:t>_</m:t>
+                                    </m:r>
+                                    <m:r>
+                                      <a:rPr lang="en-US" altLang="zh-CN" sz="1400" i="1" kern="0" dirty="0">
+                                        <a:solidFill>
+                                          <a:srgbClr val="FF0000"/>
+                                        </a:solidFill>
+                                        <a:latin typeface="Cambria Math" panose="02040503050406030204" pitchFamily="18" charset="0"/>
+                                        <a:cs typeface="+mn-ea"/>
+                                        <a:sym typeface="+mn-lt"/>
+                                      </a:rPr>
+                                      <m:t>𝑠𝑢𝑐𝑐𝑒𝑠𝑠</m:t>
+                                    </m:r>
+                                  </m:sub>
+                                  <m:sup>
+                                    <m:r>
+                                      <m:rPr>
+                                        <m:sty m:val="p"/>
+                                      </m:rPr>
+                                      <a:rPr lang="en-US" altLang="zh-CN" sz="1400" i="1" kern="0" dirty="0">
+                                        <a:solidFill>
+                                          <a:srgbClr val="FF0000"/>
+                                        </a:solidFill>
+                                        <a:latin typeface="Cambria Math" panose="02040503050406030204" pitchFamily="18" charset="0"/>
+                                        <a:cs typeface="+mn-ea"/>
+                                        <a:sym typeface="+mn-lt"/>
+                                      </a:rPr>
+                                      <m:t>k</m:t>
+                                    </m:r>
+                                  </m:sup>
+                                </m:sSubSup>
+                              </m:e>
+                            </m:nary>
+                          </m:num>
+                          <m:den>
+                            <m:nary>
+                              <m:naryPr>
+                                <m:chr m:val="∑"/>
+                                <m:grow m:val="on"/>
+                                <m:subHide m:val="on"/>
+                                <m:supHide m:val="on"/>
+                                <m:ctrlPr>
+                                  <a:rPr lang="zh-CN" altLang="en-US" sz="1400" i="1" kern="0" dirty="0">
+                                    <a:solidFill>
+                                      <a:srgbClr val="FF0000"/>
+                                    </a:solidFill>
+                                    <a:latin typeface="Cambria Math" panose="02040503050406030204" pitchFamily="18" charset="0"/>
+                                    <a:cs typeface="+mn-ea"/>
+                                    <a:sym typeface="+mn-lt"/>
+                                  </a:rPr>
+                                </m:ctrlPr>
+                              </m:naryPr>
+                              <m:sub/>
+                              <m:sup/>
+                              <m:e>
+                                <m:sSub>
+                                  <m:sSubPr>
+                                    <m:ctrlPr>
+                                      <a:rPr lang="en-US" altLang="zh-CN" sz="1400" i="1" kern="0" dirty="0" smtClean="0">
+                                        <a:solidFill>
+                                          <a:srgbClr val="FF0000"/>
+                                        </a:solidFill>
+                                        <a:latin typeface="Cambria Math" panose="02040503050406030204" pitchFamily="18" charset="0"/>
+                                        <a:cs typeface="+mn-ea"/>
+                                        <a:sym typeface="+mn-lt"/>
+                                      </a:rPr>
+                                    </m:ctrlPr>
+                                  </m:sSubPr>
+                                  <m:e>
+                                    <m:r>
+                                      <a:rPr lang="en-US" altLang="zh-CN" sz="1400" b="0" i="1" kern="0" dirty="0" smtClean="0">
+                                        <a:solidFill>
+                                          <a:srgbClr val="FF0000"/>
+                                        </a:solidFill>
+                                        <a:latin typeface="Cambria Math" panose="02040503050406030204" pitchFamily="18" charset="0"/>
+                                        <a:cs typeface="+mn-ea"/>
+                                        <a:sym typeface="+mn-lt"/>
+                                      </a:rPr>
+                                      <m:t>𝑉</m:t>
+                                    </m:r>
+                                  </m:e>
+                                  <m:sub>
+                                    <m:r>
+                                      <m:rPr>
+                                        <m:sty m:val="p"/>
+                                      </m:rPr>
+                                      <a:rPr lang="en-US" altLang="zh-CN" sz="1400" i="1" kern="0" dirty="0">
+                                        <a:solidFill>
+                                          <a:srgbClr val="FF0000"/>
+                                        </a:solidFill>
+                                        <a:latin typeface="Cambria Math" panose="02040503050406030204" pitchFamily="18" charset="0"/>
+                                        <a:cs typeface="+mn-ea"/>
+                                        <a:sym typeface="+mn-lt"/>
+                                      </a:rPr>
+                                      <m:t>tot</m:t>
+                                    </m:r>
+                                    <m:r>
+                                      <m:rPr>
+                                        <m:sty m:val="p"/>
+                                      </m:rPr>
+                                      <a:rPr lang="en-US" altLang="zh-CN" sz="1400" i="1" kern="0" dirty="0" smtClean="0">
+                                        <a:solidFill>
+                                          <a:srgbClr val="FF0000"/>
+                                        </a:solidFill>
+                                        <a:latin typeface="Cambria Math" panose="02040503050406030204" pitchFamily="18" charset="0"/>
+                                        <a:cs typeface="+mn-ea"/>
+                                        <a:sym typeface="+mn-lt"/>
+                                      </a:rPr>
+                                      <m:t>al</m:t>
+                                    </m:r>
+                                  </m:sub>
+                                </m:sSub>
+                              </m:e>
+                            </m:nary>
+                          </m:den>
+                        </m:f>
+                        <m:r>
+                          <a:rPr lang="en-US" altLang="zh-CN" sz="1400" b="0" i="1" kern="0" dirty="0" smtClean="0">
+                            <a:solidFill>
+                              <a:srgbClr val="FF0000"/>
+                            </a:solidFill>
+                            <a:latin typeface="Cambria Math" panose="02040503050406030204" pitchFamily="18" charset="0"/>
+                            <a:cs typeface="+mn-ea"/>
+                            <a:sym typeface="+mn-lt"/>
+                          </a:rPr>
+                          <m:t>−1</m:t>
+                        </m:r>
+                      </m:sup>
+                    </m:sSup>
+                  </m:oMath>
+                </a14:m>
+                <a:endParaRPr lang="zh-CN" altLang="en-US" sz="1400" b="1" dirty="0"/>
+              </a:p>
+            </p:txBody>
+          </p:sp>
+        </mc:Choice>
+        <mc:Fallback>
+          <p:sp>
+            <p:nvSpPr>
+              <p:cNvPr id="9" name="矩形 8">
+                <a:extLst>
+                  <a:ext uri="{FF2B5EF4-FFF2-40B4-BE49-F238E27FC236}">
+                    <a16:creationId xmlns:a16="http://schemas.microsoft.com/office/drawing/2014/main" id="{50396044-6263-4846-B3FE-0DEEC59E84F9}"/>
+                  </a:ext>
+                </a:extLst>
+              </p:cNvPr>
+              <p:cNvSpPr>
+                <a:spLocks noRot="1" noChangeAspect="1" noMove="1" noResize="1" noEditPoints="1" noAdjustHandles="1" noChangeArrowheads="1" noChangeShapeType="1" noTextEdit="1"/>
+              </p:cNvSpPr>
+              <p:nvPr/>
+            </p:nvSpPr>
+            <p:spPr>
+              <a:xfrm>
+                <a:off x="631596" y="5234901"/>
+                <a:ext cx="3641703" cy="651653"/>
+              </a:xfrm>
+              <a:prstGeom prst="rect">
+                <a:avLst/>
+              </a:prstGeom>
+              <a:blipFill>
+                <a:blip r:embed="rId5"/>
+                <a:stretch>
+                  <a:fillRect b="-8411"/>
+                </a:stretch>
+              </a:blipFill>
+            </p:spPr>
+            <p:txBody>
+              <a:bodyPr/>
+              <a:lstStyle/>
+              <a:p>
+                <a:r>
+                  <a:rPr lang="zh-CN" altLang="en-US">
+                    <a:noFill/>
+                  </a:rPr>
+                  <a:t> </a:t>
+                </a:r>
+              </a:p>
+            </p:txBody>
+          </p:sp>
+        </mc:Fallback>
+      </mc:AlternateContent>
+      <p:cxnSp>
+        <p:nvCxnSpPr>
+          <p:cNvPr id="16" name="直接箭头连接符 15">
+            <a:extLst>
+              <a:ext uri="{FF2B5EF4-FFF2-40B4-BE49-F238E27FC236}">
+                <a16:creationId xmlns:a16="http://schemas.microsoft.com/office/drawing/2014/main" id="{6DE89273-1E14-464D-B74F-CE32966901EE}"/>
+              </a:ext>
+            </a:extLst>
+          </p:cNvPr>
+          <p:cNvCxnSpPr>
+            <a:cxnSpLocks/>
+            <a:stCxn id="2" idx="3"/>
+          </p:cNvCxnSpPr>
+          <p:nvPr/>
+        </p:nvCxnSpPr>
+        <p:spPr>
+          <a:xfrm>
+            <a:off x="5250686" y="1228063"/>
+            <a:ext cx="1187777" cy="0"/>
+          </a:xfrm>
+          <a:prstGeom prst="straightConnector1">
+            <a:avLst/>
+          </a:prstGeom>
+          <a:ln>
+            <a:tailEnd type="triangle"/>
+          </a:ln>
+        </p:spPr>
+        <p:style>
+          <a:lnRef idx="1">
+            <a:schemeClr val="accent1"/>
+          </a:lnRef>
+          <a:fillRef idx="0">
+            <a:schemeClr val="accent1"/>
+          </a:fillRef>
+          <a:effectRef idx="0">
+            <a:schemeClr val="accent1"/>
+          </a:effectRef>
+          <a:fontRef idx="minor">
+            <a:schemeClr val="tx1"/>
+          </a:fontRef>
+        </p:style>
+      </p:cxnSp>
+      <p:sp>
+        <p:nvSpPr>
+          <p:cNvPr id="37" name="矩形 36">
+            <a:extLst>
+              <a:ext uri="{FF2B5EF4-FFF2-40B4-BE49-F238E27FC236}">
+                <a16:creationId xmlns:a16="http://schemas.microsoft.com/office/drawing/2014/main" id="{5D59AD5E-B13C-40DE-A189-E14DF1B4A12D}"/>
+              </a:ext>
+            </a:extLst>
+          </p:cNvPr>
+          <p:cNvSpPr/>
+          <p:nvPr/>
+        </p:nvSpPr>
+        <p:spPr>
+          <a:xfrm>
+            <a:off x="6642749" y="912197"/>
+            <a:ext cx="4801314" cy="646331"/>
+          </a:xfrm>
+          <a:prstGeom prst="rect">
+            <a:avLst/>
+          </a:prstGeom>
+        </p:spPr>
+        <p:txBody>
+          <a:bodyPr wrap="none">
+            <a:spAutoFit/>
+          </a:bodyPr>
+          <a:lstStyle/>
+          <a:p>
+            <a:r>
+              <a:rPr lang="zh-CN" altLang="en-US" dirty="0"/>
+              <a:t>引入投票机制，并且设立信誉激励和惩罚机制</a:t>
+            </a:r>
+            <a:endParaRPr lang="en-US" altLang="zh-CN" dirty="0"/>
+          </a:p>
+          <a:p>
+            <a:r>
+              <a:rPr lang="zh-CN" altLang="en-US" dirty="0"/>
+              <a:t>激发所有公证节点的参与度</a:t>
+            </a:r>
+          </a:p>
+        </p:txBody>
+      </p:sp>
+      <p:sp>
+        <p:nvSpPr>
+          <p:cNvPr id="39" name="文本框 38">
+            <a:extLst>
+              <a:ext uri="{FF2B5EF4-FFF2-40B4-BE49-F238E27FC236}">
+                <a16:creationId xmlns:a16="http://schemas.microsoft.com/office/drawing/2014/main" id="{683BA0B3-DB63-4FE5-B997-56A2F4778223}"/>
+              </a:ext>
+            </a:extLst>
+          </p:cNvPr>
+          <p:cNvSpPr txBox="1"/>
+          <p:nvPr/>
+        </p:nvSpPr>
+        <p:spPr>
+          <a:xfrm>
+            <a:off x="5330770" y="869520"/>
+            <a:ext cx="1027522" cy="308995"/>
+          </a:xfrm>
+          <a:prstGeom prst="rect">
+            <a:avLst/>
+          </a:prstGeom>
+          <a:noFill/>
+        </p:spPr>
+        <p:txBody>
+          <a:bodyPr wrap="square" rtlCol="0">
+            <a:spAutoFit/>
+          </a:bodyPr>
+          <a:lstStyle/>
+          <a:p>
+            <a:pPr>
+              <a:lnSpc>
+                <a:spcPct val="130000"/>
+              </a:lnSpc>
+              <a:spcBef>
+                <a:spcPts val="600"/>
+              </a:spcBef>
+            </a:pPr>
+            <a:r>
+              <a:rPr lang="zh-CN" altLang="en-US" sz="1200" kern="0" dirty="0">
+                <a:latin typeface="微软雅黑" panose="020B0503020204020204" pitchFamily="34" charset="-122"/>
+                <a:ea typeface="微软雅黑" panose="020B0503020204020204" pitchFamily="34" charset="-122"/>
+                <a:cs typeface="+mn-ea"/>
+                <a:sym typeface="+mn-lt"/>
+              </a:rPr>
+              <a:t>拟解决思路</a:t>
+            </a:r>
+          </a:p>
+        </p:txBody>
+      </p:sp>
+      <mc:AlternateContent xmlns:mc="http://schemas.openxmlformats.org/markup-compatibility/2006">
+        <mc:Choice xmlns:a14="http://schemas.microsoft.com/office/drawing/2010/main" Requires="a14">
+          <p:sp>
+            <p:nvSpPr>
+              <p:cNvPr id="4" name="矩形 3">
+                <a:extLst>
+                  <a:ext uri="{FF2B5EF4-FFF2-40B4-BE49-F238E27FC236}">
+                    <a16:creationId xmlns:a16="http://schemas.microsoft.com/office/drawing/2014/main" id="{8E9DD7AD-B185-440E-9DA8-61007BECD12B}"/>
+                  </a:ext>
+                </a:extLst>
+              </p:cNvPr>
+              <p:cNvSpPr/>
+              <p:nvPr/>
+            </p:nvSpPr>
+            <p:spPr>
+              <a:xfrm>
+                <a:off x="5910563" y="2085758"/>
+                <a:ext cx="6096000" cy="1641027"/>
+              </a:xfrm>
+              <a:prstGeom prst="rect">
+                <a:avLst/>
+              </a:prstGeom>
+            </p:spPr>
+            <p:txBody>
+              <a:bodyPr>
+                <a:spAutoFit/>
+              </a:bodyPr>
+              <a:lstStyle/>
+              <a:p>
+                <a:pPr>
+                  <a:lnSpc>
+                    <a:spcPct val="130000"/>
+                  </a:lnSpc>
+                  <a:spcBef>
+                    <a:spcPts val="600"/>
+                  </a:spcBef>
+                </a:pPr>
                 <a14:m>
                   <m:oMath xmlns:m="http://schemas.openxmlformats.org/officeDocument/2006/math">
                     <m:sSub>
                       <m:sSubPr>
                         <m:ctrlPr>
-                          <a:rPr lang="en-US" altLang="zh-CN" sz="1400" i="1" kern="0" smtClean="0">
+                          <a:rPr lang="en-US" altLang="zh-CN" sz="1400" i="1" kern="0">
                             <a:latin typeface="Cambria Math" panose="02040503050406030204" pitchFamily="18" charset="0"/>
                             <a:ea typeface="微软雅黑" panose="020B0503020204020204" pitchFamily="34" charset="-122"/>
                             <a:cs typeface="+mn-ea"/>
@@ -20462,7 +21466,7 @@
                       </m:sub>
                     </m:sSub>
                     <m:r>
-                      <a:rPr lang="en-US" altLang="zh-CN" sz="1400" b="0" i="1" kern="0" smtClean="0">
+                      <a:rPr lang="en-US" altLang="zh-CN" sz="1400" i="1" kern="0">
                         <a:latin typeface="Cambria Math" panose="02040503050406030204" pitchFamily="18" charset="0"/>
                         <a:ea typeface="微软雅黑" panose="020B0503020204020204" pitchFamily="34" charset="-122"/>
                         <a:cs typeface="+mn-ea"/>
@@ -20524,16 +21528,7 @@
                             <a:cs typeface="+mn-ea"/>
                             <a:sym typeface="+mn-lt"/>
                           </a:rPr>
-                          <m:t>−1</m:t>
-                        </m:r>
-                        <m:r>
-                          <a:rPr lang="en-US" altLang="zh-CN" sz="1400" i="1" kern="0">
-                            <a:latin typeface="Cambria Math" panose="02040503050406030204" pitchFamily="18" charset="0"/>
-                            <a:ea typeface="微软雅黑" panose="020B0503020204020204" pitchFamily="34" charset="-122"/>
-                            <a:cs typeface="+mn-ea"/>
-                            <a:sym typeface="+mn-lt"/>
-                          </a:rPr>
-                          <m:t>,</m:t>
+                          <m:t>−1,</m:t>
                         </m:r>
                         <m:r>
                           <a:rPr lang="en-US" altLang="zh-CN" sz="1400" i="1" kern="0">
@@ -20564,7 +21559,7 @@
                     <a:cs typeface="+mn-ea"/>
                     <a:sym typeface="+mn-lt"/>
                   </a:rPr>
-                  <a:t>公证人 </a:t>
+                  <a:t>公证节点 </a:t>
                 </a:r>
                 <a14:m>
                   <m:oMath xmlns:m="http://schemas.openxmlformats.org/officeDocument/2006/math">
@@ -20654,7 +21649,26 @@
                     <a:cs typeface="+mn-ea"/>
                     <a:sym typeface="+mn-lt"/>
                   </a:rPr>
-                  <a:t>, </a:t>
+                  <a:t>,</a:t>
+                </a:r>
+              </a:p>
+              <a:p>
+                <a:pPr>
+                  <a:lnSpc>
+                    <a:spcPct val="130000"/>
+                  </a:lnSpc>
+                  <a:spcBef>
+                    <a:spcPts val="600"/>
+                  </a:spcBef>
+                </a:pPr>
+                <a:r>
+                  <a:rPr lang="en-US" altLang="zh-CN" sz="1400" kern="0" dirty="0">
+                    <a:latin typeface="微软雅黑" panose="020B0503020204020204" pitchFamily="34" charset="-122"/>
+                    <a:ea typeface="微软雅黑" panose="020B0503020204020204" pitchFamily="34" charset="-122"/>
+                    <a:cs typeface="+mn-ea"/>
+                    <a:sym typeface="+mn-lt"/>
+                  </a:rPr>
+                  <a:t> </a:t>
                 </a:r>
                 <a14:m>
                   <m:oMath xmlns:m="http://schemas.openxmlformats.org/officeDocument/2006/math">
@@ -20753,8 +21767,24 @@
                     <a:cs typeface="+mn-ea"/>
                     <a:sym typeface="+mn-lt"/>
                   </a:rPr>
-                  <a:t>所有公证人在第 </a:t>
+                  <a:t>所有公证节点在第 </a:t>
                 </a:r>
+                <a14:m>
+                  <m:oMath xmlns:m="http://schemas.openxmlformats.org/officeDocument/2006/math">
+                    <m:r>
+                      <m:rPr>
+                        <m:sty m:val="p"/>
+                      </m:rPr>
+                      <a:rPr lang="en-US" altLang="zh-CN" sz="1400" i="1" kern="0">
+                        <a:latin typeface="Cambria Math" panose="02040503050406030204" pitchFamily="18" charset="0"/>
+                        <a:ea typeface="微软雅黑" panose="020B0503020204020204" pitchFamily="34" charset="-122"/>
+                        <a:cs typeface="+mn-ea"/>
+                        <a:sym typeface="+mn-lt"/>
+                      </a:rPr>
+                      <m:t>n</m:t>
+                    </m:r>
+                  </m:oMath>
+                </a14:m>
                 <a:r>
                   <a:rPr lang="en-US" altLang="zh-CN" sz="1400" kern="0" dirty="0">
                     <a:latin typeface="微软雅黑" panose="020B0503020204020204" pitchFamily="34" charset="-122"/>
@@ -20762,7 +21792,7 @@
                     <a:cs typeface="+mn-ea"/>
                     <a:sym typeface="+mn-lt"/>
                   </a:rPr>
-                  <a:t>n−1 </a:t>
+                  <a:t>-1 </a:t>
                 </a:r>
                 <a:r>
                   <a:rPr lang="zh-CN" altLang="en-US" sz="1400" kern="0" dirty="0">
@@ -20771,7 +21801,86 @@
                     <a:cs typeface="+mn-ea"/>
                     <a:sym typeface="+mn-lt"/>
                   </a:rPr>
-                  <a:t>次投票后的信誉值总和</a:t>
+                  <a:t>次投票后的信誉值总和，</a:t>
+                </a:r>
+                <a:endParaRPr lang="en-US" altLang="zh-CN" sz="1400" kern="0" dirty="0">
+                  <a:latin typeface="微软雅黑" panose="020B0503020204020204" pitchFamily="34" charset="-122"/>
+                  <a:ea typeface="微软雅黑" panose="020B0503020204020204" pitchFamily="34" charset="-122"/>
+                  <a:cs typeface="+mn-ea"/>
+                  <a:sym typeface="+mn-lt"/>
+                </a:endParaRPr>
+              </a:p>
+              <a:p>
+                <a:pPr>
+                  <a:lnSpc>
+                    <a:spcPct val="130000"/>
+                  </a:lnSpc>
+                  <a:spcBef>
+                    <a:spcPts val="600"/>
+                  </a:spcBef>
+                </a:pPr>
+                <a:r>
+                  <a:rPr lang="en-US" altLang="zh-CN" sz="1400" kern="0" dirty="0">
+                    <a:solidFill>
+                      <a:srgbClr val="FF0000"/>
+                    </a:solidFill>
+                    <a:cs typeface="+mn-ea"/>
+                    <a:sym typeface="+mn-lt"/>
+                  </a:rPr>
+                  <a:t> </a:t>
+                </a:r>
+                <a14:m>
+                  <m:oMath xmlns:m="http://schemas.openxmlformats.org/officeDocument/2006/math">
+                    <m:r>
+                      <a:rPr lang="en-US" altLang="zh-CN" sz="1400" kern="0" dirty="0">
+                        <a:latin typeface="微软雅黑" panose="020B0503020204020204" pitchFamily="34" charset="-122"/>
+                        <a:ea typeface="微软雅黑" panose="020B0503020204020204" pitchFamily="34" charset="-122"/>
+                        <a:cs typeface="+mn-ea"/>
+                        <a:sym typeface="+mn-lt"/>
+                      </a:rPr>
+                      <m:t>𝑎</m:t>
+                    </m:r>
+                  </m:oMath>
+                </a14:m>
+                <a:r>
+                  <a:rPr lang="zh-CN" altLang="en-US" sz="1400" kern="0" dirty="0">
+                    <a:latin typeface="微软雅黑" panose="020B0503020204020204" pitchFamily="34" charset="-122"/>
+                    <a:ea typeface="微软雅黑" panose="020B0503020204020204" pitchFamily="34" charset="-122"/>
+                    <a:cs typeface="+mn-ea"/>
+                    <a:sym typeface="+mn-lt"/>
+                  </a:rPr>
+                  <a:t>，</a:t>
+                </a:r>
+                <a14:m>
+                  <m:oMath xmlns:m="http://schemas.openxmlformats.org/officeDocument/2006/math">
+                    <m:r>
+                      <a:rPr lang="en-US" altLang="zh-CN" sz="1400" kern="0" dirty="0">
+                        <a:latin typeface="微软雅黑" panose="020B0503020204020204" pitchFamily="34" charset="-122"/>
+                        <a:ea typeface="微软雅黑" panose="020B0503020204020204" pitchFamily="34" charset="-122"/>
+                        <a:cs typeface="+mn-ea"/>
+                        <a:sym typeface="+mn-lt"/>
+                      </a:rPr>
+                      <m:t>𝑏</m:t>
+                    </m:r>
+                  </m:oMath>
+                </a14:m>
+                <a:r>
+                  <a:rPr lang="en-US" altLang="zh-CN" sz="1400" kern="0" dirty="0">
+                    <a:latin typeface="微软雅黑" panose="020B0503020204020204" pitchFamily="34" charset="-122"/>
+                    <a:ea typeface="微软雅黑" panose="020B0503020204020204" pitchFamily="34" charset="-122"/>
+                    <a:cs typeface="+mn-ea"/>
+                    <a:sym typeface="+mn-lt"/>
+                  </a:rPr>
+                  <a:t> ——</a:t>
+                </a:r>
+                <a:r>
+                  <a:rPr lang="zh-CN" altLang="en-US" sz="1400" kern="0" dirty="0">
+                    <a:latin typeface="微软雅黑" panose="020B0503020204020204" pitchFamily="34" charset="-122"/>
+                    <a:ea typeface="微软雅黑" panose="020B0503020204020204" pitchFamily="34" charset="-122"/>
+                    <a:cs typeface="+mn-ea"/>
+                    <a:sym typeface="+mn-lt"/>
+                  </a:rPr>
+                  <a:t>比例参数，</a:t>
                 </a:r>
                 <a:endParaRPr lang="en-US" altLang="zh-CN" sz="1400" kern="0" dirty="0">
                   <a:latin typeface="微软雅黑" panose="020B0503020204020204" pitchFamily="34" charset="-122"/>
@@ -20827,22 +21936,13 @@
                       </m:e>
                       <m:sub>
                         <m:r>
-                          <a:rPr lang="en-US" altLang="zh-CN" sz="1400" b="0" i="1" kern="0" smtClean="0">
-                            <a:latin typeface="Cambria Math" panose="02040503050406030204" pitchFamily="18" charset="0"/>
-                            <a:ea typeface="微软雅黑" panose="020B0503020204020204" pitchFamily="34" charset="-122"/>
-                            <a:cs typeface="+mn-ea"/>
-                            <a:sym typeface="+mn-lt"/>
-                          </a:rPr>
-                          <m:t>0</m:t>
-                        </m:r>
-                        <m:r>
                           <a:rPr lang="en-US" altLang="zh-CN" sz="1400" i="1" kern="0">
                             <a:latin typeface="Cambria Math" panose="02040503050406030204" pitchFamily="18" charset="0"/>
                             <a:ea typeface="微软雅黑" panose="020B0503020204020204" pitchFamily="34" charset="-122"/>
                             <a:cs typeface="+mn-ea"/>
                             <a:sym typeface="+mn-lt"/>
                           </a:rPr>
-                          <m:t>,</m:t>
+                          <m:t>0,</m:t>
                         </m:r>
                         <m:r>
                           <a:rPr lang="en-US" altLang="zh-CN" sz="1400" i="1" kern="0">
@@ -20877,7 +21977,7 @@
                 <a14:m>
                   <m:oMath xmlns:m="http://schemas.openxmlformats.org/officeDocument/2006/math">
                     <m:r>
-                      <a:rPr lang="en-US" altLang="zh-CN" sz="1400" b="0" i="1" kern="0" smtClean="0">
+                      <a:rPr lang="en-US" altLang="zh-CN" sz="1400" i="1" kern="0">
                         <a:latin typeface="Cambria Math" panose="02040503050406030204" pitchFamily="18" charset="0"/>
                         <a:ea typeface="微软雅黑" panose="020B0503020204020204" pitchFamily="34" charset="-122"/>
                         <a:cs typeface="+mn-ea"/>
@@ -20895,29 +21995,6 @@
                     <a:sym typeface="+mn-lt"/>
                   </a:rPr>
                   <a:t> ，</a:t>
-                </a:r>
-                <a:endParaRPr lang="en-US" altLang="zh-CN" sz="1400" kern="0" dirty="0">
-                  <a:latin typeface="微软雅黑" panose="020B0503020204020204" pitchFamily="34" charset="-122"/>
-                  <a:ea typeface="微软雅黑" panose="020B0503020204020204" pitchFamily="34" charset="-122"/>
-                  <a:cs typeface="+mn-ea"/>
-                  <a:sym typeface="+mn-lt"/>
-                </a:endParaRPr>
-              </a:p>
-              <a:p>
-                <a:pPr>
-                  <a:lnSpc>
-                    <a:spcPct val="130000"/>
-                  </a:lnSpc>
-                  <a:spcBef>
-                    <a:spcPts val="600"/>
-                  </a:spcBef>
-                </a:pPr>
-                <a:r>
-                  <a:rPr lang="en-US" altLang="zh-CN" sz="1400" kern="0" dirty="0">
-                    <a:cs typeface="+mn-ea"/>
-                    <a:sym typeface="+mn-lt"/>
-                  </a:rPr>
-                  <a:t> </a:t>
                 </a:r>
                 <a14:m>
                   <m:oMath xmlns:m="http://schemas.openxmlformats.org/officeDocument/2006/math">
@@ -21097,28 +22174,15 @@
                     </m:r>
                   </m:oMath>
                 </a14:m>
-                <a:endParaRPr lang="en-US" altLang="zh-CN" sz="1400" kern="0" dirty="0">
-                  <a:latin typeface="微软雅黑" panose="020B0503020204020204" pitchFamily="34" charset="-122"/>
-                  <a:ea typeface="微软雅黑" panose="020B0503020204020204" pitchFamily="34" charset="-122"/>
-                  <a:cs typeface="+mn-ea"/>
-                  <a:sym typeface="+mn-lt"/>
-                </a:endParaRPr>
-              </a:p>
-              <a:p>
-                <a:pPr>
-                  <a:lnSpc>
-                    <a:spcPct val="130000"/>
-                  </a:lnSpc>
-                  <a:spcBef>
-                    <a:spcPts val="600"/>
-                  </a:spcBef>
-                </a:pPr>
-                <a:endParaRPr lang="zh-CN" altLang="en-US" sz="1400" kern="0" dirty="0">
-                  <a:latin typeface="微软雅黑" panose="020B0503020204020204" pitchFamily="34" charset="-122"/>
-                  <a:ea typeface="微软雅黑" panose="020B0503020204020204" pitchFamily="34" charset="-122"/>
-                  <a:cs typeface="+mn-ea"/>
-                  <a:sym typeface="+mn-lt"/>
-                </a:endParaRPr>
+                <a:r>
+                  <a:rPr lang="en-US" altLang="zh-CN" sz="1400" kern="0" dirty="0">
+                    <a:latin typeface="微软雅黑" panose="020B0503020204020204" pitchFamily="34" charset="-122"/>
+                    <a:ea typeface="微软雅黑" panose="020B0503020204020204" pitchFamily="34" charset="-122"/>
+                    <a:cs typeface="+mn-ea"/>
+                    <a:sym typeface="+mn-lt"/>
+                  </a:rPr>
+                  <a:t>,</a:t>
+                </a:r>
               </a:p>
             </p:txBody>
           </p:sp>
@@ -21126,30 +22190,30 @@
         <mc:Fallback>
           <p:sp>
             <p:nvSpPr>
-              <p:cNvPr id="6" name="文本框 5">
+              <p:cNvPr id="4" name="矩形 3">
                 <a:extLst>
                   <a:ext uri="{FF2B5EF4-FFF2-40B4-BE49-F238E27FC236}">
-                    <a16:creationId xmlns:a16="http://schemas.microsoft.com/office/drawing/2014/main" id="{21E1F993-6298-4FDC-B6F1-C558D57CFE6B}"/>
+                    <a16:creationId xmlns:a16="http://schemas.microsoft.com/office/drawing/2014/main" id="{8E9DD7AD-B185-440E-9DA8-61007BECD12B}"/>
                   </a:ext>
                 </a:extLst>
               </p:cNvPr>
-              <p:cNvSpPr txBox="1">
+              <p:cNvSpPr>
                 <a:spLocks noRot="1" noChangeAspect="1" noMove="1" noResize="1" noEditPoints="1" noAdjustHandles="1" noChangeArrowheads="1" noChangeShapeType="1" noTextEdit="1"/>
               </p:cNvSpPr>
               <p:nvPr/>
             </p:nvSpPr>
             <p:spPr>
               <a:xfrm>
-                <a:off x="631596" y="2086956"/>
-                <a:ext cx="11425286" cy="2403158"/>
+                <a:off x="5910563" y="2085758"/>
+                <a:ext cx="6096000" cy="1641027"/>
               </a:xfrm>
               <a:prstGeom prst="rect">
                 <a:avLst/>
               </a:prstGeom>
               <a:blipFill>
-                <a:blip r:embed="rId4"/>
+                <a:blip r:embed="rId6"/>
                 <a:stretch>
-                  <a:fillRect l="-961"/>
+                  <a:fillRect l="-1500" b="-2602"/>
                 </a:stretch>
               </a:blipFill>
             </p:spPr>
@@ -21168,110 +22232,14 @@
           </p:sp>
         </mc:Fallback>
       </mc:AlternateContent>
-      <p:sp>
-        <p:nvSpPr>
-          <p:cNvPr id="7" name="文本框 6">
-            <a:extLst>
-              <a:ext uri="{FF2B5EF4-FFF2-40B4-BE49-F238E27FC236}">
-                <a16:creationId xmlns:a16="http://schemas.microsoft.com/office/drawing/2014/main" id="{2D7AD7C0-2042-40BD-A39B-F4F8191FE998}"/>
-              </a:ext>
-            </a:extLst>
-          </p:cNvPr>
-          <p:cNvSpPr txBox="1"/>
-          <p:nvPr/>
-        </p:nvSpPr>
-        <p:spPr>
-          <a:xfrm>
-            <a:off x="527900" y="1625122"/>
-            <a:ext cx="2818615" cy="417358"/>
-          </a:xfrm>
-          <a:prstGeom prst="rect">
-            <a:avLst/>
-          </a:prstGeom>
-          <a:noFill/>
-        </p:spPr>
-        <p:txBody>
-          <a:bodyPr wrap="square" rtlCol="0">
-            <a:spAutoFit/>
-          </a:bodyPr>
-          <a:lstStyle/>
-          <a:p>
-            <a:pPr>
-              <a:lnSpc>
-                <a:spcPct val="130000"/>
-              </a:lnSpc>
-              <a:spcBef>
-                <a:spcPts val="600"/>
-              </a:spcBef>
-            </a:pPr>
-            <a:r>
-              <a:rPr lang="zh-CN" altLang="en-US" kern="0" dirty="0">
-                <a:latin typeface="微软雅黑" panose="020B0503020204020204" pitchFamily="34" charset="-122"/>
-                <a:ea typeface="微软雅黑" panose="020B0503020204020204" pitchFamily="34" charset="-122"/>
-                <a:cs typeface="+mn-ea"/>
-                <a:sym typeface="+mn-lt"/>
-              </a:rPr>
-              <a:t>公证节点投票信誉增长</a:t>
-            </a:r>
-          </a:p>
-        </p:txBody>
-      </p:sp>
-      <p:sp>
-        <p:nvSpPr>
-          <p:cNvPr id="8" name="文本框 7">
-            <a:extLst>
-              <a:ext uri="{FF2B5EF4-FFF2-40B4-BE49-F238E27FC236}">
-                <a16:creationId xmlns:a16="http://schemas.microsoft.com/office/drawing/2014/main" id="{2277831F-5DFF-40A9-9B5A-543EE1A3861D}"/>
-              </a:ext>
-            </a:extLst>
-          </p:cNvPr>
-          <p:cNvSpPr txBox="1"/>
-          <p:nvPr/>
-        </p:nvSpPr>
-        <p:spPr>
-          <a:xfrm>
-            <a:off x="631595" y="4564388"/>
-            <a:ext cx="3516198" cy="417358"/>
-          </a:xfrm>
-          <a:prstGeom prst="rect">
-            <a:avLst/>
-          </a:prstGeom>
-          <a:noFill/>
-        </p:spPr>
-        <p:txBody>
-          <a:bodyPr wrap="square" rtlCol="0">
-            <a:spAutoFit/>
-          </a:bodyPr>
-          <a:lstStyle/>
-          <a:p>
-            <a:pPr>
-              <a:lnSpc>
-                <a:spcPct val="130000"/>
-              </a:lnSpc>
-              <a:spcBef>
-                <a:spcPts val="600"/>
-              </a:spcBef>
-            </a:pPr>
-            <a:r>
-              <a:rPr lang="zh-CN" altLang="en-US" kern="0" dirty="0">
-                <a:latin typeface="微软雅黑" panose="020B0503020204020204" pitchFamily="34" charset="-122"/>
-                <a:ea typeface="微软雅黑" panose="020B0503020204020204" pitchFamily="34" charset="-122"/>
-                <a:cs typeface="+mn-ea"/>
-                <a:sym typeface="+mn-lt"/>
-              </a:rPr>
-              <a:t>投票信誉惩罚</a:t>
-            </a:r>
-          </a:p>
-        </p:txBody>
-      </p:sp>
       <mc:AlternateContent xmlns:mc="http://schemas.openxmlformats.org/markup-compatibility/2006">
         <mc:Choice xmlns:a14="http://schemas.microsoft.com/office/drawing/2010/main" Requires="a14">
           <p:sp>
             <p:nvSpPr>
-              <p:cNvPr id="9" name="矩形 8">
+              <p:cNvPr id="5" name="矩形 4">
                 <a:extLst>
                   <a:ext uri="{FF2B5EF4-FFF2-40B4-BE49-F238E27FC236}">
-                    <a16:creationId xmlns:a16="http://schemas.microsoft.com/office/drawing/2014/main" id="{50396044-6263-4846-B3FE-0DEEC59E84F9}"/>
+                    <a16:creationId xmlns:a16="http://schemas.microsoft.com/office/drawing/2014/main" id="{45D588BA-509B-4E83-B737-6396AC338BE4}"/>
                   </a:ext>
                 </a:extLst>
               </p:cNvPr>
@@ -21280,26 +22248,34 @@
             </p:nvSpPr>
             <p:spPr>
               <a:xfrm>
-                <a:off x="631596" y="5234901"/>
-                <a:ext cx="4640566" cy="811504"/>
+                <a:off x="5844575" y="4814593"/>
+                <a:ext cx="6096000" cy="1153649"/>
               </a:xfrm>
               <a:prstGeom prst="rect">
                 <a:avLst/>
               </a:prstGeom>
             </p:spPr>
             <p:txBody>
-              <a:bodyPr wrap="none">
+              <a:bodyPr>
                 <a:spAutoFit/>
               </a:bodyPr>
               <a:lstStyle/>
               <a:p>
+                <a:pPr>
+                  <a:lnSpc>
+                    <a:spcPct val="130000"/>
+                  </a:lnSpc>
+                  <a:spcBef>
+                    <a:spcPts val="600"/>
+                  </a:spcBef>
+                </a:pPr>
                 <a14:m>
                   <m:oMath xmlns:m="http://schemas.openxmlformats.org/officeDocument/2006/math">
                     <m:sSubSup>
                       <m:sSubSupPr>
                         <m:ctrlPr>
-                          <a:rPr lang="en-US" altLang="zh-CN" i="1" kern="0" smtClean="0">
-                            <a:latin typeface="Cambria Math" panose="02040503050406030204" pitchFamily="18" charset="0"/>
+                          <a:rPr lang="en-US" altLang="zh-CN" sz="1400" kern="0">
+                            <a:latin typeface="微软雅黑" panose="020B0503020204020204" pitchFamily="34" charset="-122"/>
                             <a:ea typeface="微软雅黑" panose="020B0503020204020204" pitchFamily="34" charset="-122"/>
                             <a:cs typeface="+mn-ea"/>
                             <a:sym typeface="+mn-lt"/>
@@ -21308,8 +22284,8 @@
                       </m:sSubSupPr>
                       <m:e>
                         <m:r>
-                          <a:rPr lang="en-US" altLang="zh-CN" i="1" kern="0">
-                            <a:latin typeface="Cambria Math" panose="02040503050406030204" pitchFamily="18" charset="0"/>
+                          <a:rPr lang="en-US" altLang="zh-CN" sz="1400" kern="0">
+                            <a:latin typeface="微软雅黑" panose="020B0503020204020204" pitchFamily="34" charset="-122"/>
                             <a:ea typeface="微软雅黑" panose="020B0503020204020204" pitchFamily="34" charset="-122"/>
                             <a:cs typeface="+mn-ea"/>
                             <a:sym typeface="+mn-lt"/>
@@ -21320,8 +22296,8 @@
                           <m:rPr>
                             <m:sty m:val="p"/>
                           </m:rPr>
-                          <a:rPr lang="en-US" altLang="zh-CN" i="1" kern="0">
-                            <a:latin typeface="Cambria Math" panose="02040503050406030204" pitchFamily="18" charset="0"/>
+                          <a:rPr lang="en-US" altLang="zh-CN" sz="1400" kern="0">
+                            <a:latin typeface="微软雅黑" panose="020B0503020204020204" pitchFamily="34" charset="-122"/>
                             <a:ea typeface="微软雅黑" panose="020B0503020204020204" pitchFamily="34" charset="-122"/>
                             <a:cs typeface="+mn-ea"/>
                             <a:sym typeface="+mn-lt"/>
@@ -21331,8 +22307,8 @@
                       </m:e>
                       <m:sub>
                         <m:r>
-                          <a:rPr lang="en-US" altLang="zh-CN" b="0" i="1" kern="0" smtClean="0">
-                            <a:latin typeface="Cambria Math" panose="02040503050406030204" pitchFamily="18" charset="0"/>
+                          <a:rPr lang="en-US" altLang="zh-CN" sz="1400" kern="0">
+                            <a:latin typeface="微软雅黑" panose="020B0503020204020204" pitchFamily="34" charset="-122"/>
                             <a:ea typeface="微软雅黑" panose="020B0503020204020204" pitchFamily="34" charset="-122"/>
                             <a:cs typeface="+mn-ea"/>
                             <a:sym typeface="+mn-lt"/>
@@ -21342,8 +22318,8 @@
                       </m:sub>
                       <m:sup>
                         <m:r>
-                          <a:rPr lang="en-US" altLang="zh-CN" b="0" i="1" kern="0" smtClean="0">
-                            <a:latin typeface="Cambria Math" panose="02040503050406030204" pitchFamily="18" charset="0"/>
+                          <a:rPr lang="en-US" altLang="zh-CN" sz="1400" kern="0">
+                            <a:latin typeface="微软雅黑" panose="020B0503020204020204" pitchFamily="34" charset="-122"/>
                             <a:ea typeface="微软雅黑" panose="020B0503020204020204" pitchFamily="34" charset="-122"/>
                             <a:cs typeface="+mn-ea"/>
                             <a:sym typeface="+mn-lt"/>
@@ -21355,16 +22331,30 @@
                   </m:oMath>
                 </a14:m>
                 <a:r>
-                  <a:rPr lang="en-US" altLang="zh-CN" dirty="0"/>
-                  <a:t>=</a:t>
+                  <a:rPr lang="zh-CN" altLang="en-US" sz="1400" kern="0" dirty="0">
+                    <a:latin typeface="微软雅黑" panose="020B0503020204020204" pitchFamily="34" charset="-122"/>
+                    <a:ea typeface="微软雅黑" panose="020B0503020204020204" pitchFamily="34" charset="-122"/>
+                    <a:cs typeface="+mn-ea"/>
+                    <a:sym typeface="+mn-lt"/>
+                  </a:rPr>
+                  <a:t>，</a:t>
+                </a:r>
+                <a:r>
+                  <a:rPr lang="en-US" altLang="zh-CN" sz="1400" kern="0" dirty="0">
+                    <a:latin typeface="微软雅黑" panose="020B0503020204020204" pitchFamily="34" charset="-122"/>
+                    <a:ea typeface="微软雅黑" panose="020B0503020204020204" pitchFamily="34" charset="-122"/>
+                    <a:cs typeface="+mn-ea"/>
+                    <a:sym typeface="+mn-lt"/>
+                  </a:rPr>
+                  <a:t> </a:t>
                 </a:r>
                 <a14:m>
                   <m:oMath xmlns:m="http://schemas.openxmlformats.org/officeDocument/2006/math">
                     <m:sSubSup>
                       <m:sSubSupPr>
                         <m:ctrlPr>
-                          <a:rPr lang="en-US" altLang="zh-CN" i="1" kern="0">
-                            <a:latin typeface="Cambria Math" panose="02040503050406030204" pitchFamily="18" charset="0"/>
+                          <a:rPr lang="en-US" altLang="zh-CN" sz="1400" kern="0">
+                            <a:latin typeface="微软雅黑" panose="020B0503020204020204" pitchFamily="34" charset="-122"/>
                             <a:ea typeface="微软雅黑" panose="020B0503020204020204" pitchFamily="34" charset="-122"/>
                             <a:cs typeface="+mn-ea"/>
                             <a:sym typeface="+mn-lt"/>
@@ -21373,8 +22363,8 @@
                       </m:sSubSupPr>
                       <m:e>
                         <m:r>
-                          <a:rPr lang="en-US" altLang="zh-CN" i="1" kern="0">
-                            <a:latin typeface="Cambria Math" panose="02040503050406030204" pitchFamily="18" charset="0"/>
+                          <a:rPr lang="en-US" altLang="zh-CN" sz="1400" kern="0">
+                            <a:latin typeface="微软雅黑" panose="020B0503020204020204" pitchFamily="34" charset="-122"/>
                             <a:ea typeface="微软雅黑" panose="020B0503020204020204" pitchFamily="34" charset="-122"/>
                             <a:cs typeface="+mn-ea"/>
                             <a:sym typeface="+mn-lt"/>
@@ -21385,8 +22375,8 @@
                           <m:rPr>
                             <m:sty m:val="p"/>
                           </m:rPr>
-                          <a:rPr lang="en-US" altLang="zh-CN" i="1" kern="0">
-                            <a:latin typeface="Cambria Math" panose="02040503050406030204" pitchFamily="18" charset="0"/>
+                          <a:rPr lang="en-US" altLang="zh-CN" sz="1400" kern="0">
+                            <a:latin typeface="微软雅黑" panose="020B0503020204020204" pitchFamily="34" charset="-122"/>
                             <a:ea typeface="微软雅黑" panose="020B0503020204020204" pitchFamily="34" charset="-122"/>
                             <a:cs typeface="+mn-ea"/>
                             <a:sym typeface="+mn-lt"/>
@@ -21396,8 +22386,8 @@
                       </m:e>
                       <m:sub>
                         <m:r>
-                          <a:rPr lang="en-US" altLang="zh-CN" b="0" i="1" kern="0" smtClean="0">
-                            <a:latin typeface="Cambria Math" panose="02040503050406030204" pitchFamily="18" charset="0"/>
+                          <a:rPr lang="en-US" altLang="zh-CN" sz="1400" kern="0">
+                            <a:latin typeface="微软雅黑" panose="020B0503020204020204" pitchFamily="34" charset="-122"/>
                             <a:ea typeface="微软雅黑" panose="020B0503020204020204" pitchFamily="34" charset="-122"/>
                             <a:cs typeface="+mn-ea"/>
                             <a:sym typeface="+mn-lt"/>
@@ -21405,8 +22395,8 @@
                           <m:t>𝑛</m:t>
                         </m:r>
                         <m:r>
-                          <a:rPr lang="en-US" altLang="zh-CN" b="0" i="1" kern="0" smtClean="0">
-                            <a:latin typeface="Cambria Math" panose="02040503050406030204" pitchFamily="18" charset="0"/>
+                          <a:rPr lang="en-US" altLang="zh-CN" sz="1400" kern="0">
+                            <a:latin typeface="微软雅黑" panose="020B0503020204020204" pitchFamily="34" charset="-122"/>
                             <a:ea typeface="微软雅黑" panose="020B0503020204020204" pitchFamily="34" charset="-122"/>
                             <a:cs typeface="+mn-ea"/>
                             <a:sym typeface="+mn-lt"/>
@@ -21416,8 +22406,8 @@
                       </m:sub>
                       <m:sup>
                         <m:r>
-                          <a:rPr lang="en-US" altLang="zh-CN" b="0" i="1" kern="0" smtClean="0">
-                            <a:latin typeface="Cambria Math" panose="02040503050406030204" pitchFamily="18" charset="0"/>
+                          <a:rPr lang="en-US" altLang="zh-CN" sz="1400" kern="0">
+                            <a:latin typeface="微软雅黑" panose="020B0503020204020204" pitchFamily="34" charset="-122"/>
                             <a:ea typeface="微软雅黑" panose="020B0503020204020204" pitchFamily="34" charset="-122"/>
                             <a:cs typeface="+mn-ea"/>
                             <a:sym typeface="+mn-lt"/>
@@ -21426,294 +22416,464 @@
                         </m:r>
                       </m:sup>
                     </m:sSubSup>
+                  </m:oMath>
+                </a14:m>
+                <a:r>
+                  <a:rPr lang="en-US" altLang="zh-CN" sz="1400" kern="0" dirty="0">
+                    <a:latin typeface="微软雅黑" panose="020B0503020204020204" pitchFamily="34" charset="-122"/>
+                    <a:ea typeface="微软雅黑" panose="020B0503020204020204" pitchFamily="34" charset="-122"/>
+                    <a:cs typeface="+mn-ea"/>
+                    <a:sym typeface="+mn-lt"/>
+                  </a:rPr>
+                  <a:t> ——</a:t>
+                </a:r>
+                <a:r>
+                  <a:rPr lang="zh-CN" altLang="en-US" sz="1400" kern="0" dirty="0">
+                    <a:latin typeface="微软雅黑" panose="020B0503020204020204" pitchFamily="34" charset="-122"/>
+                    <a:ea typeface="微软雅黑" panose="020B0503020204020204" pitchFamily="34" charset="-122"/>
+                    <a:cs typeface="+mn-ea"/>
+                    <a:sym typeface="+mn-lt"/>
+                  </a:rPr>
+                  <a:t>公证节点 </a:t>
+                </a:r>
+                <a14:m>
+                  <m:oMath xmlns:m="http://schemas.openxmlformats.org/officeDocument/2006/math">
                     <m:r>
-                      <a:rPr lang="en-US" altLang="zh-CN" i="1" kern="0" smtClean="0">
+                      <m:rPr>
+                        <m:sty m:val="p"/>
+                      </m:rPr>
+                      <a:rPr lang="en-US" altLang="zh-CN" sz="1400" i="1" kern="0" dirty="0" smtClean="0">
                         <a:latin typeface="Cambria Math" panose="02040503050406030204" pitchFamily="18" charset="0"/>
                         <a:ea typeface="微软雅黑" panose="020B0503020204020204" pitchFamily="34" charset="-122"/>
                         <a:cs typeface="+mn-ea"/>
                         <a:sym typeface="+mn-lt"/>
                       </a:rPr>
-                      <m:t>×</m:t>
+                      <m:t>k</m:t>
                     </m:r>
-                    <m:sSup>
-                      <m:sSupPr>
+                  </m:oMath>
+                </a14:m>
+                <a:r>
+                  <a:rPr lang="zh-CN" altLang="en-US" sz="1400" kern="0" dirty="0">
+                    <a:latin typeface="微软雅黑" panose="020B0503020204020204" pitchFamily="34" charset="-122"/>
+                    <a:ea typeface="微软雅黑" panose="020B0503020204020204" pitchFamily="34" charset="-122"/>
+                    <a:cs typeface="+mn-ea"/>
+                    <a:sym typeface="+mn-lt"/>
+                  </a:rPr>
+                  <a:t>在</a:t>
+                </a:r>
+                <a14:m>
+                  <m:oMath xmlns:m="http://schemas.openxmlformats.org/officeDocument/2006/math">
+                    <m:r>
+                      <m:rPr>
+                        <m:sty m:val="p"/>
+                      </m:rPr>
+                      <a:rPr lang="en-US" altLang="zh-CN" sz="1400" i="1" kern="0">
+                        <a:latin typeface="Cambria Math" panose="02040503050406030204" pitchFamily="18" charset="0"/>
+                        <a:ea typeface="微软雅黑" panose="020B0503020204020204" pitchFamily="34" charset="-122"/>
+                        <a:cs typeface="+mn-ea"/>
+                        <a:sym typeface="+mn-lt"/>
+                      </a:rPr>
+                      <m:t>n</m:t>
+                    </m:r>
+                  </m:oMath>
+                </a14:m>
+                <a:r>
+                  <a:rPr lang="en-US" altLang="zh-CN" sz="1400" kern="0" dirty="0">
+                    <a:latin typeface="微软雅黑" panose="020B0503020204020204" pitchFamily="34" charset="-122"/>
+                    <a:ea typeface="微软雅黑" panose="020B0503020204020204" pitchFamily="34" charset="-122"/>
+                    <a:cs typeface="+mn-ea"/>
+                    <a:sym typeface="+mn-lt"/>
+                  </a:rPr>
+                  <a:t>, </a:t>
+                </a:r>
+                <a14:m>
+                  <m:oMath xmlns:m="http://schemas.openxmlformats.org/officeDocument/2006/math">
+                    <m:r>
+                      <m:rPr>
+                        <m:sty m:val="p"/>
+                      </m:rPr>
+                      <a:rPr lang="en-US" altLang="zh-CN" sz="1400" i="1" kern="0">
+                        <a:latin typeface="Cambria Math" panose="02040503050406030204" pitchFamily="18" charset="0"/>
+                        <a:ea typeface="微软雅黑" panose="020B0503020204020204" pitchFamily="34" charset="-122"/>
+                        <a:cs typeface="+mn-ea"/>
+                        <a:sym typeface="+mn-lt"/>
+                      </a:rPr>
+                      <m:t>n</m:t>
+                    </m:r>
+                  </m:oMath>
+                </a14:m>
+                <a:r>
+                  <a:rPr lang="en-US" altLang="zh-CN" sz="1400" kern="0" dirty="0">
+                    <a:latin typeface="微软雅黑" panose="020B0503020204020204" pitchFamily="34" charset="-122"/>
+                    <a:ea typeface="微软雅黑" panose="020B0503020204020204" pitchFamily="34" charset="-122"/>
+                    <a:cs typeface="+mn-ea"/>
+                    <a:sym typeface="+mn-lt"/>
+                  </a:rPr>
+                  <a:t>-1</a:t>
+                </a:r>
+                <a:r>
+                  <a:rPr lang="zh-CN" altLang="en-US" sz="1400" kern="0" dirty="0">
+                    <a:latin typeface="微软雅黑" panose="020B0503020204020204" pitchFamily="34" charset="-122"/>
+                    <a:ea typeface="微软雅黑" panose="020B0503020204020204" pitchFamily="34" charset="-122"/>
+                    <a:cs typeface="+mn-ea"/>
+                    <a:sym typeface="+mn-lt"/>
+                  </a:rPr>
+                  <a:t>次成功投票后的信誉值</a:t>
+                </a:r>
+                <a:endParaRPr lang="en-US" altLang="zh-CN" sz="1400" kern="0" dirty="0">
+                  <a:latin typeface="微软雅黑" panose="020B0503020204020204" pitchFamily="34" charset="-122"/>
+                  <a:ea typeface="微软雅黑" panose="020B0503020204020204" pitchFamily="34" charset="-122"/>
+                  <a:cs typeface="+mn-ea"/>
+                  <a:sym typeface="+mn-lt"/>
+                </a:endParaRPr>
+              </a:p>
+              <a:p>
+                <a:pPr>
+                  <a:lnSpc>
+                    <a:spcPct val="130000"/>
+                  </a:lnSpc>
+                  <a:spcBef>
+                    <a:spcPts val="600"/>
+                  </a:spcBef>
+                </a:pPr>
+                <a14:m>
+                  <m:oMath xmlns:m="http://schemas.openxmlformats.org/officeDocument/2006/math">
+                    <m:nary>
+                      <m:naryPr>
+                        <m:chr m:val="∑"/>
+                        <m:grow m:val="on"/>
+                        <m:subHide m:val="on"/>
+                        <m:supHide m:val="on"/>
                         <m:ctrlPr>
-                          <a:rPr lang="zh-CN" altLang="en-US" i="1" kern="0" dirty="0">
-                            <a:latin typeface="Cambria Math" panose="02040503050406030204" pitchFamily="18" charset="0"/>
+                          <a:rPr lang="zh-CN" altLang="en-US" sz="1400" kern="0" dirty="0" smtClean="0">
+                            <a:latin typeface="微软雅黑" panose="020B0503020204020204" pitchFamily="34" charset="-122"/>
+                            <a:ea typeface="微软雅黑" panose="020B0503020204020204" pitchFamily="34" charset="-122"/>
                             <a:cs typeface="+mn-ea"/>
                             <a:sym typeface="+mn-lt"/>
                           </a:rPr>
                         </m:ctrlPr>
-                      </m:sSupPr>
+                      </m:naryPr>
+                      <m:sub/>
+                      <m:sup/>
                       <m:e>
-                        <m:r>
-                          <a:rPr lang="zh-CN" altLang="en-US" kern="0" dirty="0">
-                            <a:latin typeface="Cambria Math" panose="02040503050406030204" pitchFamily="18" charset="0"/>
-                            <a:cs typeface="+mn-ea"/>
-                            <a:sym typeface="+mn-lt"/>
-                          </a:rPr>
-                          <m:t>ⅇ</m:t>
-                        </m:r>
-                      </m:e>
-                      <m:sup>
-                        <m:f>
-                          <m:fPr>
+                        <m:sSub>
+                          <m:sSubPr>
                             <m:ctrlPr>
-                              <a:rPr lang="en-US" altLang="zh-CN" i="1" kern="0" dirty="0" smtClean="0">
+                              <a:rPr lang="en-US" altLang="zh-CN" sz="1400" i="1" kern="0" dirty="0" smtClean="0">
                                 <a:latin typeface="Cambria Math" panose="02040503050406030204" pitchFamily="18" charset="0"/>
+                                <a:ea typeface="微软雅黑" panose="020B0503020204020204" pitchFamily="34" charset="-122"/>
                                 <a:cs typeface="+mn-ea"/>
                                 <a:sym typeface="+mn-lt"/>
                               </a:rPr>
                             </m:ctrlPr>
-                          </m:fPr>
-                          <m:num>
-                            <m:nary>
-                              <m:naryPr>
-                                <m:chr m:val="∑"/>
-                                <m:grow m:val="on"/>
-                                <m:subHide m:val="on"/>
-                                <m:supHide m:val="on"/>
-                                <m:ctrlPr>
-                                  <a:rPr lang="zh-CN" altLang="en-US" i="1" kern="0" dirty="0">
-                                    <a:latin typeface="Cambria Math" panose="02040503050406030204" pitchFamily="18" charset="0"/>
-                                    <a:cs typeface="+mn-ea"/>
-                                    <a:sym typeface="+mn-lt"/>
-                                  </a:rPr>
-                                </m:ctrlPr>
-                              </m:naryPr>
-                              <m:sub/>
-                              <m:sup/>
-                              <m:e>
-                                <m:sSubSup>
-                                  <m:sSubSupPr>
-                                    <m:ctrlPr>
-                                      <a:rPr lang="zh-CN" altLang="en-US" i="1" kern="0" dirty="0">
-                                        <a:latin typeface="Cambria Math" panose="02040503050406030204" pitchFamily="18" charset="0"/>
-                                        <a:cs typeface="+mn-ea"/>
-                                        <a:sym typeface="+mn-lt"/>
-                                      </a:rPr>
-                                    </m:ctrlPr>
-                                  </m:sSubSupPr>
-                                  <m:e>
-                                    <m:r>
-                                      <a:rPr lang="en-US" altLang="zh-CN" i="1" kern="0" dirty="0">
-                                        <a:latin typeface="Cambria Math" panose="02040503050406030204" pitchFamily="18" charset="0"/>
-                                        <a:cs typeface="+mn-ea"/>
-                                        <a:sym typeface="+mn-lt"/>
-                                      </a:rPr>
-                                      <m:t>𝑉</m:t>
-                                    </m:r>
-                                  </m:e>
-                                  <m:sub>
-                                    <m:r>
-                                      <m:rPr>
-                                        <m:sty m:val="p"/>
-                                      </m:rPr>
-                                      <a:rPr lang="en-US" altLang="zh-CN" i="1" kern="0" dirty="0">
-                                        <a:latin typeface="Cambria Math" panose="02040503050406030204" pitchFamily="18" charset="0"/>
-                                        <a:cs typeface="+mn-ea"/>
-                                        <a:sym typeface="+mn-lt"/>
-                                      </a:rPr>
-                                      <m:t>n</m:t>
-                                    </m:r>
-                                    <m:r>
-                                      <a:rPr lang="en-US" altLang="zh-CN" i="1" kern="0" dirty="0">
-                                        <a:latin typeface="Cambria Math" panose="02040503050406030204" pitchFamily="18" charset="0"/>
-                                        <a:cs typeface="+mn-ea"/>
-                                        <a:sym typeface="+mn-lt"/>
-                                      </a:rPr>
-                                      <m:t>_</m:t>
-                                    </m:r>
-                                    <m:r>
-                                      <a:rPr lang="en-US" altLang="zh-CN" i="1" kern="0" dirty="0">
-                                        <a:latin typeface="Cambria Math" panose="02040503050406030204" pitchFamily="18" charset="0"/>
-                                        <a:cs typeface="+mn-ea"/>
-                                        <a:sym typeface="+mn-lt"/>
-                                      </a:rPr>
-                                      <m:t>𝑠𝑢𝑐𝑐𝑒𝑠𝑠</m:t>
-                                    </m:r>
-                                  </m:sub>
-                                  <m:sup>
-                                    <m:r>
-                                      <a:rPr lang="zh-CN" altLang="en-US" i="1" kern="0" dirty="0">
-                                        <a:latin typeface="Cambria Math" panose="02040503050406030204" pitchFamily="18" charset="0"/>
-                                        <a:cs typeface="+mn-ea"/>
-                                        <a:sym typeface="+mn-lt"/>
-                                      </a:rPr>
-                                      <m:t>𝑖</m:t>
-                                    </m:r>
-                                  </m:sup>
-                                </m:sSubSup>
-                              </m:e>
-                            </m:nary>
+                          </m:sSubPr>
+                          <m:e>
                             <m:r>
-                              <a:rPr lang="en-US" altLang="zh-CN" i="1" kern="0" dirty="0">
+                              <a:rPr lang="en-US" altLang="zh-CN" sz="1400" b="0" i="1" kern="0" dirty="0" smtClean="0">
                                 <a:latin typeface="Cambria Math" panose="02040503050406030204" pitchFamily="18" charset="0"/>
+                                <a:ea typeface="微软雅黑" panose="020B0503020204020204" pitchFamily="34" charset="-122"/>
                                 <a:cs typeface="+mn-ea"/>
                                 <a:sym typeface="+mn-lt"/>
                               </a:rPr>
-                              <m:t>+</m:t>
+                              <m:t>𝑣</m:t>
                             </m:r>
-                            <m:nary>
-                              <m:naryPr>
-                                <m:chr m:val="∑"/>
-                                <m:grow m:val="on"/>
-                                <m:subHide m:val="on"/>
-                                <m:supHide m:val="on"/>
-                                <m:ctrlPr>
-                                  <a:rPr lang="zh-CN" altLang="en-US" i="1" kern="0" dirty="0">
-                                    <a:latin typeface="Cambria Math" panose="02040503050406030204" pitchFamily="18" charset="0"/>
-                                    <a:cs typeface="+mn-ea"/>
-                                    <a:sym typeface="+mn-lt"/>
-                                  </a:rPr>
-                                </m:ctrlPr>
-                              </m:naryPr>
-                              <m:sub/>
-                              <m:sup/>
-                              <m:e>
-                                <m:sSubSup>
-                                  <m:sSubSupPr>
-                                    <m:ctrlPr>
-                                      <a:rPr lang="zh-CN" altLang="en-US" i="1" kern="0" dirty="0">
-                                        <a:latin typeface="Cambria Math" panose="02040503050406030204" pitchFamily="18" charset="0"/>
-                                        <a:cs typeface="+mn-ea"/>
-                                        <a:sym typeface="+mn-lt"/>
-                                      </a:rPr>
-                                    </m:ctrlPr>
-                                  </m:sSubSupPr>
-                                  <m:e>
-                                    <m:r>
-                                      <a:rPr lang="en-US" altLang="zh-CN" i="1" kern="0" dirty="0">
-                                        <a:latin typeface="Cambria Math" panose="02040503050406030204" pitchFamily="18" charset="0"/>
-                                        <a:cs typeface="+mn-ea"/>
-                                        <a:sym typeface="+mn-lt"/>
-                                      </a:rPr>
-                                      <m:t>𝑉</m:t>
-                                    </m:r>
-                                  </m:e>
-                                  <m:sub>
-                                    <m:r>
-                                      <m:rPr>
-                                        <m:sty m:val="p"/>
-                                      </m:rPr>
-                                      <a:rPr lang="en-US" altLang="zh-CN" i="1" kern="0" dirty="0">
-                                        <a:latin typeface="Cambria Math" panose="02040503050406030204" pitchFamily="18" charset="0"/>
-                                        <a:cs typeface="+mn-ea"/>
-                                        <a:sym typeface="+mn-lt"/>
-                                      </a:rPr>
-                                      <m:t>r</m:t>
-                                    </m:r>
-                                    <m:r>
-                                      <a:rPr lang="en-US" altLang="zh-CN" i="1" kern="0" dirty="0">
-                                        <a:latin typeface="Cambria Math" panose="02040503050406030204" pitchFamily="18" charset="0"/>
-                                        <a:cs typeface="+mn-ea"/>
-                                        <a:sym typeface="+mn-lt"/>
-                                      </a:rPr>
-                                      <m:t>_</m:t>
-                                    </m:r>
-                                    <m:r>
-                                      <a:rPr lang="en-US" altLang="zh-CN" i="1" kern="0" dirty="0">
-                                        <a:latin typeface="Cambria Math" panose="02040503050406030204" pitchFamily="18" charset="0"/>
-                                        <a:cs typeface="+mn-ea"/>
-                                        <a:sym typeface="+mn-lt"/>
-                                      </a:rPr>
-                                      <m:t>𝑠𝑢𝑐𝑐𝑒𝑠𝑠</m:t>
-                                    </m:r>
-                                  </m:sub>
-                                  <m:sup>
-                                    <m:r>
-                                      <a:rPr lang="zh-CN" altLang="en-US" i="1" kern="0" dirty="0">
-                                        <a:latin typeface="Cambria Math" panose="02040503050406030204" pitchFamily="18" charset="0"/>
-                                        <a:cs typeface="+mn-ea"/>
-                                        <a:sym typeface="+mn-lt"/>
-                                      </a:rPr>
-                                      <m:t>𝑖</m:t>
-                                    </m:r>
-                                  </m:sup>
-                                </m:sSubSup>
-                              </m:e>
-                            </m:nary>
-                          </m:num>
-                          <m:den>
-                            <m:nary>
-                              <m:naryPr>
-                                <m:chr m:val="∑"/>
-                                <m:grow m:val="on"/>
-                                <m:subHide m:val="on"/>
-                                <m:supHide m:val="on"/>
-                                <m:ctrlPr>
-                                  <a:rPr lang="zh-CN" altLang="en-US" i="1" kern="0" dirty="0">
-                                    <a:latin typeface="Cambria Math" panose="02040503050406030204" pitchFamily="18" charset="0"/>
-                                    <a:cs typeface="+mn-ea"/>
-                                    <a:sym typeface="+mn-lt"/>
-                                  </a:rPr>
-                                </m:ctrlPr>
-                              </m:naryPr>
-                              <m:sub/>
-                              <m:sup/>
-                              <m:e>
-                                <m:sSub>
-                                  <m:sSubPr>
-                                    <m:ctrlPr>
-                                      <a:rPr lang="en-US" altLang="zh-CN" i="1" kern="0" dirty="0" smtClean="0">
-                                        <a:latin typeface="Cambria Math" panose="02040503050406030204" pitchFamily="18" charset="0"/>
-                                        <a:cs typeface="+mn-ea"/>
-                                        <a:sym typeface="+mn-lt"/>
-                                      </a:rPr>
-                                    </m:ctrlPr>
-                                  </m:sSubPr>
-                                  <m:e>
-                                    <m:r>
-                                      <a:rPr lang="en-US" altLang="zh-CN" b="0" i="1" kern="0" dirty="0" smtClean="0">
-                                        <a:latin typeface="Cambria Math" panose="02040503050406030204" pitchFamily="18" charset="0"/>
-                                        <a:cs typeface="+mn-ea"/>
-                                        <a:sym typeface="+mn-lt"/>
-                                      </a:rPr>
-                                      <m:t>𝑉</m:t>
-                                    </m:r>
-                                  </m:e>
-                                  <m:sub>
-                                    <m:r>
-                                      <m:rPr>
-                                        <m:sty m:val="p"/>
-                                      </m:rPr>
-                                      <a:rPr lang="en-US" altLang="zh-CN" i="1" kern="0" dirty="0">
-                                        <a:latin typeface="Cambria Math" panose="02040503050406030204" pitchFamily="18" charset="0"/>
-                                        <a:cs typeface="+mn-ea"/>
-                                        <a:sym typeface="+mn-lt"/>
-                                      </a:rPr>
-                                      <m:t>tot</m:t>
-                                    </m:r>
-                                    <m:r>
-                                      <m:rPr>
-                                        <m:sty m:val="p"/>
-                                      </m:rPr>
-                                      <a:rPr lang="en-US" altLang="zh-CN" i="1" kern="0" dirty="0" smtClean="0">
-                                        <a:latin typeface="Cambria Math" panose="02040503050406030204" pitchFamily="18" charset="0"/>
-                                        <a:cs typeface="+mn-ea"/>
-                                        <a:sym typeface="+mn-lt"/>
-                                      </a:rPr>
-                                      <m:t>al</m:t>
-                                    </m:r>
-                                  </m:sub>
-                                </m:sSub>
-                              </m:e>
-                            </m:nary>
-                          </m:den>
-                        </m:f>
-                        <m:r>
-                          <a:rPr lang="en-US" altLang="zh-CN" b="0" i="1" kern="0" dirty="0" smtClean="0">
-                            <a:latin typeface="Cambria Math" panose="02040503050406030204" pitchFamily="18" charset="0"/>
+                          </m:e>
+                          <m:sub>
+                            <m:r>
+                              <a:rPr lang="en-US" altLang="zh-CN" sz="1400" b="0" i="1" kern="0" dirty="0" smtClean="0">
+                                <a:latin typeface="Cambria Math" panose="02040503050406030204" pitchFamily="18" charset="0"/>
+                                <a:ea typeface="微软雅黑" panose="020B0503020204020204" pitchFamily="34" charset="-122"/>
+                                <a:cs typeface="+mn-ea"/>
+                                <a:sym typeface="+mn-lt"/>
+                              </a:rPr>
+                              <m:t>𝑡𝑜𝑡𝑎𝑙</m:t>
+                            </m:r>
+                          </m:sub>
+                        </m:sSub>
+                      </m:e>
+                    </m:nary>
+                  </m:oMath>
+                </a14:m>
+                <a:r>
+                  <a:rPr lang="en-US" altLang="zh-CN" sz="1400" kern="0" dirty="0">
+                    <a:latin typeface="微软雅黑" panose="020B0503020204020204" pitchFamily="34" charset="-122"/>
+                    <a:ea typeface="微软雅黑" panose="020B0503020204020204" pitchFamily="34" charset="-122"/>
+                    <a:cs typeface="+mn-ea"/>
+                    <a:sym typeface="+mn-lt"/>
+                  </a:rPr>
+                  <a:t>——</a:t>
+                </a:r>
+                <a14:m>
+                  <m:oMath xmlns:m="http://schemas.openxmlformats.org/officeDocument/2006/math">
+                    <m:r>
+                      <m:rPr>
+                        <m:sty m:val="p"/>
+                      </m:rPr>
+                      <a:rPr lang="en-US" altLang="zh-CN" sz="1400" b="0" i="0" kern="0" dirty="0" smtClean="0">
+                        <a:latin typeface="Cambria Math" panose="02040503050406030204" pitchFamily="18" charset="0"/>
+                        <a:ea typeface="微软雅黑" panose="020B0503020204020204" pitchFamily="34" charset="-122"/>
+                        <a:cs typeface="+mn-ea"/>
+                        <a:sym typeface="+mn-lt"/>
+                      </a:rPr>
+                      <m:t>k</m:t>
+                    </m:r>
+                  </m:oMath>
+                </a14:m>
+                <a:r>
+                  <a:rPr lang="zh-CN" altLang="en-US" sz="1400" kern="0" dirty="0">
+                    <a:latin typeface="微软雅黑" panose="020B0503020204020204" pitchFamily="34" charset="-122"/>
+                    <a:ea typeface="微软雅黑" panose="020B0503020204020204" pitchFamily="34" charset="-122"/>
+                    <a:cs typeface="+mn-ea"/>
+                  </a:rPr>
+                  <a:t>加入公证节点组以来进行的投票总数</a:t>
+                </a:r>
+                <a:endParaRPr lang="en-US" altLang="zh-CN" sz="1400" kern="0" dirty="0">
+                  <a:latin typeface="微软雅黑" panose="020B0503020204020204" pitchFamily="34" charset="-122"/>
+                  <a:ea typeface="微软雅黑" panose="020B0503020204020204" pitchFamily="34" charset="-122"/>
+                  <a:cs typeface="+mn-ea"/>
+                  <a:sym typeface="+mn-lt"/>
+                </a:endParaRPr>
+              </a:p>
+              <a:p>
+                <a:pPr>
+                  <a:lnSpc>
+                    <a:spcPct val="130000"/>
+                  </a:lnSpc>
+                  <a:spcBef>
+                    <a:spcPts val="600"/>
+                  </a:spcBef>
+                </a:pPr>
+                <a14:m>
+                  <m:oMath xmlns:m="http://schemas.openxmlformats.org/officeDocument/2006/math">
+                    <m:nary>
+                      <m:naryPr>
+                        <m:chr m:val="∑"/>
+                        <m:grow m:val="on"/>
+                        <m:subHide m:val="on"/>
+                        <m:supHide m:val="on"/>
+                        <m:ctrlPr>
+                          <a:rPr lang="zh-CN" altLang="en-US" sz="1400" kern="0" dirty="0">
+                            <a:latin typeface="微软雅黑" panose="020B0503020204020204" pitchFamily="34" charset="-122"/>
+                            <a:ea typeface="微软雅黑" panose="020B0503020204020204" pitchFamily="34" charset="-122"/>
                             <a:cs typeface="+mn-ea"/>
                             <a:sym typeface="+mn-lt"/>
                           </a:rPr>
-                          <m:t>−1</m:t>
-                        </m:r>
-                      </m:sup>
-                    </m:sSup>
+                        </m:ctrlPr>
+                      </m:naryPr>
+                      <m:sub/>
+                      <m:sup/>
+                      <m:e>
+                        <m:sSubSup>
+                          <m:sSubSupPr>
+                            <m:ctrlPr>
+                              <a:rPr lang="zh-CN" altLang="en-US" sz="1400" kern="0" dirty="0">
+                                <a:latin typeface="微软雅黑" panose="020B0503020204020204" pitchFamily="34" charset="-122"/>
+                                <a:ea typeface="微软雅黑" panose="020B0503020204020204" pitchFamily="34" charset="-122"/>
+                                <a:cs typeface="+mn-ea"/>
+                                <a:sym typeface="+mn-lt"/>
+                              </a:rPr>
+                            </m:ctrlPr>
+                          </m:sSubSupPr>
+                          <m:e>
+                            <m:r>
+                              <a:rPr lang="en-US" altLang="zh-CN" sz="1400" kern="0" dirty="0">
+                                <a:latin typeface="微软雅黑" panose="020B0503020204020204" pitchFamily="34" charset="-122"/>
+                                <a:ea typeface="微软雅黑" panose="020B0503020204020204" pitchFamily="34" charset="-122"/>
+                                <a:cs typeface="+mn-ea"/>
+                                <a:sym typeface="+mn-lt"/>
+                              </a:rPr>
+                              <m:t>𝑉</m:t>
+                            </m:r>
+                          </m:e>
+                          <m:sub>
+                            <m:r>
+                              <m:rPr>
+                                <m:sty m:val="p"/>
+                              </m:rPr>
+                              <a:rPr lang="en-US" altLang="zh-CN" sz="1400" kern="0" dirty="0">
+                                <a:latin typeface="微软雅黑" panose="020B0503020204020204" pitchFamily="34" charset="-122"/>
+                                <a:ea typeface="微软雅黑" panose="020B0503020204020204" pitchFamily="34" charset="-122"/>
+                                <a:cs typeface="+mn-ea"/>
+                                <a:sym typeface="+mn-lt"/>
+                              </a:rPr>
+                              <m:t>n</m:t>
+                            </m:r>
+                            <m:r>
+                              <a:rPr lang="en-US" altLang="zh-CN" sz="1400" kern="0" dirty="0">
+                                <a:latin typeface="微软雅黑" panose="020B0503020204020204" pitchFamily="34" charset="-122"/>
+                                <a:ea typeface="微软雅黑" panose="020B0503020204020204" pitchFamily="34" charset="-122"/>
+                                <a:cs typeface="+mn-ea"/>
+                                <a:sym typeface="+mn-lt"/>
+                              </a:rPr>
+                              <m:t>_</m:t>
+                            </m:r>
+                            <m:r>
+                              <a:rPr lang="en-US" altLang="zh-CN" sz="1400" kern="0" dirty="0">
+                                <a:latin typeface="微软雅黑" panose="020B0503020204020204" pitchFamily="34" charset="-122"/>
+                                <a:ea typeface="微软雅黑" panose="020B0503020204020204" pitchFamily="34" charset="-122"/>
+                                <a:cs typeface="+mn-ea"/>
+                                <a:sym typeface="+mn-lt"/>
+                              </a:rPr>
+                              <m:t>𝑠𝑢𝑐𝑐𝑒𝑠𝑠</m:t>
+                            </m:r>
+                          </m:sub>
+                          <m:sup>
+                            <m:r>
+                              <m:rPr>
+                                <m:sty m:val="p"/>
+                              </m:rPr>
+                              <a:rPr lang="en-US" altLang="zh-CN" sz="1400" b="0" i="0" kern="0" dirty="0" smtClean="0">
+                                <a:latin typeface="Cambria Math" panose="02040503050406030204" pitchFamily="18" charset="0"/>
+                                <a:ea typeface="微软雅黑" panose="020B0503020204020204" pitchFamily="34" charset="-122"/>
+                                <a:cs typeface="+mn-ea"/>
+                                <a:sym typeface="+mn-lt"/>
+                              </a:rPr>
+                              <m:t>k</m:t>
+                            </m:r>
+                          </m:sup>
+                        </m:sSubSup>
+                      </m:e>
+                    </m:nary>
+                    <m:r>
+                      <a:rPr lang="en-US" altLang="zh-CN" sz="1400" kern="0" dirty="0">
+                        <a:latin typeface="微软雅黑" panose="020B0503020204020204" pitchFamily="34" charset="-122"/>
+                        <a:ea typeface="微软雅黑" panose="020B0503020204020204" pitchFamily="34" charset="-122"/>
+                        <a:cs typeface="+mn-ea"/>
+                        <a:sym typeface="+mn-lt"/>
+                      </a:rPr>
+                      <m:t>+</m:t>
+                    </m:r>
+                    <m:nary>
+                      <m:naryPr>
+                        <m:chr m:val="∑"/>
+                        <m:grow m:val="on"/>
+                        <m:subHide m:val="on"/>
+                        <m:supHide m:val="on"/>
+                        <m:ctrlPr>
+                          <a:rPr lang="zh-CN" altLang="en-US" sz="1400" kern="0" dirty="0">
+                            <a:latin typeface="微软雅黑" panose="020B0503020204020204" pitchFamily="34" charset="-122"/>
+                            <a:ea typeface="微软雅黑" panose="020B0503020204020204" pitchFamily="34" charset="-122"/>
+                            <a:cs typeface="+mn-ea"/>
+                            <a:sym typeface="+mn-lt"/>
+                          </a:rPr>
+                        </m:ctrlPr>
+                      </m:naryPr>
+                      <m:sub/>
+                      <m:sup/>
+                      <m:e>
+                        <m:sSubSup>
+                          <m:sSubSupPr>
+                            <m:ctrlPr>
+                              <a:rPr lang="zh-CN" altLang="en-US" sz="1400" kern="0" dirty="0">
+                                <a:latin typeface="微软雅黑" panose="020B0503020204020204" pitchFamily="34" charset="-122"/>
+                                <a:ea typeface="微软雅黑" panose="020B0503020204020204" pitchFamily="34" charset="-122"/>
+                                <a:cs typeface="+mn-ea"/>
+                                <a:sym typeface="+mn-lt"/>
+                              </a:rPr>
+                            </m:ctrlPr>
+                          </m:sSubSupPr>
+                          <m:e>
+                            <m:r>
+                              <a:rPr lang="en-US" altLang="zh-CN" sz="1400" kern="0" dirty="0">
+                                <a:latin typeface="微软雅黑" panose="020B0503020204020204" pitchFamily="34" charset="-122"/>
+                                <a:ea typeface="微软雅黑" panose="020B0503020204020204" pitchFamily="34" charset="-122"/>
+                                <a:cs typeface="+mn-ea"/>
+                                <a:sym typeface="+mn-lt"/>
+                              </a:rPr>
+                              <m:t>𝑉</m:t>
+                            </m:r>
+                          </m:e>
+                          <m:sub>
+                            <m:r>
+                              <m:rPr>
+                                <m:sty m:val="p"/>
+                              </m:rPr>
+                              <a:rPr lang="en-US" altLang="zh-CN" sz="1400" kern="0" dirty="0">
+                                <a:latin typeface="微软雅黑" panose="020B0503020204020204" pitchFamily="34" charset="-122"/>
+                                <a:ea typeface="微软雅黑" panose="020B0503020204020204" pitchFamily="34" charset="-122"/>
+                                <a:cs typeface="+mn-ea"/>
+                                <a:sym typeface="+mn-lt"/>
+                              </a:rPr>
+                              <m:t>r</m:t>
+                            </m:r>
+                            <m:r>
+                              <a:rPr lang="en-US" altLang="zh-CN" sz="1400" kern="0" dirty="0">
+                                <a:latin typeface="微软雅黑" panose="020B0503020204020204" pitchFamily="34" charset="-122"/>
+                                <a:ea typeface="微软雅黑" panose="020B0503020204020204" pitchFamily="34" charset="-122"/>
+                                <a:cs typeface="+mn-ea"/>
+                                <a:sym typeface="+mn-lt"/>
+                              </a:rPr>
+                              <m:t>_</m:t>
+                            </m:r>
+                            <m:r>
+                              <a:rPr lang="en-US" altLang="zh-CN" sz="1400" kern="0" dirty="0">
+                                <a:latin typeface="微软雅黑" panose="020B0503020204020204" pitchFamily="34" charset="-122"/>
+                                <a:ea typeface="微软雅黑" panose="020B0503020204020204" pitchFamily="34" charset="-122"/>
+                                <a:cs typeface="+mn-ea"/>
+                                <a:sym typeface="+mn-lt"/>
+                              </a:rPr>
+                              <m:t>𝑠𝑢𝑐𝑐𝑒𝑠𝑠</m:t>
+                            </m:r>
+                          </m:sub>
+                          <m:sup>
+                            <m:r>
+                              <m:rPr>
+                                <m:sty m:val="p"/>
+                              </m:rPr>
+                              <a:rPr lang="en-US" altLang="zh-CN" sz="1400" b="0" i="0" kern="0" dirty="0" smtClean="0">
+                                <a:latin typeface="Cambria Math" panose="02040503050406030204" pitchFamily="18" charset="0"/>
+                                <a:ea typeface="微软雅黑" panose="020B0503020204020204" pitchFamily="34" charset="-122"/>
+                                <a:cs typeface="+mn-ea"/>
+                                <a:sym typeface="+mn-lt"/>
+                              </a:rPr>
+                              <m:t>k</m:t>
+                            </m:r>
+                          </m:sup>
+                        </m:sSubSup>
+                      </m:e>
+                    </m:nary>
                   </m:oMath>
                 </a14:m>
-                <a:endParaRPr lang="zh-CN" altLang="en-US" b="1" dirty="0"/>
+                <a:r>
+                  <a:rPr lang="en-US" altLang="zh-CN" sz="1400" kern="0" dirty="0">
+                    <a:latin typeface="微软雅黑" panose="020B0503020204020204" pitchFamily="34" charset="-122"/>
+                    <a:ea typeface="微软雅黑" panose="020B0503020204020204" pitchFamily="34" charset="-122"/>
+                    <a:cs typeface="+mn-ea"/>
+                    <a:sym typeface="+mn-lt"/>
+                  </a:rPr>
+                  <a:t>——</a:t>
+                </a:r>
+                <a14:m>
+                  <m:oMath xmlns:m="http://schemas.openxmlformats.org/officeDocument/2006/math">
+                    <m:r>
+                      <m:rPr>
+                        <m:sty m:val="p"/>
+                      </m:rPr>
+                      <a:rPr lang="en-US" altLang="zh-CN" sz="1400" kern="0" dirty="0">
+                        <a:latin typeface="Cambria Math" panose="02040503050406030204" pitchFamily="18" charset="0"/>
+                        <a:ea typeface="微软雅黑" panose="020B0503020204020204" pitchFamily="34" charset="-122"/>
+                        <a:cs typeface="+mn-ea"/>
+                        <a:sym typeface="+mn-lt"/>
+                      </a:rPr>
+                      <m:t>k</m:t>
+                    </m:r>
+                  </m:oMath>
+                </a14:m>
+                <a:r>
+                  <a:rPr lang="zh-CN" altLang="en-US" sz="1400" kern="0" dirty="0">
+                    <a:latin typeface="微软雅黑" panose="020B0503020204020204" pitchFamily="34" charset="-122"/>
+                    <a:ea typeface="微软雅黑" panose="020B0503020204020204" pitchFamily="34" charset="-122"/>
+                    <a:cs typeface="+mn-ea"/>
+                    <a:sym typeface="+mn-lt"/>
+                  </a:rPr>
+                  <a:t>成功投票的总次数</a:t>
+                </a:r>
+                <a:endParaRPr lang="en-US" altLang="zh-CN" sz="1400" kern="0" dirty="0">
+                  <a:latin typeface="微软雅黑" panose="020B0503020204020204" pitchFamily="34" charset="-122"/>
+                  <a:ea typeface="微软雅黑" panose="020B0503020204020204" pitchFamily="34" charset="-122"/>
+                  <a:cs typeface="+mn-ea"/>
+                  <a:sym typeface="+mn-lt"/>
+                </a:endParaRPr>
               </a:p>
             </p:txBody>
           </p:sp>
@@ -21721,10 +22881,10 @@
         <mc:Fallback>
           <p:sp>
             <p:nvSpPr>
-              <p:cNvPr id="9" name="矩形 8">
+              <p:cNvPr id="5" name="矩形 4">
                 <a:extLst>
                   <a:ext uri="{FF2B5EF4-FFF2-40B4-BE49-F238E27FC236}">
-                    <a16:creationId xmlns:a16="http://schemas.microsoft.com/office/drawing/2014/main" id="{50396044-6263-4846-B3FE-0DEEC59E84F9}"/>
+                    <a16:creationId xmlns:a16="http://schemas.microsoft.com/office/drawing/2014/main" id="{45D588BA-509B-4E83-B737-6396AC338BE4}"/>
                   </a:ext>
                 </a:extLst>
               </p:cNvPr>
@@ -21735,16 +22895,16 @@
             </p:nvSpPr>
             <p:spPr>
               <a:xfrm>
-                <a:off x="631596" y="5234901"/>
-                <a:ext cx="4640566" cy="811504"/>
+                <a:off x="5844575" y="4814593"/>
+                <a:ext cx="6096000" cy="1153649"/>
               </a:xfrm>
               <a:prstGeom prst="rect">
                 <a:avLst/>
               </a:prstGeom>
               <a:blipFill>
-                <a:blip r:embed="rId5"/>
+                <a:blip r:embed="rId7"/>
                 <a:stretch>
-                  <a:fillRect b="-11278"/>
+                  <a:fillRect l="-5200" b="-55026"/>
                 </a:stretch>
               </a:blipFill>
             </p:spPr>
@@ -21763,137 +22923,6 @@
           </p:sp>
         </mc:Fallback>
       </mc:AlternateContent>
-      <p:cxnSp>
-        <p:nvCxnSpPr>
-          <p:cNvPr id="16" name="直接箭头连接符 15">
-            <a:extLst>
-              <a:ext uri="{FF2B5EF4-FFF2-40B4-BE49-F238E27FC236}">
-                <a16:creationId xmlns:a16="http://schemas.microsoft.com/office/drawing/2014/main" id="{6DE89273-1E14-464D-B74F-CE32966901EE}"/>
-              </a:ext>
-            </a:extLst>
-          </p:cNvPr>
-          <p:cNvCxnSpPr>
-            <a:cxnSpLocks/>
-            <a:stCxn id="2" idx="3"/>
-          </p:cNvCxnSpPr>
-          <p:nvPr/>
-        </p:nvCxnSpPr>
-        <p:spPr>
-          <a:xfrm>
-            <a:off x="5316718" y="1217347"/>
-            <a:ext cx="1187777" cy="0"/>
-          </a:xfrm>
-          <a:prstGeom prst="straightConnector1">
-            <a:avLst/>
-          </a:prstGeom>
-          <a:ln>
-            <a:tailEnd type="triangle"/>
-          </a:ln>
-        </p:spPr>
-        <p:style>
-          <a:lnRef idx="1">
-            <a:schemeClr val="accent1"/>
-          </a:lnRef>
-          <a:fillRef idx="0">
-            <a:schemeClr val="accent1"/>
-          </a:fillRef>
-          <a:effectRef idx="0">
-            <a:schemeClr val="accent1"/>
-          </a:effectRef>
-          <a:fontRef idx="minor">
-            <a:schemeClr val="tx1"/>
-          </a:fontRef>
-        </p:style>
-      </p:cxnSp>
-      <p:sp>
-        <p:nvSpPr>
-          <p:cNvPr id="37" name="矩形 36">
-            <a:extLst>
-              <a:ext uri="{FF2B5EF4-FFF2-40B4-BE49-F238E27FC236}">
-                <a16:creationId xmlns:a16="http://schemas.microsoft.com/office/drawing/2014/main" id="{5D59AD5E-B13C-40DE-A189-E14DF1B4A12D}"/>
-              </a:ext>
-            </a:extLst>
-          </p:cNvPr>
-          <p:cNvSpPr/>
-          <p:nvPr/>
-        </p:nvSpPr>
-        <p:spPr>
-          <a:xfrm>
-            <a:off x="6708781" y="901481"/>
-            <a:ext cx="4801314" cy="646331"/>
-          </a:xfrm>
-          <a:prstGeom prst="rect">
-            <a:avLst/>
-          </a:prstGeom>
-        </p:spPr>
-        <p:txBody>
-          <a:bodyPr wrap="none">
-            <a:spAutoFit/>
-          </a:bodyPr>
-          <a:lstStyle/>
-          <a:p>
-            <a:r>
-              <a:rPr lang="zh-CN" altLang="en-US" dirty="0"/>
-              <a:t>引入投票机制，并且设立信誉激励和惩罚机制</a:t>
-            </a:r>
-            <a:endParaRPr lang="en-US" altLang="zh-CN" dirty="0"/>
-          </a:p>
-          <a:p>
-            <a:r>
-              <a:rPr lang="zh-CN" altLang="en-US" dirty="0"/>
-              <a:t>激发所有公证节点的参与度</a:t>
-            </a:r>
-          </a:p>
-        </p:txBody>
-      </p:sp>
-      <p:sp>
-        <p:nvSpPr>
-          <p:cNvPr id="39" name="文本框 38">
-            <a:extLst>
-              <a:ext uri="{FF2B5EF4-FFF2-40B4-BE49-F238E27FC236}">
-                <a16:creationId xmlns:a16="http://schemas.microsoft.com/office/drawing/2014/main" id="{683BA0B3-DB63-4FE5-B997-56A2F4778223}"/>
-              </a:ext>
-            </a:extLst>
-          </p:cNvPr>
-          <p:cNvSpPr txBox="1"/>
-          <p:nvPr/>
-        </p:nvSpPr>
-        <p:spPr>
-          <a:xfrm>
-            <a:off x="5396802" y="858804"/>
-            <a:ext cx="1027522" cy="308995"/>
-          </a:xfrm>
-          <a:prstGeom prst="rect">
-            <a:avLst/>
-          </a:prstGeom>
-          <a:noFill/>
-        </p:spPr>
-        <p:txBody>
-          <a:bodyPr wrap="square" rtlCol="0">
-            <a:spAutoFit/>
-          </a:bodyPr>
-          <a:lstStyle/>
-          <a:p>
-            <a:pPr>
-              <a:lnSpc>
-                <a:spcPct val="130000"/>
-              </a:lnSpc>
-              <a:spcBef>
-                <a:spcPts val="600"/>
-              </a:spcBef>
-            </a:pPr>
-            <a:r>
-              <a:rPr lang="zh-CN" altLang="en-US" sz="1200" kern="0" dirty="0">
-                <a:latin typeface="微软雅黑" panose="020B0503020204020204" pitchFamily="34" charset="-122"/>
-                <a:ea typeface="微软雅黑" panose="020B0503020204020204" pitchFamily="34" charset="-122"/>
-                <a:cs typeface="+mn-ea"/>
-                <a:sym typeface="+mn-lt"/>
-              </a:rPr>
-              <a:t>拟解决思路</a:t>
-            </a:r>
-          </a:p>
-        </p:txBody>
-      </p:sp>
     </p:spTree>
     <p:extLst>
       <p:ext uri="{BB962C8B-B14F-4D97-AF65-F5344CB8AC3E}">
@@ -22075,14 +23104,14 @@
           </a:ln>
           <a:extLst>
             <a:ext uri="{909E8E84-426E-40dd-AFC4-6F175D3DCCD1}">
-              <a14:hiddenFill xmlns:a14="http://schemas.microsoft.com/office/drawing/2010/main" xmlns="">
+              <a14:hiddenFill xmlns="" xmlns:a14="http://schemas.microsoft.com/office/drawing/2010/main">
                 <a:solidFill>
                   <a:srgbClr val="FFFFFF"/>
                 </a:solidFill>
               </a14:hiddenFill>
             </a:ext>
             <a:ext uri="{91240B29-F687-4f45-9708-019B960494DF}">
-              <a14:hiddenLine xmlns:a14="http://schemas.microsoft.com/office/drawing/2010/main" xmlns="" w="9525">
+              <a14:hiddenLine xmlns="" xmlns:a14="http://schemas.microsoft.com/office/drawing/2010/main" w="9525">
                 <a:solidFill>
                   <a:srgbClr val="000000"/>
                 </a:solidFill>
@@ -22331,14 +23360,14 @@
           </a:ln>
           <a:extLst>
             <a:ext uri="{909E8E84-426E-40dd-AFC4-6F175D3DCCD1}">
-              <a14:hiddenFill xmlns:a14="http://schemas.microsoft.com/office/drawing/2010/main" xmlns="">
+              <a14:hiddenFill xmlns="" xmlns:a14="http://schemas.microsoft.com/office/drawing/2010/main">
                 <a:solidFill>
                   <a:srgbClr val="FFFFFF"/>
                 </a:solidFill>
               </a14:hiddenFill>
             </a:ext>
             <a:ext uri="{91240B29-F687-4f45-9708-019B960494DF}">
-              <a14:hiddenLine xmlns:a14="http://schemas.microsoft.com/office/drawing/2010/main" xmlns="" w="9525">
+              <a14:hiddenLine xmlns="" xmlns:a14="http://schemas.microsoft.com/office/drawing/2010/main" w="9525">
                 <a:solidFill>
                   <a:srgbClr val="000000"/>
                 </a:solidFill>
@@ -22513,14 +23542,14 @@
           </a:ln>
           <a:extLst>
             <a:ext uri="{909E8E84-426E-40dd-AFC4-6F175D3DCCD1}">
-              <a14:hiddenFill xmlns:a14="http://schemas.microsoft.com/office/drawing/2010/main" xmlns="">
+              <a14:hiddenFill xmlns="" xmlns:a14="http://schemas.microsoft.com/office/drawing/2010/main">
                 <a:solidFill>
                   <a:srgbClr val="FFFFFF"/>
                 </a:solidFill>
               </a14:hiddenFill>
             </a:ext>
             <a:ext uri="{91240B29-F687-4f45-9708-019B960494DF}">
-              <a14:hiddenLine xmlns:a14="http://schemas.microsoft.com/office/drawing/2010/main" xmlns="" w="9525">
+              <a14:hiddenLine xmlns="" xmlns:a14="http://schemas.microsoft.com/office/drawing/2010/main" w="9525">
                 <a:solidFill>
                   <a:srgbClr val="000000"/>
                 </a:solidFill>
@@ -22695,14 +23724,14 @@
           </a:ln>
           <a:extLst>
             <a:ext uri="{909E8E84-426E-40dd-AFC4-6F175D3DCCD1}">
-              <a14:hiddenFill xmlns:a14="http://schemas.microsoft.com/office/drawing/2010/main" xmlns="">
+              <a14:hiddenFill xmlns="" xmlns:a14="http://schemas.microsoft.com/office/drawing/2010/main">
                 <a:solidFill>
                   <a:srgbClr val="FFFFFF"/>
                 </a:solidFill>
               </a14:hiddenFill>
             </a:ext>
             <a:ext uri="{91240B29-F687-4f45-9708-019B960494DF}">
-              <a14:hiddenLine xmlns:a14="http://schemas.microsoft.com/office/drawing/2010/main" xmlns="" w="9525">
+              <a14:hiddenLine xmlns="" xmlns:a14="http://schemas.microsoft.com/office/drawing/2010/main" w="9525">
                 <a:solidFill>
                   <a:srgbClr val="000000"/>
                 </a:solidFill>
@@ -24389,14 +25418,14 @@
           </a:ln>
           <a:extLst>
             <a:ext uri="{909E8E84-426E-40dd-AFC4-6F175D3DCCD1}">
-              <a14:hiddenFill xmlns:a14="http://schemas.microsoft.com/office/drawing/2010/main" xmlns="">
+              <a14:hiddenFill xmlns="" xmlns:a14="http://schemas.microsoft.com/office/drawing/2010/main">
                 <a:solidFill>
                   <a:srgbClr val="FFFFFF"/>
                 </a:solidFill>
               </a14:hiddenFill>
             </a:ext>
             <a:ext uri="{91240B29-F687-4f45-9708-019B960494DF}">
-              <a14:hiddenLine xmlns:a14="http://schemas.microsoft.com/office/drawing/2010/main" xmlns="" w="9525">
+              <a14:hiddenLine xmlns="" xmlns:a14="http://schemas.microsoft.com/office/drawing/2010/main" w="9525">
                 <a:solidFill>
                   <a:srgbClr val="000000"/>
                 </a:solidFill>
@@ -26393,7 +27422,7 @@
             </a:ln>
             <a:extLst>
               <a:ext uri="{91240B29-F687-4f45-9708-019B960494DF}">
-                <a14:hiddenLine xmlns:a14="http://schemas.microsoft.com/office/drawing/2010/main" xmlns="" w="9525">
+                <a14:hiddenLine xmlns="" xmlns:a14="http://schemas.microsoft.com/office/drawing/2010/main" w="9525">
                   <a:solidFill>
                     <a:srgbClr val="000000"/>
                   </a:solidFill>
@@ -26598,7 +27627,7 @@
             </a:ln>
             <a:extLst>
               <a:ext uri="{91240B29-F687-4f45-9708-019B960494DF}">
-                <a14:hiddenLine xmlns:a14="http://schemas.microsoft.com/office/drawing/2010/main" xmlns="" w="9525">
+                <a14:hiddenLine xmlns="" xmlns:a14="http://schemas.microsoft.com/office/drawing/2010/main" w="9525">
                   <a:solidFill>
                     <a:srgbClr val="000000"/>
                   </a:solidFill>
@@ -26873,7 +27902,7 @@
             </a:ln>
             <a:extLst>
               <a:ext uri="{91240B29-F687-4f45-9708-019B960494DF}">
-                <a14:hiddenLine xmlns:a14="http://schemas.microsoft.com/office/drawing/2010/main" xmlns="" w="9525">
+                <a14:hiddenLine xmlns="" xmlns:a14="http://schemas.microsoft.com/office/drawing/2010/main" w="9525">
                   <a:solidFill>
                     <a:srgbClr val="000000"/>
                   </a:solidFill>
@@ -27039,7 +28068,7 @@
             </a:ln>
             <a:extLst>
               <a:ext uri="{91240B29-F687-4f45-9708-019B960494DF}">
-                <a14:hiddenLine xmlns:a14="http://schemas.microsoft.com/office/drawing/2010/main" xmlns="" w="9525">
+                <a14:hiddenLine xmlns="" xmlns:a14="http://schemas.microsoft.com/office/drawing/2010/main" w="9525">
                   <a:solidFill>
                     <a:srgbClr val="000000"/>
                   </a:solidFill>
@@ -28339,14 +29368,14 @@
           </a:ln>
           <a:extLst>
             <a:ext uri="{909E8E84-426E-40dd-AFC4-6F175D3DCCD1}">
-              <a14:hiddenFill xmlns:a14="http://schemas.microsoft.com/office/drawing/2010/main" xmlns="">
+              <a14:hiddenFill xmlns="" xmlns:a14="http://schemas.microsoft.com/office/drawing/2010/main">
                 <a:solidFill>
                   <a:srgbClr val="FFFFFF"/>
                 </a:solidFill>
               </a14:hiddenFill>
             </a:ext>
             <a:ext uri="{91240B29-F687-4f45-9708-019B960494DF}">
-              <a14:hiddenLine xmlns:a14="http://schemas.microsoft.com/office/drawing/2010/main" xmlns="" w="9525">
+              <a14:hiddenLine xmlns="" xmlns:a14="http://schemas.microsoft.com/office/drawing/2010/main" w="9525">
                 <a:solidFill>
                   <a:srgbClr val="000000"/>
                 </a:solidFill>
@@ -31981,14 +33010,14 @@
           </a:ln>
           <a:extLst>
             <a:ext uri="{909E8E84-426E-40dd-AFC4-6F175D3DCCD1}">
-              <a14:hiddenFill xmlns:a14="http://schemas.microsoft.com/office/drawing/2010/main" xmlns="">
+              <a14:hiddenFill xmlns="" xmlns:a14="http://schemas.microsoft.com/office/drawing/2010/main">
                 <a:solidFill>
                   <a:srgbClr val="FFFFFF"/>
                 </a:solidFill>
               </a14:hiddenFill>
             </a:ext>
             <a:ext uri="{91240B29-F687-4f45-9708-019B960494DF}">
-              <a14:hiddenLine xmlns:a14="http://schemas.microsoft.com/office/drawing/2010/main" xmlns="" w="9525">
+              <a14:hiddenLine xmlns="" xmlns:a14="http://schemas.microsoft.com/office/drawing/2010/main" w="9525">
                 <a:solidFill>
                   <a:srgbClr val="000000"/>
                 </a:solidFill>

--- a/开题报告.pptx
+++ b/开题报告.pptx
@@ -236,7 +236,7 @@
           <a:p>
             <a:fld id="{3E6E1E63-6347-BD4F-A808-7F54FA34CE72}" type="datetimeFigureOut">
               <a:rPr kumimoji="1" lang="zh-CN" altLang="en-US" smtClean="0"/>
-              <a:t>2023-12-21</a:t>
+              <a:t>2023-12-22</a:t>
             </a:fld>
             <a:endParaRPr kumimoji="1" lang="zh-CN" altLang="en-US"/>
           </a:p>
@@ -10621,14 +10621,14 @@
           </a:ln>
           <a:extLst>
             <a:ext uri="{909E8E84-426E-40dd-AFC4-6F175D3DCCD1}">
-              <a14:hiddenFill xmlns:a14="http://schemas.microsoft.com/office/drawing/2010/main" xmlns="">
+              <a14:hiddenFill xmlns="" xmlns:a14="http://schemas.microsoft.com/office/drawing/2010/main">
                 <a:solidFill>
                   <a:srgbClr val="FFFFFF"/>
                 </a:solidFill>
               </a14:hiddenFill>
             </a:ext>
             <a:ext uri="{91240B29-F687-4f45-9708-019B960494DF}">
-              <a14:hiddenLine xmlns:a14="http://schemas.microsoft.com/office/drawing/2010/main" xmlns="" w="9525">
+              <a14:hiddenLine xmlns="" xmlns:a14="http://schemas.microsoft.com/office/drawing/2010/main" w="9525">
                 <a:solidFill>
                   <a:srgbClr val="000000"/>
                 </a:solidFill>
@@ -11484,7 +11484,7 @@
         </p:nvSpPr>
         <p:spPr>
           <a:xfrm>
-            <a:off x="851470" y="5470396"/>
+            <a:off x="851471" y="5470396"/>
             <a:ext cx="4597223" cy="369332"/>
           </a:xfrm>
           <a:prstGeom prst="rect">
@@ -11504,7 +11504,7 @@
           <a:p>
             <a:r>
               <a:rPr lang="zh-CN" altLang="en-US" dirty="0"/>
-              <a:t>设计基于公证人的跨链交互的方法</a:t>
+              <a:t>设计基于公证人的跨链资产交互的方法</a:t>
             </a:r>
           </a:p>
         </p:txBody>
@@ -15784,8 +15784,8 @@
           </a:p>
         </p:txBody>
       </p:sp>
-      <mc:AlternateContent xmlns:mc="http://schemas.openxmlformats.org/markup-compatibility/2006" xmlns:a14="http://schemas.microsoft.com/office/drawing/2010/main">
-        <mc:Choice Requires="a14">
+      <mc:AlternateContent xmlns:mc="http://schemas.openxmlformats.org/markup-compatibility/2006">
+        <mc:Choice xmlns:a14="http://schemas.microsoft.com/office/drawing/2010/main" Requires="a14">
           <p:sp>
             <p:nvSpPr>
               <p:cNvPr id="21" name="文本框 20">
@@ -15800,7 +15800,7 @@
             </p:nvSpPr>
             <p:spPr>
               <a:xfrm>
-                <a:off x="236422" y="3203104"/>
+                <a:off x="283558" y="3089983"/>
                 <a:ext cx="5466793" cy="1292341"/>
               </a:xfrm>
               <a:prstGeom prst="rect">
@@ -16159,7 +16159,7 @@
             </p:txBody>
           </p:sp>
         </mc:Choice>
-        <mc:Fallback xmlns="">
+        <mc:Fallback>
           <p:sp>
             <p:nvSpPr>
               <p:cNvPr id="21" name="文本框 20">
@@ -16176,7 +16176,7 @@
             </p:nvSpPr>
             <p:spPr>
               <a:xfrm>
-                <a:off x="236422" y="3203104"/>
+                <a:off x="283558" y="3089983"/>
                 <a:ext cx="5466793" cy="1292341"/>
               </a:xfrm>
               <a:prstGeom prst="rect">
@@ -16185,7 +16185,7 @@
               <a:blipFill>
                 <a:blip r:embed="rId3"/>
                 <a:stretch>
-                  <a:fillRect l="-1003"/>
+                  <a:fillRect l="-1004"/>
                 </a:stretch>
               </a:blipFill>
             </p:spPr>
@@ -16367,7 +16367,7 @@
               <a:rPr lang="zh-CN" altLang="en-US" dirty="0">
                 <a:sym typeface="+mn-lt"/>
               </a:rPr>
-              <a:t>公证人利用哈希加密函数隐藏真实身份，利用密钥共享技术和门限技术使得必要之时，监管组可以公开公证人身份</a:t>
+              <a:t>公证人利用哈希加密函数隐藏真实身份，利用秘密共享技术和门限技术使得必要之时，监管组可以公开公证人身份</a:t>
             </a:r>
           </a:p>
         </p:txBody>
@@ -20110,6 +20110,36 @@
           </a:p>
         </p:txBody>
       </p:sp>
+      <p:pic>
+        <p:nvPicPr>
+          <p:cNvPr id="6" name="图片 5">
+            <a:extLst>
+              <a:ext uri="{FF2B5EF4-FFF2-40B4-BE49-F238E27FC236}">
+                <a16:creationId xmlns:a16="http://schemas.microsoft.com/office/drawing/2014/main" id="{3AA2E9C5-3DA3-45C0-9EA6-D18A98D4A0AA}"/>
+              </a:ext>
+            </a:extLst>
+          </p:cNvPr>
+          <p:cNvPicPr>
+            <a:picLocks noChangeAspect="1"/>
+          </p:cNvPicPr>
+          <p:nvPr/>
+        </p:nvPicPr>
+        <p:blipFill>
+          <a:blip r:embed="rId10"/>
+          <a:stretch>
+            <a:fillRect/>
+          </a:stretch>
+        </p:blipFill>
+        <p:spPr>
+          <a:xfrm>
+            <a:off x="5258719" y="1272176"/>
+            <a:ext cx="4763410" cy="4313647"/>
+          </a:xfrm>
+          <a:prstGeom prst="rect">
+            <a:avLst/>
+          </a:prstGeom>
+        </p:spPr>
+      </p:pic>
     </p:spTree>
     <p:extLst>
       <p:ext uri="{BB962C8B-B14F-4D97-AF65-F5344CB8AC3E}">
@@ -21935,6 +21965,36 @@
           </p:sp>
         </mc:Fallback>
       </mc:AlternateContent>
+      <p:pic>
+        <p:nvPicPr>
+          <p:cNvPr id="13" name="图片 12">
+            <a:extLst>
+              <a:ext uri="{FF2B5EF4-FFF2-40B4-BE49-F238E27FC236}">
+                <a16:creationId xmlns:a16="http://schemas.microsoft.com/office/drawing/2014/main" id="{47BFF4BC-10BE-4FAA-8276-F36ED7CC7D5F}"/>
+              </a:ext>
+            </a:extLst>
+          </p:cNvPr>
+          <p:cNvPicPr>
+            <a:picLocks noChangeAspect="1"/>
+          </p:cNvPicPr>
+          <p:nvPr/>
+        </p:nvPicPr>
+        <p:blipFill>
+          <a:blip r:embed="rId10"/>
+          <a:stretch>
+            <a:fillRect/>
+          </a:stretch>
+        </p:blipFill>
+        <p:spPr>
+          <a:xfrm>
+            <a:off x="9531656" y="-1007783"/>
+            <a:ext cx="5000625" cy="4562475"/>
+          </a:xfrm>
+          <a:prstGeom prst="rect">
+            <a:avLst/>
+          </a:prstGeom>
+        </p:spPr>
+      </p:pic>
     </p:spTree>
     <p:extLst>
       <p:ext uri="{BB962C8B-B14F-4D97-AF65-F5344CB8AC3E}">
@@ -22116,14 +22176,14 @@
           </a:ln>
           <a:extLst>
             <a:ext uri="{909E8E84-426E-40dd-AFC4-6F175D3DCCD1}">
-              <a14:hiddenFill xmlns:a14="http://schemas.microsoft.com/office/drawing/2010/main" xmlns="">
+              <a14:hiddenFill xmlns="" xmlns:a14="http://schemas.microsoft.com/office/drawing/2010/main">
                 <a:solidFill>
                   <a:srgbClr val="FFFFFF"/>
                 </a:solidFill>
               </a14:hiddenFill>
             </a:ext>
             <a:ext uri="{91240B29-F687-4f45-9708-019B960494DF}">
-              <a14:hiddenLine xmlns:a14="http://schemas.microsoft.com/office/drawing/2010/main" xmlns="" w="9525">
+              <a14:hiddenLine xmlns="" xmlns:a14="http://schemas.microsoft.com/office/drawing/2010/main" w="9525">
                 <a:solidFill>
                   <a:srgbClr val="000000"/>
                 </a:solidFill>
@@ -22372,14 +22432,14 @@
           </a:ln>
           <a:extLst>
             <a:ext uri="{909E8E84-426E-40dd-AFC4-6F175D3DCCD1}">
-              <a14:hiddenFill xmlns:a14="http://schemas.microsoft.com/office/drawing/2010/main" xmlns="">
+              <a14:hiddenFill xmlns="" xmlns:a14="http://schemas.microsoft.com/office/drawing/2010/main">
                 <a:solidFill>
                   <a:srgbClr val="FFFFFF"/>
                 </a:solidFill>
               </a14:hiddenFill>
             </a:ext>
             <a:ext uri="{91240B29-F687-4f45-9708-019B960494DF}">
-              <a14:hiddenLine xmlns:a14="http://schemas.microsoft.com/office/drawing/2010/main" xmlns="" w="9525">
+              <a14:hiddenLine xmlns="" xmlns:a14="http://schemas.microsoft.com/office/drawing/2010/main" w="9525">
                 <a:solidFill>
                   <a:srgbClr val="000000"/>
                 </a:solidFill>
@@ -22554,14 +22614,14 @@
           </a:ln>
           <a:extLst>
             <a:ext uri="{909E8E84-426E-40dd-AFC4-6F175D3DCCD1}">
-              <a14:hiddenFill xmlns:a14="http://schemas.microsoft.com/office/drawing/2010/main" xmlns="">
+              <a14:hiddenFill xmlns="" xmlns:a14="http://schemas.microsoft.com/office/drawing/2010/main">
                 <a:solidFill>
                   <a:srgbClr val="FFFFFF"/>
                 </a:solidFill>
               </a14:hiddenFill>
             </a:ext>
             <a:ext uri="{91240B29-F687-4f45-9708-019B960494DF}">
-              <a14:hiddenLine xmlns:a14="http://schemas.microsoft.com/office/drawing/2010/main" xmlns="" w="9525">
+              <a14:hiddenLine xmlns="" xmlns:a14="http://schemas.microsoft.com/office/drawing/2010/main" w="9525">
                 <a:solidFill>
                   <a:srgbClr val="000000"/>
                 </a:solidFill>
@@ -22736,14 +22796,14 @@
           </a:ln>
           <a:extLst>
             <a:ext uri="{909E8E84-426E-40dd-AFC4-6F175D3DCCD1}">
-              <a14:hiddenFill xmlns:a14="http://schemas.microsoft.com/office/drawing/2010/main" xmlns="">
+              <a14:hiddenFill xmlns="" xmlns:a14="http://schemas.microsoft.com/office/drawing/2010/main">
                 <a:solidFill>
                   <a:srgbClr val="FFFFFF"/>
                 </a:solidFill>
               </a14:hiddenFill>
             </a:ext>
             <a:ext uri="{91240B29-F687-4f45-9708-019B960494DF}">
-              <a14:hiddenLine xmlns:a14="http://schemas.microsoft.com/office/drawing/2010/main" xmlns="" w="9525">
+              <a14:hiddenLine xmlns="" xmlns:a14="http://schemas.microsoft.com/office/drawing/2010/main" w="9525">
                 <a:solidFill>
                   <a:srgbClr val="000000"/>
                 </a:solidFill>
@@ -23852,14 +23912,14 @@
           </a:ln>
           <a:extLst>
             <a:ext uri="{909E8E84-426E-40dd-AFC4-6F175D3DCCD1}">
-              <a14:hiddenFill xmlns:a14="http://schemas.microsoft.com/office/drawing/2010/main" xmlns="">
+              <a14:hiddenFill xmlns="" xmlns:a14="http://schemas.microsoft.com/office/drawing/2010/main">
                 <a:solidFill>
                   <a:srgbClr val="FFFFFF"/>
                 </a:solidFill>
               </a14:hiddenFill>
             </a:ext>
             <a:ext uri="{91240B29-F687-4f45-9708-019B960494DF}">
-              <a14:hiddenLine xmlns:a14="http://schemas.microsoft.com/office/drawing/2010/main" xmlns="" w="9525">
+              <a14:hiddenLine xmlns="" xmlns:a14="http://schemas.microsoft.com/office/drawing/2010/main" w="9525">
                 <a:solidFill>
                   <a:srgbClr val="000000"/>
                 </a:solidFill>
@@ -24717,7 +24777,7 @@
                         </a:spcAft>
                       </a:pPr>
                       <a:r>
-                        <a:rPr lang="zh-CN" sz="1200">
+                        <a:rPr lang="zh-CN" sz="1200" dirty="0">
                           <a:effectLst/>
                           <a:latin typeface="Times New Roman" panose="02020603050405020304" pitchFamily="18" charset="0"/>
                           <a:ea typeface="宋体" panose="02010600030101010101" pitchFamily="2" charset="-122"/>
@@ -24783,7 +24843,7 @@
                         </a:spcAft>
                       </a:pPr>
                       <a:r>
-                        <a:rPr lang="zh-CN" sz="1200">
+                        <a:rPr lang="zh-CN" sz="1200" dirty="0">
                           <a:effectLst/>
                           <a:latin typeface="Times New Roman" panose="02020603050405020304" pitchFamily="18" charset="0"/>
                           <a:ea typeface="宋体" panose="02010600030101010101" pitchFamily="2" charset="-122"/>
@@ -25727,7 +25787,7 @@
                         </a:spcAft>
                       </a:pPr>
                       <a:r>
-                        <a:rPr lang="en-US" sz="1200">
+                        <a:rPr lang="en-US" sz="1200" dirty="0">
                           <a:effectLst/>
                           <a:latin typeface="Times New Roman" panose="02020603050405020304" pitchFamily="18" charset="0"/>
                           <a:ea typeface="宋体" panose="02010600030101010101" pitchFamily="2" charset="-122"/>
@@ -25735,7 +25795,7 @@
                         </a:rPr>
                         <a:t>2025.01-2025.05</a:t>
                       </a:r>
-                      <a:endParaRPr lang="zh-CN" sz="1200">
+                      <a:endParaRPr lang="zh-CN" sz="1200" dirty="0">
                         <a:effectLst/>
                         <a:latin typeface="Times New Roman" panose="02020603050405020304" pitchFamily="18" charset="0"/>
                         <a:ea typeface="宋体" panose="02010600030101010101" pitchFamily="2" charset="-122"/>
@@ -26739,7 +26799,7 @@
             </a:ln>
             <a:extLst>
               <a:ext uri="{91240B29-F687-4f45-9708-019B960494DF}">
-                <a14:hiddenLine xmlns:a14="http://schemas.microsoft.com/office/drawing/2010/main" xmlns="" w="9525">
+                <a14:hiddenLine xmlns="" xmlns:a14="http://schemas.microsoft.com/office/drawing/2010/main" w="9525">
                   <a:solidFill>
                     <a:srgbClr val="000000"/>
                   </a:solidFill>
@@ -26944,7 +27004,7 @@
             </a:ln>
             <a:extLst>
               <a:ext uri="{91240B29-F687-4f45-9708-019B960494DF}">
-                <a14:hiddenLine xmlns:a14="http://schemas.microsoft.com/office/drawing/2010/main" xmlns="" w="9525">
+                <a14:hiddenLine xmlns="" xmlns:a14="http://schemas.microsoft.com/office/drawing/2010/main" w="9525">
                   <a:solidFill>
                     <a:srgbClr val="000000"/>
                   </a:solidFill>
@@ -27219,7 +27279,7 @@
             </a:ln>
             <a:extLst>
               <a:ext uri="{91240B29-F687-4f45-9708-019B960494DF}">
-                <a14:hiddenLine xmlns:a14="http://schemas.microsoft.com/office/drawing/2010/main" xmlns="" w="9525">
+                <a14:hiddenLine xmlns="" xmlns:a14="http://schemas.microsoft.com/office/drawing/2010/main" w="9525">
                   <a:solidFill>
                     <a:srgbClr val="000000"/>
                   </a:solidFill>
@@ -27385,7 +27445,7 @@
             </a:ln>
             <a:extLst>
               <a:ext uri="{91240B29-F687-4f45-9708-019B960494DF}">
-                <a14:hiddenLine xmlns:a14="http://schemas.microsoft.com/office/drawing/2010/main" xmlns="" w="9525">
+                <a14:hiddenLine xmlns="" xmlns:a14="http://schemas.microsoft.com/office/drawing/2010/main" w="9525">
                   <a:solidFill>
                     <a:srgbClr val="000000"/>
                   </a:solidFill>
@@ -28685,14 +28745,14 @@
           </a:ln>
           <a:extLst>
             <a:ext uri="{909E8E84-426E-40dd-AFC4-6F175D3DCCD1}">
-              <a14:hiddenFill xmlns:a14="http://schemas.microsoft.com/office/drawing/2010/main" xmlns="">
+              <a14:hiddenFill xmlns="" xmlns:a14="http://schemas.microsoft.com/office/drawing/2010/main">
                 <a:solidFill>
                   <a:srgbClr val="FFFFFF"/>
                 </a:solidFill>
               </a14:hiddenFill>
             </a:ext>
             <a:ext uri="{91240B29-F687-4f45-9708-019B960494DF}">
-              <a14:hiddenLine xmlns:a14="http://schemas.microsoft.com/office/drawing/2010/main" xmlns="" w="9525">
+              <a14:hiddenLine xmlns="" xmlns:a14="http://schemas.microsoft.com/office/drawing/2010/main" w="9525">
                 <a:solidFill>
                   <a:srgbClr val="000000"/>
                 </a:solidFill>
@@ -32327,14 +32387,14 @@
           </a:ln>
           <a:extLst>
             <a:ext uri="{909E8E84-426E-40dd-AFC4-6F175D3DCCD1}">
-              <a14:hiddenFill xmlns:a14="http://schemas.microsoft.com/office/drawing/2010/main" xmlns="">
+              <a14:hiddenFill xmlns="" xmlns:a14="http://schemas.microsoft.com/office/drawing/2010/main">
                 <a:solidFill>
                   <a:srgbClr val="FFFFFF"/>
                 </a:solidFill>
               </a14:hiddenFill>
             </a:ext>
             <a:ext uri="{91240B29-F687-4f45-9708-019B960494DF}">
-              <a14:hiddenLine xmlns:a14="http://schemas.microsoft.com/office/drawing/2010/main" xmlns="" w="9525">
+              <a14:hiddenLine xmlns="" xmlns:a14="http://schemas.microsoft.com/office/drawing/2010/main" w="9525">
                 <a:solidFill>
                   <a:srgbClr val="000000"/>
                 </a:solidFill>
@@ -32960,7 +33020,7 @@
         </p:blipFill>
         <p:spPr>
           <a:xfrm>
-            <a:off x="782424" y="2168165"/>
+            <a:off x="782424" y="1959022"/>
             <a:ext cx="4590854" cy="3365369"/>
           </a:xfrm>
           <a:prstGeom prst="rect">
@@ -33050,7 +33110,7 @@
         </p:nvSpPr>
         <p:spPr>
           <a:xfrm>
-            <a:off x="6627042" y="2012754"/>
+            <a:off x="6627042" y="1803611"/>
             <a:ext cx="3930979" cy="3628173"/>
           </a:xfrm>
           <a:prstGeom prst="rect">
@@ -33330,7 +33390,7 @@
         </p:nvSpPr>
         <p:spPr>
           <a:xfrm>
-            <a:off x="314226" y="1417672"/>
+            <a:off x="325230" y="1456174"/>
             <a:ext cx="10991655" cy="777457"/>
           </a:xfrm>
           <a:prstGeom prst="rect">
@@ -34297,14 +34357,14 @@
             </p:custDataLst>
             <p:extLst>
               <p:ext uri="{D42A27DB-BD31-4B8C-83A1-F6EECF244321}">
-                <p14:modId xmlns:p14="http://schemas.microsoft.com/office/powerpoint/2010/main" val="1145287798"/>
+                <p14:modId xmlns:p14="http://schemas.microsoft.com/office/powerpoint/2010/main" val="2787071586"/>
               </p:ext>
             </p:extLst>
           </p:nvPr>
         </p:nvGraphicFramePr>
         <p:xfrm>
-          <a:off x="593889" y="1118765"/>
-          <a:ext cx="11118647" cy="4993949"/>
+          <a:off x="575035" y="1118765"/>
+          <a:ext cx="11137501" cy="4993949"/>
         </p:xfrm>
         <a:graphic>
           <a:graphicData uri="http://schemas.openxmlformats.org/drawingml/2006/table">
@@ -34313,7 +34373,7 @@
                 <a:tableStyleId>{5940675A-B579-460E-94D1-54222C63F5DA}</a:tableStyleId>
               </a:tblPr>
               <a:tblGrid>
-                <a:gridCol w="1573327">
+                <a:gridCol w="1592181">
                   <a:extLst>
                     <a:ext uri="{9D8B030D-6E8A-4147-A177-3AD203B41FA5}">
                       <a16:colId xmlns:a16="http://schemas.microsoft.com/office/drawing/2014/main" val="20000"/>
@@ -34355,14 +34415,14 @@
                     </a:ext>
                   </a:extLst>
                 </a:gridCol>
-                <a:gridCol w="1326515">
+                <a:gridCol w="1328223">
                   <a:extLst>
                     <a:ext uri="{9D8B030D-6E8A-4147-A177-3AD203B41FA5}">
                       <a16:colId xmlns:a16="http://schemas.microsoft.com/office/drawing/2014/main" val="20006"/>
                     </a:ext>
                   </a:extLst>
                 </a:gridCol>
-                <a:gridCol w="1816100">
+                <a:gridCol w="1814392">
                   <a:extLst>
                     <a:ext uri="{9D8B030D-6E8A-4147-A177-3AD203B41FA5}">
                       <a16:colId xmlns:a16="http://schemas.microsoft.com/office/drawing/2014/main" val="20007"/>
@@ -36031,7 +36091,7 @@
                   </a:ext>
                 </a:extLst>
               </a:tr>
-              <a:tr h="365760">
+              <a:tr h="350303">
                 <a:tc>
                   <a:txBody>
                     <a:bodyPr/>
